--- a/archive/presentations/introtoc.pptx
+++ b/archive/presentations/introtoc.pptx
@@ -48,7 +48,6 @@
     <p:sldId id="293" r:id="rId44"/>
     <p:sldId id="294" r:id="rId45"/>
     <p:sldId id="295" r:id="rId46"/>
-    <p:sldId id="296" r:id="rId47"/>
   </p:sldIdLst>
   <p:sldSz cy="5143500" cx="9144000"/>
   <p:notesSz cx="6858000" cy="9144000"/>
@@ -2131,7 +2130,7 @@
       </p:grpSpPr>
       <p:sp>
         <p:nvSpPr>
-          <p:cNvPr id="180" name="Google Shape;180;g13d1a151cfc_0_51:notes"/>
+          <p:cNvPr id="180" name="Google Shape;180;g13d1a151cfc_0_57:notes"/>
           <p:cNvSpPr/>
           <p:nvPr>
             <p:ph idx="2" type="sldImg"/>
@@ -2166,7 +2165,7 @@
       </p:sp>
       <p:sp>
         <p:nvSpPr>
-          <p:cNvPr id="181" name="Google Shape;181;g13d1a151cfc_0_51:notes"/>
+          <p:cNvPr id="181" name="Google Shape;181;g13d1a151cfc_0_57:notes"/>
           <p:cNvSpPr txBox="1"/>
           <p:nvPr>
             <p:ph idx="1" type="body"/>
@@ -2230,7 +2229,7 @@
       </p:grpSpPr>
       <p:sp>
         <p:nvSpPr>
-          <p:cNvPr id="186" name="Google Shape;186;g13d1a151cfc_0_57:notes"/>
+          <p:cNvPr id="186" name="Google Shape;186;g13d1a151cfc_0_33:notes"/>
           <p:cNvSpPr/>
           <p:nvPr>
             <p:ph idx="2" type="sldImg"/>
@@ -2265,7 +2264,7 @@
       </p:sp>
       <p:sp>
         <p:nvSpPr>
-          <p:cNvPr id="187" name="Google Shape;187;g13d1a151cfc_0_57:notes"/>
+          <p:cNvPr id="187" name="Google Shape;187;g13d1a151cfc_0_33:notes"/>
           <p:cNvSpPr txBox="1"/>
           <p:nvPr>
             <p:ph idx="1" type="body"/>
@@ -2329,7 +2328,7 @@
       </p:grpSpPr>
       <p:sp>
         <p:nvSpPr>
-          <p:cNvPr id="192" name="Google Shape;192;g13d1a151cfc_0_33:notes"/>
+          <p:cNvPr id="192" name="Google Shape;192;g13a9de2407d_0_58:notes"/>
           <p:cNvSpPr/>
           <p:nvPr>
             <p:ph idx="2" type="sldImg"/>
@@ -2364,7 +2363,7 @@
       </p:sp>
       <p:sp>
         <p:nvSpPr>
-          <p:cNvPr id="193" name="Google Shape;193;g13d1a151cfc_0_33:notes"/>
+          <p:cNvPr id="193" name="Google Shape;193;g13a9de2407d_0_58:notes"/>
           <p:cNvSpPr txBox="1"/>
           <p:nvPr>
             <p:ph idx="1" type="body"/>
@@ -2414,7 +2413,7 @@
   <p:cSld>
     <p:spTree>
       <p:nvGrpSpPr>
-        <p:cNvPr id="197" name="Shape 197"/>
+        <p:cNvPr id="198" name="Shape 198"/>
         <p:cNvGrpSpPr/>
         <p:nvPr/>
       </p:nvGrpSpPr>
@@ -2428,7 +2427,7 @@
       </p:grpSpPr>
       <p:sp>
         <p:nvSpPr>
-          <p:cNvPr id="198" name="Google Shape;198;g13a9de2407d_0_58:notes"/>
+          <p:cNvPr id="199" name="Google Shape;199;g13d1a151cfc_0_28:notes"/>
           <p:cNvSpPr/>
           <p:nvPr>
             <p:ph idx="2" type="sldImg"/>
@@ -2463,7 +2462,7 @@
       </p:sp>
       <p:sp>
         <p:nvSpPr>
-          <p:cNvPr id="199" name="Google Shape;199;g13a9de2407d_0_58:notes"/>
+          <p:cNvPr id="200" name="Google Shape;200;g13d1a151cfc_0_28:notes"/>
           <p:cNvSpPr txBox="1"/>
           <p:nvPr>
             <p:ph idx="1" type="body"/>
@@ -2527,7 +2526,7 @@
       </p:grpSpPr>
       <p:sp>
         <p:nvSpPr>
-          <p:cNvPr id="205" name="Google Shape;205;g13d1a151cfc_0_28:notes"/>
+          <p:cNvPr id="205" name="Google Shape;205;g13a9de2407d_0_64:notes"/>
           <p:cNvSpPr/>
           <p:nvPr>
             <p:ph idx="2" type="sldImg"/>
@@ -2562,7 +2561,7 @@
       </p:sp>
       <p:sp>
         <p:nvSpPr>
-          <p:cNvPr id="206" name="Google Shape;206;g13d1a151cfc_0_28:notes"/>
+          <p:cNvPr id="206" name="Google Shape;206;g13a9de2407d_0_64:notes"/>
           <p:cNvSpPr txBox="1"/>
           <p:nvPr>
             <p:ph idx="1" type="body"/>
@@ -2626,7 +2625,7 @@
       </p:grpSpPr>
       <p:sp>
         <p:nvSpPr>
-          <p:cNvPr id="211" name="Google Shape;211;g13a9de2407d_0_64:notes"/>
+          <p:cNvPr id="211" name="Google Shape;211;g13d1a151cfc_0_63:notes"/>
           <p:cNvSpPr/>
           <p:nvPr>
             <p:ph idx="2" type="sldImg"/>
@@ -2661,7 +2660,7 @@
       </p:sp>
       <p:sp>
         <p:nvSpPr>
-          <p:cNvPr id="212" name="Google Shape;212;g13a9de2407d_0_64:notes"/>
+          <p:cNvPr id="212" name="Google Shape;212;g13d1a151cfc_0_63:notes"/>
           <p:cNvSpPr txBox="1"/>
           <p:nvPr>
             <p:ph idx="1" type="body"/>
@@ -2725,7 +2724,7 @@
       </p:grpSpPr>
       <p:sp>
         <p:nvSpPr>
-          <p:cNvPr id="217" name="Google Shape;217;g13d1a151cfc_0_63:notes"/>
+          <p:cNvPr id="217" name="Google Shape;217;g13d1a151cfc_0_69:notes"/>
           <p:cNvSpPr/>
           <p:nvPr>
             <p:ph idx="2" type="sldImg"/>
@@ -2760,7 +2759,7 @@
       </p:sp>
       <p:sp>
         <p:nvSpPr>
-          <p:cNvPr id="218" name="Google Shape;218;g13d1a151cfc_0_63:notes"/>
+          <p:cNvPr id="218" name="Google Shape;218;g13d1a151cfc_0_69:notes"/>
           <p:cNvSpPr txBox="1"/>
           <p:nvPr>
             <p:ph idx="1" type="body"/>
@@ -2824,7 +2823,7 @@
       </p:grpSpPr>
       <p:sp>
         <p:nvSpPr>
-          <p:cNvPr id="223" name="Google Shape;223;g13d1a151cfc_0_69:notes"/>
+          <p:cNvPr id="223" name="Google Shape;223;g13d1a151cfc_0_75:notes"/>
           <p:cNvSpPr/>
           <p:nvPr>
             <p:ph idx="2" type="sldImg"/>
@@ -2859,7 +2858,7 @@
       </p:sp>
       <p:sp>
         <p:nvSpPr>
-          <p:cNvPr id="224" name="Google Shape;224;g13d1a151cfc_0_69:notes"/>
+          <p:cNvPr id="224" name="Google Shape;224;g13d1a151cfc_0_75:notes"/>
           <p:cNvSpPr txBox="1"/>
           <p:nvPr>
             <p:ph idx="1" type="body"/>
@@ -3022,7 +3021,7 @@
       </p:grpSpPr>
       <p:sp>
         <p:nvSpPr>
-          <p:cNvPr id="229" name="Google Shape;229;g13d1a151cfc_0_75:notes"/>
+          <p:cNvPr id="229" name="Google Shape;229;g13d1a151cfc_0_81:notes"/>
           <p:cNvSpPr/>
           <p:nvPr>
             <p:ph idx="2" type="sldImg"/>
@@ -3057,7 +3056,7 @@
       </p:sp>
       <p:sp>
         <p:nvSpPr>
-          <p:cNvPr id="230" name="Google Shape;230;g13d1a151cfc_0_75:notes"/>
+          <p:cNvPr id="230" name="Google Shape;230;g13d1a151cfc_0_81:notes"/>
           <p:cNvSpPr txBox="1"/>
           <p:nvPr>
             <p:ph idx="1" type="body"/>
@@ -3121,7 +3120,7 @@
       </p:grpSpPr>
       <p:sp>
         <p:nvSpPr>
-          <p:cNvPr id="235" name="Google Shape;235;g13d1a151cfc_0_81:notes"/>
+          <p:cNvPr id="235" name="Google Shape;235;g13d1a151cfc_0_134:notes"/>
           <p:cNvSpPr/>
           <p:nvPr>
             <p:ph idx="2" type="sldImg"/>
@@ -3156,7 +3155,7 @@
       </p:sp>
       <p:sp>
         <p:nvSpPr>
-          <p:cNvPr id="236" name="Google Shape;236;g13d1a151cfc_0_81:notes"/>
+          <p:cNvPr id="236" name="Google Shape;236;g13d1a151cfc_0_134:notes"/>
           <p:cNvSpPr txBox="1"/>
           <p:nvPr>
             <p:ph idx="1" type="body"/>
@@ -3220,7 +3219,7 @@
       </p:grpSpPr>
       <p:sp>
         <p:nvSpPr>
-          <p:cNvPr id="241" name="Google Shape;241;g13d1a151cfc_0_134:notes"/>
+          <p:cNvPr id="241" name="Google Shape;241;g13d1a151cfc_0_86:notes"/>
           <p:cNvSpPr/>
           <p:nvPr>
             <p:ph idx="2" type="sldImg"/>
@@ -3255,7 +3254,7 @@
       </p:sp>
       <p:sp>
         <p:nvSpPr>
-          <p:cNvPr id="242" name="Google Shape;242;g13d1a151cfc_0_134:notes"/>
+          <p:cNvPr id="242" name="Google Shape;242;g13d1a151cfc_0_86:notes"/>
           <p:cNvSpPr txBox="1"/>
           <p:nvPr>
             <p:ph idx="1" type="body"/>
@@ -3319,7 +3318,7 @@
       </p:grpSpPr>
       <p:sp>
         <p:nvSpPr>
-          <p:cNvPr id="247" name="Google Shape;247;g13d1a151cfc_0_86:notes"/>
+          <p:cNvPr id="247" name="Google Shape;247;g13d1a151cfc_0_93:notes"/>
           <p:cNvSpPr/>
           <p:nvPr>
             <p:ph idx="2" type="sldImg"/>
@@ -3354,7 +3353,7 @@
       </p:sp>
       <p:sp>
         <p:nvSpPr>
-          <p:cNvPr id="248" name="Google Shape;248;g13d1a151cfc_0_86:notes"/>
+          <p:cNvPr id="248" name="Google Shape;248;g13d1a151cfc_0_93:notes"/>
           <p:cNvSpPr txBox="1"/>
           <p:nvPr>
             <p:ph idx="1" type="body"/>
@@ -3418,7 +3417,7 @@
       </p:grpSpPr>
       <p:sp>
         <p:nvSpPr>
-          <p:cNvPr id="253" name="Google Shape;253;g13d1a151cfc_0_93:notes"/>
+          <p:cNvPr id="253" name="Google Shape;253;g13d1a151cfc_0_100:notes"/>
           <p:cNvSpPr/>
           <p:nvPr>
             <p:ph idx="2" type="sldImg"/>
@@ -3453,7 +3452,7 @@
       </p:sp>
       <p:sp>
         <p:nvSpPr>
-          <p:cNvPr id="254" name="Google Shape;254;g13d1a151cfc_0_93:notes"/>
+          <p:cNvPr id="254" name="Google Shape;254;g13d1a151cfc_0_100:notes"/>
           <p:cNvSpPr txBox="1"/>
           <p:nvPr>
             <p:ph idx="1" type="body"/>
@@ -3517,7 +3516,7 @@
       </p:grpSpPr>
       <p:sp>
         <p:nvSpPr>
-          <p:cNvPr id="259" name="Google Shape;259;g13d1a151cfc_0_100:notes"/>
+          <p:cNvPr id="259" name="Google Shape;259;g13d1a151cfc_0_106:notes"/>
           <p:cNvSpPr/>
           <p:nvPr>
             <p:ph idx="2" type="sldImg"/>
@@ -3552,7 +3551,7 @@
       </p:sp>
       <p:sp>
         <p:nvSpPr>
-          <p:cNvPr id="260" name="Google Shape;260;g13d1a151cfc_0_100:notes"/>
+          <p:cNvPr id="260" name="Google Shape;260;g13d1a151cfc_0_106:notes"/>
           <p:cNvSpPr txBox="1"/>
           <p:nvPr>
             <p:ph idx="1" type="body"/>
@@ -3602,7 +3601,7 @@
   <p:cSld>
     <p:spTree>
       <p:nvGrpSpPr>
-        <p:cNvPr id="264" name="Shape 264"/>
+        <p:cNvPr id="265" name="Shape 265"/>
         <p:cNvGrpSpPr/>
         <p:nvPr/>
       </p:nvGrpSpPr>
@@ -3616,7 +3615,7 @@
       </p:grpSpPr>
       <p:sp>
         <p:nvSpPr>
-          <p:cNvPr id="265" name="Google Shape;265;g13d1a151cfc_0_106:notes"/>
+          <p:cNvPr id="266" name="Google Shape;266;g13d1a151cfc_0_112:notes"/>
           <p:cNvSpPr/>
           <p:nvPr>
             <p:ph idx="2" type="sldImg"/>
@@ -3651,7 +3650,7 @@
       </p:sp>
       <p:sp>
         <p:nvSpPr>
-          <p:cNvPr id="266" name="Google Shape;266;g13d1a151cfc_0_106:notes"/>
+          <p:cNvPr id="267" name="Google Shape;267;g13d1a151cfc_0_112:notes"/>
           <p:cNvSpPr txBox="1"/>
           <p:nvPr>
             <p:ph idx="1" type="body"/>
@@ -3715,7 +3714,7 @@
       </p:grpSpPr>
       <p:sp>
         <p:nvSpPr>
-          <p:cNvPr id="272" name="Google Shape;272;g13d1a151cfc_0_112:notes"/>
+          <p:cNvPr id="272" name="Google Shape;272;g13d1a151cfc_0_123:notes"/>
           <p:cNvSpPr/>
           <p:nvPr>
             <p:ph idx="2" type="sldImg"/>
@@ -3750,7 +3749,7 @@
       </p:sp>
       <p:sp>
         <p:nvSpPr>
-          <p:cNvPr id="273" name="Google Shape;273;g13d1a151cfc_0_112:notes"/>
+          <p:cNvPr id="273" name="Google Shape;273;g13d1a151cfc_0_123:notes"/>
           <p:cNvSpPr txBox="1"/>
           <p:nvPr>
             <p:ph idx="1" type="body"/>
@@ -3814,7 +3813,7 @@
       </p:grpSpPr>
       <p:sp>
         <p:nvSpPr>
-          <p:cNvPr id="278" name="Google Shape;278;g13d1a151cfc_0_123:notes"/>
+          <p:cNvPr id="278" name="Google Shape;278;g13d1a151cfc_0_129:notes"/>
           <p:cNvSpPr/>
           <p:nvPr>
             <p:ph idx="2" type="sldImg"/>
@@ -3849,7 +3848,7 @@
       </p:sp>
       <p:sp>
         <p:nvSpPr>
-          <p:cNvPr id="279" name="Google Shape;279;g13d1a151cfc_0_123:notes"/>
+          <p:cNvPr id="279" name="Google Shape;279;g13d1a151cfc_0_129:notes"/>
           <p:cNvSpPr txBox="1"/>
           <p:nvPr>
             <p:ph idx="1" type="body"/>
@@ -3913,7 +3912,7 @@
       </p:grpSpPr>
       <p:sp>
         <p:nvSpPr>
-          <p:cNvPr id="284" name="Google Shape;284;g13d1a151cfc_0_129:notes"/>
+          <p:cNvPr id="284" name="Google Shape;284;g13d1a151cfc_0_118:notes"/>
           <p:cNvSpPr/>
           <p:nvPr>
             <p:ph idx="2" type="sldImg"/>
@@ -3948,7 +3947,7 @@
       </p:sp>
       <p:sp>
         <p:nvSpPr>
-          <p:cNvPr id="285" name="Google Shape;285;g13d1a151cfc_0_129:notes"/>
+          <p:cNvPr id="285" name="Google Shape;285;g13d1a151cfc_0_118:notes"/>
           <p:cNvSpPr txBox="1"/>
           <p:nvPr>
             <p:ph idx="1" type="body"/>
@@ -4111,7 +4110,7 @@
       </p:grpSpPr>
       <p:sp>
         <p:nvSpPr>
-          <p:cNvPr id="290" name="Google Shape;290;g13d1a151cfc_0_118:notes"/>
+          <p:cNvPr id="290" name="Google Shape;290;g13a9de2407d_0_6:notes"/>
           <p:cNvSpPr/>
           <p:nvPr>
             <p:ph idx="2" type="sldImg"/>
@@ -4146,106 +4145,7 @@
       </p:sp>
       <p:sp>
         <p:nvSpPr>
-          <p:cNvPr id="291" name="Google Shape;291;g13d1a151cfc_0_118:notes"/>
-          <p:cNvSpPr txBox="1"/>
-          <p:nvPr>
-            <p:ph idx="1" type="body"/>
-          </p:nvPr>
-        </p:nvSpPr>
-        <p:spPr>
-          <a:xfrm>
-            <a:off x="685800" y="4343400"/>
-            <a:ext cx="5486400" cy="4114800"/>
-          </a:xfrm>
-          <a:prstGeom prst="rect">
-            <a:avLst/>
-          </a:prstGeom>
-        </p:spPr>
-        <p:txBody>
-          <a:bodyPr anchorCtr="0" anchor="t" bIns="91425" lIns="91425" spcFirstLastPara="1" rIns="91425" wrap="square" tIns="91425">
-            <a:noAutofit/>
-          </a:bodyPr>
-          <a:lstStyle/>
-          <a:p>
-            <a:pPr indent="0" lvl="0" marL="0" rtl="0" algn="l">
-              <a:spcBef>
-                <a:spcPts val="0"/>
-              </a:spcBef>
-              <a:spcAft>
-                <a:spcPts val="0"/>
-              </a:spcAft>
-              <a:buNone/>
-            </a:pPr>
-            <a:r>
-              <a:t/>
-            </a:r>
-            <a:endParaRPr/>
-          </a:p>
-        </p:txBody>
-      </p:sp>
-    </p:spTree>
-  </p:cSld>
-  <p:clrMapOvr>
-    <a:masterClrMapping/>
-  </p:clrMapOvr>
-</p:notes>
-</file>
-
-<file path=ppt/notesSlides/notesSlide41.xml><?xml version="1.0" encoding="utf-8"?>
-<p:notes xmlns:a="http://schemas.openxmlformats.org/drawingml/2006/main" xmlns:r="http://schemas.openxmlformats.org/officeDocument/2006/relationships" xmlns:mc="http://schemas.openxmlformats.org/markup-compatibility/2006" xmlns:mv="urn:schemas-microsoft-com:mac:vml" xmlns:p="http://schemas.openxmlformats.org/presentationml/2006/main" xmlns:c="http://schemas.openxmlformats.org/drawingml/2006/chart" xmlns:dgm="http://schemas.openxmlformats.org/drawingml/2006/diagram" xmlns:o="urn:schemas-microsoft-com:office:office" xmlns:v="urn:schemas-microsoft-com:vml" xmlns:pvml="urn:schemas-microsoft-com:office:powerpoint" xmlns:com="http://schemas.openxmlformats.org/drawingml/2006/compatibility" xmlns:p14="http://schemas.microsoft.com/office/powerpoint/2010/main" xmlns:p15="http://schemas.microsoft.com/office/powerpoint/2012/main" xmlns:ahyp="http://schemas.microsoft.com/office/drawing/2018/hyperlinkcolor" showMasterPhAnim="0" showMasterSp="0">
-  <p:cSld>
-    <p:spTree>
-      <p:nvGrpSpPr>
-        <p:cNvPr id="295" name="Shape 295"/>
-        <p:cNvGrpSpPr/>
-        <p:nvPr/>
-      </p:nvGrpSpPr>
-      <p:grpSpPr>
-        <a:xfrm>
-          <a:off x="0" y="0"/>
-          <a:ext cx="0" cy="0"/>
-          <a:chOff x="0" y="0"/>
-          <a:chExt cx="0" cy="0"/>
-        </a:xfrm>
-      </p:grpSpPr>
-      <p:sp>
-        <p:nvSpPr>
-          <p:cNvPr id="296" name="Google Shape;296;g13a9de2407d_0_6:notes"/>
-          <p:cNvSpPr/>
-          <p:nvPr>
-            <p:ph idx="2" type="sldImg"/>
-          </p:nvPr>
-        </p:nvSpPr>
-        <p:spPr>
-          <a:xfrm>
-            <a:off x="381300" y="685800"/>
-            <a:ext cx="6096000" cy="3429000"/>
-          </a:xfrm>
-          <a:custGeom>
-            <a:rect b="b" l="l" r="r" t="t"/>
-            <a:pathLst>
-              <a:path extrusionOk="0" h="120000" w="120000">
-                <a:moveTo>
-                  <a:pt x="0" y="0"/>
-                </a:moveTo>
-                <a:lnTo>
-                  <a:pt x="120000" y="0"/>
-                </a:lnTo>
-                <a:lnTo>
-                  <a:pt x="120000" y="120000"/>
-                </a:lnTo>
-                <a:lnTo>
-                  <a:pt x="0" y="120000"/>
-                </a:lnTo>
-                <a:close/>
-              </a:path>
-            </a:pathLst>
-          </a:custGeom>
-        </p:spPr>
-      </p:sp>
-      <p:sp>
-        <p:nvSpPr>
-          <p:cNvPr id="297" name="Google Shape;297;g13a9de2407d_0_6:notes"/>
+          <p:cNvPr id="291" name="Google Shape;291;g13a9de2407d_0_6:notes"/>
           <p:cNvSpPr txBox="1"/>
           <p:nvPr>
             <p:ph idx="1" type="body"/>
@@ -12519,7 +12419,7 @@
             <a:tbl>
               <a:tblPr>
                 <a:noFill/>
-                <a:tableStyleId>{4698DC07-C927-4A41-A434-B5C54FACFCE1}</a:tableStyleId>
+                <a:tableStyleId>{A8E7C99B-252F-4A4E-B28B-D1AA76B14E8A}</a:tableStyleId>
               </a:tblPr>
               <a:tblGrid>
                 <a:gridCol w="1581875"/>
@@ -14351,7 +14251,7 @@
         </p:nvSpPr>
         <p:spPr>
           <a:xfrm>
-            <a:off x="609600" y="1028700"/>
+            <a:off x="2149025" y="231825"/>
             <a:ext cx="8229600" cy="571500"/>
           </a:xfrm>
           <a:prstGeom prst="rect">
@@ -14374,7 +14274,8 @@
               <a:buNone/>
             </a:pPr>
             <a:r>
-              <a:t/>
+              <a:rPr lang="en-GB"/>
+              <a:t>Program Features</a:t>
             </a:r>
             <a:endParaRPr/>
           </a:p>
@@ -14390,7 +14291,7 @@
         </p:nvSpPr>
         <p:spPr>
           <a:xfrm>
-            <a:off x="609600" y="1771650"/>
+            <a:off x="709225" y="1264550"/>
             <a:ext cx="8229600" cy="2800200"/>
           </a:xfrm>
           <a:prstGeom prst="rect">
@@ -14484,6 +14385,23 @@
             <a:r>
               <a:rPr lang="en-GB"/>
               <a:t>Repetition of operations</a:t>
+            </a:r>
+            <a:endParaRPr/>
+          </a:p>
+          <a:p>
+            <a:pPr indent="-342900" lvl="0" marL="457200" rtl="0" algn="l">
+              <a:spcBef>
+                <a:spcPts val="0"/>
+              </a:spcBef>
+              <a:spcAft>
+                <a:spcPts val="0"/>
+              </a:spcAft>
+              <a:buSzPts val="1800"/>
+              <a:buChar char="•"/>
+            </a:pPr>
+            <a:r>
+              <a:rPr lang="en-GB"/>
+              <a:t>Functions</a:t>
             </a:r>
             <a:endParaRPr/>
           </a:p>
@@ -15794,560 +15712,6 @@
         </p:nvSpPr>
         <p:spPr>
           <a:xfrm>
-            <a:off x="609600" y="1028700"/>
-            <a:ext cx="8229600" cy="571500"/>
-          </a:xfrm>
-          <a:prstGeom prst="rect">
-            <a:avLst/>
-          </a:prstGeom>
-        </p:spPr>
-        <p:txBody>
-          <a:bodyPr anchorCtr="0" anchor="t" bIns="45700" lIns="91425" spcFirstLastPara="1" rIns="91425" wrap="square" tIns="45700">
-            <a:noAutofit/>
-          </a:bodyPr>
-          <a:lstStyle/>
-          <a:p>
-            <a:pPr indent="0" lvl="0" marL="0" rtl="0" algn="l">
-              <a:spcBef>
-                <a:spcPts val="0"/>
-              </a:spcBef>
-              <a:spcAft>
-                <a:spcPts val="0"/>
-              </a:spcAft>
-              <a:buNone/>
-            </a:pPr>
-            <a:r>
-              <a:rPr lang="en-GB"/>
-              <a:t>Variable Types</a:t>
-            </a:r>
-            <a:endParaRPr/>
-          </a:p>
-        </p:txBody>
-      </p:sp>
-      <p:sp>
-        <p:nvSpPr>
-          <p:cNvPr id="184" name="Google Shape;184;p35"/>
-          <p:cNvSpPr txBox="1"/>
-          <p:nvPr>
-            <p:ph idx="1" type="body"/>
-          </p:nvPr>
-        </p:nvSpPr>
-        <p:spPr>
-          <a:xfrm>
-            <a:off x="609600" y="1771650"/>
-            <a:ext cx="8229600" cy="2800200"/>
-          </a:xfrm>
-          <a:prstGeom prst="rect">
-            <a:avLst/>
-          </a:prstGeom>
-        </p:spPr>
-        <p:txBody>
-          <a:bodyPr anchorCtr="0" anchor="t" bIns="45700" lIns="91425" spcFirstLastPara="1" rIns="91425" wrap="square" tIns="45700">
-            <a:noAutofit/>
-          </a:bodyPr>
-          <a:lstStyle/>
-          <a:p>
-            <a:pPr indent="0" lvl="0" marL="0" rtl="0" algn="l">
-              <a:lnSpc>
-                <a:spcPct val="115000"/>
-              </a:lnSpc>
-              <a:spcBef>
-                <a:spcPts val="0"/>
-              </a:spcBef>
-              <a:spcAft>
-                <a:spcPts val="0"/>
-              </a:spcAft>
-              <a:buNone/>
-            </a:pPr>
-            <a:r>
-              <a:rPr lang="en-GB" sz="1500">
-                <a:solidFill>
-                  <a:srgbClr val="00009A"/>
-                </a:solidFill>
-              </a:rPr>
-              <a:t>Type Size</a:t>
-            </a:r>
-            <a:endParaRPr sz="1500">
-              <a:solidFill>
-                <a:srgbClr val="00009A"/>
-              </a:solidFill>
-            </a:endParaRPr>
-          </a:p>
-          <a:p>
-            <a:pPr indent="0" lvl="0" marL="0" rtl="0" algn="l">
-              <a:lnSpc>
-                <a:spcPct val="115000"/>
-              </a:lnSpc>
-              <a:spcBef>
-                <a:spcPts val="0"/>
-              </a:spcBef>
-              <a:spcAft>
-                <a:spcPts val="0"/>
-              </a:spcAft>
-              <a:buNone/>
-            </a:pPr>
-            <a:r>
-              <a:rPr lang="en-GB" sz="1500">
-                <a:solidFill>
-                  <a:srgbClr val="00009A"/>
-                </a:solidFill>
-              </a:rPr>
-              <a:t>(Bytes)</a:t>
-            </a:r>
-            <a:endParaRPr sz="1500">
-              <a:solidFill>
-                <a:srgbClr val="00009A"/>
-              </a:solidFill>
-            </a:endParaRPr>
-          </a:p>
-          <a:p>
-            <a:pPr indent="0" lvl="0" marL="0" rtl="0" algn="l">
-              <a:lnSpc>
-                <a:spcPct val="115000"/>
-              </a:lnSpc>
-              <a:spcBef>
-                <a:spcPts val="0"/>
-              </a:spcBef>
-              <a:spcAft>
-                <a:spcPts val="0"/>
-              </a:spcAft>
-              <a:buNone/>
-            </a:pPr>
-            <a:r>
-              <a:rPr lang="en-GB" sz="1500">
-                <a:solidFill>
-                  <a:srgbClr val="00009A"/>
-                </a:solidFill>
-              </a:rPr>
-              <a:t>Lower Upper</a:t>
-            </a:r>
-            <a:endParaRPr sz="1500">
-              <a:solidFill>
-                <a:srgbClr val="00009A"/>
-              </a:solidFill>
-            </a:endParaRPr>
-          </a:p>
-          <a:p>
-            <a:pPr indent="0" lvl="0" marL="0" rtl="0" algn="l">
-              <a:lnSpc>
-                <a:spcPct val="115000"/>
-              </a:lnSpc>
-              <a:spcBef>
-                <a:spcPts val="0"/>
-              </a:spcBef>
-              <a:spcAft>
-                <a:spcPts val="0"/>
-              </a:spcAft>
-              <a:buNone/>
-            </a:pPr>
-            <a:r>
-              <a:rPr lang="en-GB" sz="1500">
-                <a:solidFill>
-                  <a:srgbClr val="00009A"/>
-                </a:solidFill>
-              </a:rPr>
-              <a:t>int 4 -2</a:t>
-            </a:r>
-            <a:r>
-              <a:rPr lang="en-GB" sz="1000">
-                <a:solidFill>
-                  <a:srgbClr val="00009A"/>
-                </a:solidFill>
-              </a:rPr>
-              <a:t>31 </a:t>
-            </a:r>
-            <a:r>
-              <a:rPr lang="en-GB" sz="1500">
-                <a:solidFill>
-                  <a:srgbClr val="00009A"/>
-                </a:solidFill>
-              </a:rPr>
-              <a:t>+2</a:t>
-            </a:r>
-            <a:r>
-              <a:rPr lang="en-GB" sz="1000">
-                <a:solidFill>
-                  <a:srgbClr val="00009A"/>
-                </a:solidFill>
-              </a:rPr>
-              <a:t>31</a:t>
-            </a:r>
-            <a:r>
-              <a:rPr lang="en-GB" sz="1500">
-                <a:solidFill>
-                  <a:srgbClr val="00009A"/>
-                </a:solidFill>
-              </a:rPr>
-              <a:t>-1</a:t>
-            </a:r>
-            <a:endParaRPr sz="1500">
-              <a:solidFill>
-                <a:srgbClr val="00009A"/>
-              </a:solidFill>
-            </a:endParaRPr>
-          </a:p>
-          <a:p>
-            <a:pPr indent="0" lvl="0" marL="0" rtl="0" algn="l">
-              <a:lnSpc>
-                <a:spcPct val="115000"/>
-              </a:lnSpc>
-              <a:spcBef>
-                <a:spcPts val="0"/>
-              </a:spcBef>
-              <a:spcAft>
-                <a:spcPts val="0"/>
-              </a:spcAft>
-              <a:buNone/>
-            </a:pPr>
-            <a:r>
-              <a:rPr lang="en-GB" sz="1500">
-                <a:solidFill>
-                  <a:srgbClr val="00009A"/>
-                </a:solidFill>
-              </a:rPr>
-              <a:t>float 4 -3.2X10</a:t>
-            </a:r>
-            <a:r>
-              <a:rPr lang="en-GB" sz="1000">
-                <a:solidFill>
-                  <a:srgbClr val="00009A"/>
-                </a:solidFill>
-              </a:rPr>
-              <a:t>32 </a:t>
-            </a:r>
-            <a:r>
-              <a:rPr lang="en-GB" sz="1500">
-                <a:solidFill>
-                  <a:srgbClr val="00009A"/>
-                </a:solidFill>
-              </a:rPr>
-              <a:t>3.2X10</a:t>
-            </a:r>
-            <a:r>
-              <a:rPr lang="en-GB" sz="1000">
-                <a:solidFill>
-                  <a:srgbClr val="00009A"/>
-                </a:solidFill>
-              </a:rPr>
-              <a:t>32</a:t>
-            </a:r>
-            <a:endParaRPr sz="1000">
-              <a:solidFill>
-                <a:srgbClr val="00009A"/>
-              </a:solidFill>
-            </a:endParaRPr>
-          </a:p>
-          <a:p>
-            <a:pPr indent="0" lvl="0" marL="0" rtl="0" algn="l">
-              <a:lnSpc>
-                <a:spcPct val="115000"/>
-              </a:lnSpc>
-              <a:spcBef>
-                <a:spcPts val="0"/>
-              </a:spcBef>
-              <a:spcAft>
-                <a:spcPts val="0"/>
-              </a:spcAft>
-              <a:buNone/>
-            </a:pPr>
-            <a:r>
-              <a:rPr lang="en-GB" sz="1500">
-                <a:solidFill>
-                  <a:srgbClr val="00009A"/>
-                </a:solidFill>
-              </a:rPr>
-              <a:t>double 8 -</a:t>
-            </a:r>
-            <a:endParaRPr sz="1500">
-              <a:solidFill>
-                <a:srgbClr val="00009A"/>
-              </a:solidFill>
-            </a:endParaRPr>
-          </a:p>
-          <a:p>
-            <a:pPr indent="0" lvl="0" marL="0" rtl="0" algn="l">
-              <a:lnSpc>
-                <a:spcPct val="115000"/>
-              </a:lnSpc>
-              <a:spcBef>
-                <a:spcPts val="0"/>
-              </a:spcBef>
-              <a:spcAft>
-                <a:spcPts val="0"/>
-              </a:spcAft>
-              <a:buNone/>
-            </a:pPr>
-            <a:r>
-              <a:rPr lang="en-GB" sz="1500">
-                <a:solidFill>
-                  <a:srgbClr val="00009A"/>
-                </a:solidFill>
-              </a:rPr>
-              <a:t>1.7X10</a:t>
-            </a:r>
-            <a:r>
-              <a:rPr lang="en-GB" sz="1000">
-                <a:solidFill>
-                  <a:srgbClr val="00009A"/>
-                </a:solidFill>
-              </a:rPr>
-              <a:t>302</a:t>
-            </a:r>
-            <a:endParaRPr sz="1000">
-              <a:solidFill>
-                <a:srgbClr val="00009A"/>
-              </a:solidFill>
-            </a:endParaRPr>
-          </a:p>
-          <a:p>
-            <a:pPr indent="0" lvl="0" marL="0" rtl="0" algn="l">
-              <a:lnSpc>
-                <a:spcPct val="115000"/>
-              </a:lnSpc>
-              <a:spcBef>
-                <a:spcPts val="0"/>
-              </a:spcBef>
-              <a:spcAft>
-                <a:spcPts val="0"/>
-              </a:spcAft>
-              <a:buNone/>
-            </a:pPr>
-            <a:r>
-              <a:rPr lang="en-GB" sz="1500">
-                <a:solidFill>
-                  <a:srgbClr val="00009A"/>
-                </a:solidFill>
-              </a:rPr>
-              <a:t>1.7X10</a:t>
-            </a:r>
-            <a:r>
-              <a:rPr lang="en-GB" sz="1000">
-                <a:solidFill>
-                  <a:srgbClr val="00009A"/>
-                </a:solidFill>
-              </a:rPr>
-              <a:t>302</a:t>
-            </a:r>
-            <a:endParaRPr sz="1000">
-              <a:solidFill>
-                <a:srgbClr val="00009A"/>
-              </a:solidFill>
-            </a:endParaRPr>
-          </a:p>
-          <a:p>
-            <a:pPr indent="0" lvl="0" marL="0" rtl="0" algn="l">
-              <a:lnSpc>
-                <a:spcPct val="115000"/>
-              </a:lnSpc>
-              <a:spcBef>
-                <a:spcPts val="0"/>
-              </a:spcBef>
-              <a:spcAft>
-                <a:spcPts val="0"/>
-              </a:spcAft>
-              <a:buNone/>
-            </a:pPr>
-            <a:r>
-              <a:rPr lang="en-GB" sz="1500">
-                <a:solidFill>
-                  <a:srgbClr val="00009A"/>
-                </a:solidFill>
-              </a:rPr>
-              <a:t>char 1 - -</a:t>
-            </a:r>
-            <a:endParaRPr sz="1500">
-              <a:solidFill>
-                <a:srgbClr val="00009A"/>
-              </a:solidFill>
-            </a:endParaRPr>
-          </a:p>
-          <a:p>
-            <a:pPr indent="0" lvl="0" marL="0" rtl="0" algn="l">
-              <a:lnSpc>
-                <a:spcPct val="115000"/>
-              </a:lnSpc>
-              <a:spcBef>
-                <a:spcPts val="0"/>
-              </a:spcBef>
-              <a:spcAft>
-                <a:spcPts val="0"/>
-              </a:spcAft>
-              <a:buNone/>
-            </a:pPr>
-            <a:r>
-              <a:rPr lang="en-GB" sz="1500">
-                <a:solidFill>
-                  <a:srgbClr val="00009A"/>
-                </a:solidFill>
-              </a:rPr>
-              <a:t>unsigned char 1 0 255</a:t>
-            </a:r>
-            <a:endParaRPr sz="1500">
-              <a:solidFill>
-                <a:srgbClr val="00009A"/>
-              </a:solidFill>
-            </a:endParaRPr>
-          </a:p>
-          <a:p>
-            <a:pPr indent="0" lvl="0" marL="0" rtl="0" algn="l">
-              <a:lnSpc>
-                <a:spcPct val="115000"/>
-              </a:lnSpc>
-              <a:spcBef>
-                <a:spcPts val="0"/>
-              </a:spcBef>
-              <a:spcAft>
-                <a:spcPts val="0"/>
-              </a:spcAft>
-              <a:buNone/>
-            </a:pPr>
-            <a:r>
-              <a:rPr lang="en-GB" sz="1500">
-                <a:solidFill>
-                  <a:srgbClr val="00009A"/>
-                </a:solidFill>
-              </a:rPr>
-              <a:t>unsigned short</a:t>
-            </a:r>
-            <a:endParaRPr sz="1500">
-              <a:solidFill>
-                <a:srgbClr val="00009A"/>
-              </a:solidFill>
-            </a:endParaRPr>
-          </a:p>
-          <a:p>
-            <a:pPr indent="0" lvl="0" marL="0" rtl="0" algn="l">
-              <a:lnSpc>
-                <a:spcPct val="115000"/>
-              </a:lnSpc>
-              <a:spcBef>
-                <a:spcPts val="0"/>
-              </a:spcBef>
-              <a:spcAft>
-                <a:spcPts val="0"/>
-              </a:spcAft>
-              <a:buNone/>
-            </a:pPr>
-            <a:r>
-              <a:rPr lang="en-GB" sz="1500">
-                <a:solidFill>
-                  <a:srgbClr val="00009A"/>
-                </a:solidFill>
-              </a:rPr>
-              <a:t>int</a:t>
-            </a:r>
-            <a:endParaRPr sz="1500">
-              <a:solidFill>
-                <a:srgbClr val="00009A"/>
-              </a:solidFill>
-            </a:endParaRPr>
-          </a:p>
-          <a:p>
-            <a:pPr indent="0" lvl="0" marL="0" rtl="0" algn="l">
-              <a:lnSpc>
-                <a:spcPct val="115000"/>
-              </a:lnSpc>
-              <a:spcBef>
-                <a:spcPts val="0"/>
-              </a:spcBef>
-              <a:spcAft>
-                <a:spcPts val="0"/>
-              </a:spcAft>
-              <a:buNone/>
-            </a:pPr>
-            <a:r>
-              <a:rPr lang="en-GB" sz="1500">
-                <a:solidFill>
-                  <a:srgbClr val="00009A"/>
-                </a:solidFill>
-              </a:rPr>
-              <a:t>2 0 65536</a:t>
-            </a:r>
-            <a:endParaRPr sz="1500">
-              <a:solidFill>
-                <a:srgbClr val="00009A"/>
-              </a:solidFill>
-            </a:endParaRPr>
-          </a:p>
-          <a:p>
-            <a:pPr indent="0" lvl="0" marL="0" rtl="0" algn="l">
-              <a:lnSpc>
-                <a:spcPct val="115000"/>
-              </a:lnSpc>
-              <a:spcBef>
-                <a:spcPts val="0"/>
-              </a:spcBef>
-              <a:spcAft>
-                <a:spcPts val="0"/>
-              </a:spcAft>
-              <a:buNone/>
-            </a:pPr>
-            <a:r>
-              <a:rPr lang="en-GB" sz="1500">
-                <a:solidFill>
-                  <a:srgbClr val="00009A"/>
-                </a:solidFill>
-              </a:rPr>
-              <a:t>short int 2 -32768 32767</a:t>
-            </a:r>
-            <a:endParaRPr sz="1500">
-              <a:solidFill>
-                <a:srgbClr val="00009A"/>
-              </a:solidFill>
-            </a:endParaRPr>
-          </a:p>
-          <a:p>
-            <a:pPr indent="0" lvl="0" marL="0" rtl="0" algn="l">
-              <a:spcBef>
-                <a:spcPts val="540"/>
-              </a:spcBef>
-              <a:spcAft>
-                <a:spcPts val="0"/>
-              </a:spcAft>
-              <a:buNone/>
-            </a:pPr>
-            <a:r>
-              <a:t/>
-            </a:r>
-            <a:endParaRPr/>
-          </a:p>
-        </p:txBody>
-      </p:sp>
-    </p:spTree>
-  </p:cSld>
-  <p:clrMapOvr>
-    <a:masterClrMapping/>
-  </p:clrMapOvr>
-</p:sld>
-</file>
-
-<file path=ppt/slides/slide23.xml><?xml version="1.0" encoding="utf-8"?>
-<p:sld xmlns:a="http://schemas.openxmlformats.org/drawingml/2006/main" xmlns:r="http://schemas.openxmlformats.org/officeDocument/2006/relationships" xmlns:mc="http://schemas.openxmlformats.org/markup-compatibility/2006" xmlns:mv="urn:schemas-microsoft-com:mac:vml" xmlns:p="http://schemas.openxmlformats.org/presentationml/2006/main" xmlns:c="http://schemas.openxmlformats.org/drawingml/2006/chart" xmlns:dgm="http://schemas.openxmlformats.org/drawingml/2006/diagram" xmlns:o="urn:schemas-microsoft-com:office:office" xmlns:v="urn:schemas-microsoft-com:vml" xmlns:pvml="urn:schemas-microsoft-com:office:powerpoint" xmlns:com="http://schemas.openxmlformats.org/drawingml/2006/compatibility" xmlns:p14="http://schemas.microsoft.com/office/powerpoint/2010/main" xmlns:p15="http://schemas.microsoft.com/office/powerpoint/2012/main" xmlns:ahyp="http://schemas.microsoft.com/office/drawing/2018/hyperlinkcolor">
-  <p:cSld>
-    <p:spTree>
-      <p:nvGrpSpPr>
-        <p:cNvPr id="188" name="Shape 188"/>
-        <p:cNvGrpSpPr/>
-        <p:nvPr/>
-      </p:nvGrpSpPr>
-      <p:grpSpPr>
-        <a:xfrm>
-          <a:off x="0" y="0"/>
-          <a:ext cx="0" cy="0"/>
-          <a:chOff x="0" y="0"/>
-          <a:chExt cx="0" cy="0"/>
-        </a:xfrm>
-      </p:grpSpPr>
-      <p:sp>
-        <p:nvSpPr>
-          <p:cNvPr id="189" name="Google Shape;189;p36"/>
-          <p:cNvSpPr txBox="1"/>
-          <p:nvPr>
-            <p:ph type="title"/>
-          </p:nvPr>
-        </p:nvSpPr>
-        <p:spPr>
-          <a:xfrm>
             <a:off x="2109375" y="304000"/>
             <a:ext cx="8229600" cy="571500"/>
           </a:xfrm>
@@ -16380,7 +15744,7 @@
       </p:sp>
       <p:graphicFrame>
         <p:nvGraphicFramePr>
-          <p:cNvPr id="190" name="Google Shape;190;p36"/>
+          <p:cNvPr id="184" name="Google Shape;184;p35"/>
           <p:cNvGraphicFramePr/>
           <p:nvPr/>
         </p:nvGraphicFramePr>
@@ -16393,7 +15757,7 @@
             <a:tbl>
               <a:tblPr>
                 <a:noFill/>
-                <a:tableStyleId>{4698DC07-C927-4A41-A434-B5C54FACFCE1}</a:tableStyleId>
+                <a:tableStyleId>{A8E7C99B-252F-4A4E-B28B-D1AA76B14E8A}</a:tableStyleId>
               </a:tblPr>
               <a:tblGrid>
                 <a:gridCol w="2413000"/>
@@ -16642,6 +16006,69 @@
                     <a:lstStyle/>
                     <a:p>
                       <a:pPr indent="0" lvl="0" marL="0" rtl="0" algn="l">
+                        <a:lnSpc>
+                          <a:spcPct val="115000"/>
+                        </a:lnSpc>
+                        <a:spcBef>
+                          <a:spcPts val="0"/>
+                        </a:spcBef>
+                        <a:spcAft>
+                          <a:spcPts val="0"/>
+                        </a:spcAft>
+                        <a:buNone/>
+                      </a:pPr>
+                      <a:r>
+                        <a:rPr lang="en-GB" sz="1500">
+                          <a:solidFill>
+                            <a:srgbClr val="00009A"/>
+                          </a:solidFill>
+                        </a:rPr>
+                        <a:t> -3.2x10</a:t>
+                      </a:r>
+                      <a:r>
+                        <a:rPr baseline="30000" lang="en-GB" sz="1500">
+                          <a:solidFill>
+                            <a:srgbClr val="00009A"/>
+                          </a:solidFill>
+                        </a:rPr>
+                        <a:t>32</a:t>
+                      </a:r>
+                      <a:r>
+                        <a:rPr lang="en-GB" sz="1500">
+                          <a:solidFill>
+                            <a:srgbClr val="00009A"/>
+                          </a:solidFill>
+                        </a:rPr>
+                        <a:t> to </a:t>
+                      </a:r>
+                      <a:r>
+                        <a:rPr lang="en-GB" sz="1000">
+                          <a:solidFill>
+                            <a:srgbClr val="00009A"/>
+                          </a:solidFill>
+                        </a:rPr>
+                        <a:t> </a:t>
+                      </a:r>
+                      <a:r>
+                        <a:rPr lang="en-GB" sz="1500">
+                          <a:solidFill>
+                            <a:srgbClr val="00009A"/>
+                          </a:solidFill>
+                        </a:rPr>
+                        <a:t>+3.2x10</a:t>
+                      </a:r>
+                      <a:r>
+                        <a:rPr baseline="30000" lang="en-GB" sz="1500">
+                          <a:solidFill>
+                            <a:srgbClr val="00009A"/>
+                          </a:solidFill>
+                        </a:rPr>
+                        <a:t>32</a:t>
+                      </a:r>
+                      <a:endParaRPr baseline="30000"/>
+                    </a:p>
+                    <a:p>
+                      <a:pPr indent="0" lvl="0" marL="0" rtl="0" algn="l">
                         <a:spcBef>
                           <a:spcPts val="0"/>
                         </a:spcBef>
@@ -16712,6 +16139,9 @@
                     <a:lstStyle/>
                     <a:p>
                       <a:pPr indent="0" lvl="0" marL="0" rtl="0" algn="l">
+                        <a:lnSpc>
+                          <a:spcPct val="115000"/>
+                        </a:lnSpc>
                         <a:spcBef>
                           <a:spcPts val="0"/>
                         </a:spcBef>
@@ -16721,7 +16151,52 @@
                         <a:buNone/>
                       </a:pPr>
                       <a:r>
-                        <a:t/>
+                        <a:rPr lang="en-GB" sz="1500">
+                          <a:solidFill>
+                            <a:srgbClr val="00009A"/>
+                          </a:solidFill>
+                        </a:rPr>
+                        <a:t>-1.7x10</a:t>
+                      </a:r>
+                      <a:r>
+                        <a:rPr baseline="30000" lang="en-GB" sz="1500">
+                          <a:solidFill>
+                            <a:srgbClr val="00009A"/>
+                          </a:solidFill>
+                        </a:rPr>
+                        <a:t>302</a:t>
+                      </a:r>
+                      <a:r>
+                        <a:rPr lang="en-GB" sz="1500">
+                          <a:solidFill>
+                            <a:srgbClr val="00009A"/>
+                          </a:solidFill>
+                        </a:rPr>
+                        <a:t> to </a:t>
+                      </a:r>
+                      <a:r>
+                        <a:rPr lang="en-GB" sz="1000">
+                          <a:solidFill>
+                            <a:srgbClr val="00009A"/>
+                          </a:solidFill>
+                        </a:rPr>
+                        <a:t> </a:t>
+                      </a:r>
+                      <a:r>
+                        <a:rPr lang="en-GB" sz="1500">
+                          <a:solidFill>
+                            <a:srgbClr val="00009A"/>
+                          </a:solidFill>
+                        </a:rPr>
+                        <a:t>+1.7x10</a:t>
+                      </a:r>
+                      <a:r>
+                        <a:rPr baseline="30000" lang="en-GB" sz="1500">
+                          <a:solidFill>
+                            <a:srgbClr val="00009A"/>
+                          </a:solidFill>
+                        </a:rPr>
+                        <a:t>302</a:t>
                       </a:r>
                       <a:endParaRPr/>
                     </a:p>
@@ -16838,7 +16313,8 @@
                         <a:buNone/>
                       </a:pPr>
                       <a:r>
-                        <a:t/>
+                        <a:rPr lang="en-GB"/>
+                        <a:t>2</a:t>
                       </a:r>
                       <a:endParaRPr/>
                     </a:p>
@@ -16851,6 +16327,9 @@
                     <a:lstStyle/>
                     <a:p>
                       <a:pPr indent="0" lvl="0" marL="0" rtl="0" algn="l">
+                        <a:lnSpc>
+                          <a:spcPct val="115000"/>
+                        </a:lnSpc>
                         <a:spcBef>
                           <a:spcPts val="0"/>
                         </a:spcBef>
@@ -16860,7 +16339,12 @@
                         <a:buNone/>
                       </a:pPr>
                       <a:r>
-                        <a:t/>
+                        <a:rPr lang="en-GB" sz="1500">
+                          <a:solidFill>
+                            <a:srgbClr val="00009A"/>
+                          </a:solidFill>
+                        </a:rPr>
+                        <a:t>-32768 to 32767</a:t>
                       </a:r>
                       <a:endParaRPr/>
                     </a:p>
@@ -16907,7 +16391,8 @@
                         <a:buNone/>
                       </a:pPr>
                       <a:r>
-                        <a:t/>
+                        <a:rPr lang="en-GB"/>
+                        <a:t>2</a:t>
                       </a:r>
                       <a:endParaRPr/>
                     </a:p>
@@ -16920,6 +16405,9 @@
                     <a:lstStyle/>
                     <a:p>
                       <a:pPr indent="0" lvl="0" marL="0" rtl="0" algn="l">
+                        <a:lnSpc>
+                          <a:spcPct val="115000"/>
+                        </a:lnSpc>
                         <a:spcBef>
                           <a:spcPts val="0"/>
                         </a:spcBef>
@@ -16929,7 +16417,12 @@
                         <a:buNone/>
                       </a:pPr>
                       <a:r>
-                        <a:t/>
+                        <a:rPr lang="en-GB" sz="1500">
+                          <a:solidFill>
+                            <a:srgbClr val="00009A"/>
+                          </a:solidFill>
+                        </a:rPr>
+                        <a:t>0 to 65536</a:t>
                       </a:r>
                       <a:endParaRPr/>
                     </a:p>
@@ -16976,7 +16469,8 @@
                         <a:buNone/>
                       </a:pPr>
                       <a:r>
-                        <a:t/>
+                        <a:rPr lang="en-GB"/>
+                        <a:t>1</a:t>
                       </a:r>
                       <a:endParaRPr/>
                     </a:p>
@@ -16998,9 +16492,18 @@
                         <a:buNone/>
                       </a:pPr>
                       <a:r>
-                        <a:t/>
+                        <a:rPr lang="en-GB">
+                          <a:solidFill>
+                            <a:srgbClr val="00009A"/>
+                          </a:solidFill>
+                        </a:rPr>
+                        <a:t>0 to 255</a:t>
                       </a:r>
-                      <a:endParaRPr/>
+                      <a:endParaRPr>
+                        <a:solidFill>
+                          <a:srgbClr val="00009A"/>
+                        </a:solidFill>
+                      </a:endParaRPr>
                     </a:p>
                   </a:txBody>
                   <a:tcPr marT="91425" marB="91425" marR="91425" marL="91425"/>
@@ -17010,6 +16513,434 @@
           </a:graphicData>
         </a:graphic>
       </p:graphicFrame>
+    </p:spTree>
+  </p:cSld>
+  <p:clrMapOvr>
+    <a:masterClrMapping/>
+  </p:clrMapOvr>
+</p:sld>
+</file>
+
+<file path=ppt/slides/slide23.xml><?xml version="1.0" encoding="utf-8"?>
+<p:sld xmlns:a="http://schemas.openxmlformats.org/drawingml/2006/main" xmlns:r="http://schemas.openxmlformats.org/officeDocument/2006/relationships" xmlns:mc="http://schemas.openxmlformats.org/markup-compatibility/2006" xmlns:mv="urn:schemas-microsoft-com:mac:vml" xmlns:p="http://schemas.openxmlformats.org/presentationml/2006/main" xmlns:c="http://schemas.openxmlformats.org/drawingml/2006/chart" xmlns:dgm="http://schemas.openxmlformats.org/drawingml/2006/diagram" xmlns:o="urn:schemas-microsoft-com:office:office" xmlns:v="urn:schemas-microsoft-com:vml" xmlns:pvml="urn:schemas-microsoft-com:office:powerpoint" xmlns:com="http://schemas.openxmlformats.org/drawingml/2006/compatibility" xmlns:p14="http://schemas.microsoft.com/office/powerpoint/2010/main" xmlns:p15="http://schemas.microsoft.com/office/powerpoint/2012/main" xmlns:ahyp="http://schemas.microsoft.com/office/drawing/2018/hyperlinkcolor">
+  <p:cSld>
+    <p:spTree>
+      <p:nvGrpSpPr>
+        <p:cNvPr id="188" name="Shape 188"/>
+        <p:cNvGrpSpPr/>
+        <p:nvPr/>
+      </p:nvGrpSpPr>
+      <p:grpSpPr>
+        <a:xfrm>
+          <a:off x="0" y="0"/>
+          <a:ext cx="0" cy="0"/>
+          <a:chOff x="0" y="0"/>
+          <a:chExt cx="0" cy="0"/>
+        </a:xfrm>
+      </p:grpSpPr>
+      <p:sp>
+        <p:nvSpPr>
+          <p:cNvPr id="189" name="Google Shape;189;p36"/>
+          <p:cNvSpPr txBox="1"/>
+          <p:nvPr>
+            <p:ph type="title"/>
+          </p:nvPr>
+        </p:nvSpPr>
+        <p:spPr>
+          <a:xfrm>
+            <a:off x="2059050" y="183200"/>
+            <a:ext cx="8229600" cy="571500"/>
+          </a:xfrm>
+          <a:prstGeom prst="rect">
+            <a:avLst/>
+          </a:prstGeom>
+        </p:spPr>
+        <p:txBody>
+          <a:bodyPr anchorCtr="0" anchor="t" bIns="45700" lIns="91425" spcFirstLastPara="1" rIns="91425" wrap="square" tIns="45700">
+            <a:noAutofit/>
+          </a:bodyPr>
+          <a:lstStyle/>
+          <a:p>
+            <a:pPr indent="0" lvl="0" marL="0" rtl="0" algn="l">
+              <a:spcBef>
+                <a:spcPts val="0"/>
+              </a:spcBef>
+              <a:spcAft>
+                <a:spcPts val="0"/>
+              </a:spcAft>
+              <a:buNone/>
+            </a:pPr>
+            <a:r>
+              <a:rPr lang="en-GB"/>
+              <a:t>Operators</a:t>
+            </a:r>
+            <a:endParaRPr/>
+          </a:p>
+        </p:txBody>
+      </p:sp>
+      <p:sp>
+        <p:nvSpPr>
+          <p:cNvPr id="190" name="Google Shape;190;p36"/>
+          <p:cNvSpPr txBox="1"/>
+          <p:nvPr>
+            <p:ph idx="1" type="body"/>
+          </p:nvPr>
+        </p:nvSpPr>
+        <p:spPr>
+          <a:xfrm>
+            <a:off x="639800" y="1268375"/>
+            <a:ext cx="8229600" cy="2800200"/>
+          </a:xfrm>
+          <a:prstGeom prst="rect">
+            <a:avLst/>
+          </a:prstGeom>
+        </p:spPr>
+        <p:txBody>
+          <a:bodyPr anchorCtr="0" anchor="t" bIns="45700" lIns="91425" spcFirstLastPara="1" rIns="91425" wrap="square" tIns="45700">
+            <a:noAutofit/>
+          </a:bodyPr>
+          <a:lstStyle/>
+          <a:p>
+            <a:pPr indent="0" lvl="0" marL="0" rtl="0" algn="l">
+              <a:lnSpc>
+                <a:spcPct val="115000"/>
+              </a:lnSpc>
+              <a:spcBef>
+                <a:spcPts val="0"/>
+              </a:spcBef>
+              <a:spcAft>
+                <a:spcPts val="0"/>
+              </a:spcAft>
+              <a:buNone/>
+            </a:pPr>
+            <a:r>
+              <a:rPr lang="en-GB" sz="1500">
+                <a:solidFill>
+                  <a:srgbClr val="00009A"/>
+                </a:solidFill>
+              </a:rPr>
+              <a:t>• Arithmetic operations</a:t>
+            </a:r>
+            <a:endParaRPr sz="1500">
+              <a:solidFill>
+                <a:srgbClr val="00009A"/>
+              </a:solidFill>
+            </a:endParaRPr>
+          </a:p>
+          <a:p>
+            <a:pPr indent="0" lvl="0" marL="0" rtl="0" algn="l">
+              <a:lnSpc>
+                <a:spcPct val="115000"/>
+              </a:lnSpc>
+              <a:spcBef>
+                <a:spcPts val="0"/>
+              </a:spcBef>
+              <a:spcAft>
+                <a:spcPts val="0"/>
+              </a:spcAft>
+              <a:buNone/>
+            </a:pPr>
+            <a:r>
+              <a:rPr lang="en-GB" sz="1350">
+                <a:solidFill>
+                  <a:srgbClr val="00009A"/>
+                </a:solidFill>
+              </a:rPr>
+              <a:t>=, -, /, %, *</a:t>
+            </a:r>
+            <a:endParaRPr sz="1350">
+              <a:solidFill>
+                <a:srgbClr val="00009A"/>
+              </a:solidFill>
+            </a:endParaRPr>
+          </a:p>
+          <a:p>
+            <a:pPr indent="0" lvl="0" marL="0" rtl="0" algn="l">
+              <a:lnSpc>
+                <a:spcPct val="115000"/>
+              </a:lnSpc>
+              <a:spcBef>
+                <a:spcPts val="0"/>
+              </a:spcBef>
+              <a:spcAft>
+                <a:spcPts val="0"/>
+              </a:spcAft>
+              <a:buNone/>
+            </a:pPr>
+            <a:r>
+              <a:rPr lang="en-GB" sz="1500">
+                <a:solidFill>
+                  <a:srgbClr val="00009A"/>
+                </a:solidFill>
+              </a:rPr>
+              <a:t>• Assignment operations</a:t>
+            </a:r>
+            <a:endParaRPr sz="1500">
+              <a:solidFill>
+                <a:srgbClr val="00009A"/>
+              </a:solidFill>
+            </a:endParaRPr>
+          </a:p>
+          <a:p>
+            <a:pPr indent="0" lvl="0" marL="0" rtl="0" algn="l">
+              <a:lnSpc>
+                <a:spcPct val="115000"/>
+              </a:lnSpc>
+              <a:spcBef>
+                <a:spcPts val="0"/>
+              </a:spcBef>
+              <a:spcAft>
+                <a:spcPts val="0"/>
+              </a:spcAft>
+              <a:buNone/>
+            </a:pPr>
+            <a:r>
+              <a:rPr lang="en-GB" sz="1350">
+                <a:solidFill>
+                  <a:srgbClr val="00009A"/>
+                </a:solidFill>
+              </a:rPr>
+              <a:t>=, +=. -=, *=, %=, /=, !</a:t>
+            </a:r>
+            <a:endParaRPr sz="1350">
+              <a:solidFill>
+                <a:srgbClr val="00009A"/>
+              </a:solidFill>
+            </a:endParaRPr>
+          </a:p>
+          <a:p>
+            <a:pPr indent="0" lvl="0" marL="0" rtl="0" algn="l">
+              <a:lnSpc>
+                <a:spcPct val="115000"/>
+              </a:lnSpc>
+              <a:spcBef>
+                <a:spcPts val="0"/>
+              </a:spcBef>
+              <a:spcAft>
+                <a:spcPts val="0"/>
+              </a:spcAft>
+              <a:buNone/>
+            </a:pPr>
+            <a:r>
+              <a:rPr lang="en-GB" sz="1500">
+                <a:solidFill>
+                  <a:srgbClr val="00009A"/>
+                </a:solidFill>
+              </a:rPr>
+              <a:t>• Increment and decrement (pre or post) operations</a:t>
+            </a:r>
+            <a:endParaRPr sz="1500">
+              <a:solidFill>
+                <a:srgbClr val="00009A"/>
+              </a:solidFill>
+            </a:endParaRPr>
+          </a:p>
+          <a:p>
+            <a:pPr indent="0" lvl="0" marL="0" rtl="0" algn="l">
+              <a:lnSpc>
+                <a:spcPct val="115000"/>
+              </a:lnSpc>
+              <a:spcBef>
+                <a:spcPts val="0"/>
+              </a:spcBef>
+              <a:spcAft>
+                <a:spcPts val="0"/>
+              </a:spcAft>
+              <a:buNone/>
+            </a:pPr>
+            <a:r>
+              <a:rPr lang="en-GB" sz="1350">
+                <a:solidFill>
+                  <a:srgbClr val="00009A"/>
+                </a:solidFill>
+              </a:rPr>
+              <a:t>++, --</a:t>
+            </a:r>
+            <a:endParaRPr sz="1350">
+              <a:solidFill>
+                <a:srgbClr val="00009A"/>
+              </a:solidFill>
+            </a:endParaRPr>
+          </a:p>
+          <a:p>
+            <a:pPr indent="0" lvl="0" marL="0" rtl="0" algn="l">
+              <a:lnSpc>
+                <a:spcPct val="115000"/>
+              </a:lnSpc>
+              <a:spcBef>
+                <a:spcPts val="0"/>
+              </a:spcBef>
+              <a:spcAft>
+                <a:spcPts val="0"/>
+              </a:spcAft>
+              <a:buNone/>
+            </a:pPr>
+            <a:r>
+              <a:rPr lang="en-GB" sz="1500">
+                <a:solidFill>
+                  <a:srgbClr val="00009A"/>
+                </a:solidFill>
+              </a:rPr>
+              <a:t>• Logical operations</a:t>
+            </a:r>
+            <a:endParaRPr sz="1500">
+              <a:solidFill>
+                <a:srgbClr val="00009A"/>
+              </a:solidFill>
+            </a:endParaRPr>
+          </a:p>
+          <a:p>
+            <a:pPr indent="0" lvl="0" marL="0" rtl="0" algn="l">
+              <a:lnSpc>
+                <a:spcPct val="115000"/>
+              </a:lnSpc>
+              <a:spcBef>
+                <a:spcPts val="0"/>
+              </a:spcBef>
+              <a:spcAft>
+                <a:spcPts val="0"/>
+              </a:spcAft>
+              <a:buNone/>
+            </a:pPr>
+            <a:r>
+              <a:rPr lang="en-GB" sz="1350">
+                <a:solidFill>
+                  <a:srgbClr val="00009A"/>
+                </a:solidFill>
+              </a:rPr>
+              <a:t>||, &amp;&amp;, !</a:t>
+            </a:r>
+            <a:endParaRPr sz="1350">
+              <a:solidFill>
+                <a:srgbClr val="00009A"/>
+              </a:solidFill>
+            </a:endParaRPr>
+          </a:p>
+          <a:p>
+            <a:pPr indent="0" lvl="0" marL="0" rtl="0" algn="l">
+              <a:lnSpc>
+                <a:spcPct val="115000"/>
+              </a:lnSpc>
+              <a:spcBef>
+                <a:spcPts val="0"/>
+              </a:spcBef>
+              <a:spcAft>
+                <a:spcPts val="0"/>
+              </a:spcAft>
+              <a:buNone/>
+            </a:pPr>
+            <a:r>
+              <a:rPr lang="en-GB" sz="1500">
+                <a:solidFill>
+                  <a:srgbClr val="00009A"/>
+                </a:solidFill>
+              </a:rPr>
+              <a:t>• Bitwise operations</a:t>
+            </a:r>
+            <a:endParaRPr sz="1500">
+              <a:solidFill>
+                <a:srgbClr val="00009A"/>
+              </a:solidFill>
+            </a:endParaRPr>
+          </a:p>
+          <a:p>
+            <a:pPr indent="0" lvl="0" marL="0" rtl="0" algn="l">
+              <a:lnSpc>
+                <a:spcPct val="115000"/>
+              </a:lnSpc>
+              <a:spcBef>
+                <a:spcPts val="0"/>
+              </a:spcBef>
+              <a:spcAft>
+                <a:spcPts val="0"/>
+              </a:spcAft>
+              <a:buNone/>
+            </a:pPr>
+            <a:r>
+              <a:rPr lang="en-GB" sz="1350">
+                <a:solidFill>
+                  <a:srgbClr val="00009A"/>
+                </a:solidFill>
+              </a:rPr>
+              <a:t>|, &amp;, ~</a:t>
+            </a:r>
+            <a:endParaRPr sz="1350">
+              <a:solidFill>
+                <a:srgbClr val="00009A"/>
+              </a:solidFill>
+            </a:endParaRPr>
+          </a:p>
+          <a:p>
+            <a:pPr indent="0" lvl="0" marL="0" rtl="0" algn="l">
+              <a:lnSpc>
+                <a:spcPct val="115000"/>
+              </a:lnSpc>
+              <a:spcBef>
+                <a:spcPts val="0"/>
+              </a:spcBef>
+              <a:spcAft>
+                <a:spcPts val="0"/>
+              </a:spcAft>
+              <a:buNone/>
+            </a:pPr>
+            <a:r>
+              <a:rPr lang="en-GB" sz="1500">
+                <a:solidFill>
+                  <a:srgbClr val="00009A"/>
+                </a:solidFill>
+              </a:rPr>
+              <a:t>• Comparison</a:t>
+            </a:r>
+            <a:endParaRPr sz="1500">
+              <a:solidFill>
+                <a:srgbClr val="00009A"/>
+              </a:solidFill>
+            </a:endParaRPr>
+          </a:p>
+          <a:p>
+            <a:pPr indent="0" lvl="0" marL="0" rtl="0" algn="l">
+              <a:lnSpc>
+                <a:spcPct val="115000"/>
+              </a:lnSpc>
+              <a:spcBef>
+                <a:spcPts val="0"/>
+              </a:spcBef>
+              <a:spcAft>
+                <a:spcPts val="0"/>
+              </a:spcAft>
+              <a:buNone/>
+            </a:pPr>
+            <a:r>
+              <a:rPr lang="en-GB" sz="1350">
+                <a:solidFill>
+                  <a:srgbClr val="00009A"/>
+                </a:solidFill>
+              </a:rPr>
+              <a:t>&lt;, &lt;=, &gt;, &gt;=, ==, !=</a:t>
+            </a:r>
+            <a:endParaRPr sz="1350">
+              <a:solidFill>
+                <a:srgbClr val="00009A"/>
+              </a:solidFill>
+            </a:endParaRPr>
+          </a:p>
+          <a:p>
+            <a:pPr indent="0" lvl="0" marL="0" rtl="0" algn="l">
+              <a:spcBef>
+                <a:spcPts val="540"/>
+              </a:spcBef>
+              <a:spcAft>
+                <a:spcPts val="0"/>
+              </a:spcAft>
+              <a:buNone/>
+            </a:pPr>
+            <a:r>
+              <a:t/>
+            </a:r>
+            <a:endParaRPr/>
+          </a:p>
+        </p:txBody>
+      </p:sp>
     </p:spTree>
   </p:cSld>
   <p:clrMapOvr>
@@ -17045,434 +16976,6 @@
         </p:nvSpPr>
         <p:spPr>
           <a:xfrm>
-            <a:off x="2059050" y="183200"/>
-            <a:ext cx="8229600" cy="571500"/>
-          </a:xfrm>
-          <a:prstGeom prst="rect">
-            <a:avLst/>
-          </a:prstGeom>
-        </p:spPr>
-        <p:txBody>
-          <a:bodyPr anchorCtr="0" anchor="t" bIns="45700" lIns="91425" spcFirstLastPara="1" rIns="91425" wrap="square" tIns="45700">
-            <a:noAutofit/>
-          </a:bodyPr>
-          <a:lstStyle/>
-          <a:p>
-            <a:pPr indent="0" lvl="0" marL="0" rtl="0" algn="l">
-              <a:spcBef>
-                <a:spcPts val="0"/>
-              </a:spcBef>
-              <a:spcAft>
-                <a:spcPts val="0"/>
-              </a:spcAft>
-              <a:buNone/>
-            </a:pPr>
-            <a:r>
-              <a:rPr lang="en-GB"/>
-              <a:t>Operators</a:t>
-            </a:r>
-            <a:endParaRPr/>
-          </a:p>
-        </p:txBody>
-      </p:sp>
-      <p:sp>
-        <p:nvSpPr>
-          <p:cNvPr id="196" name="Google Shape;196;p37"/>
-          <p:cNvSpPr txBox="1"/>
-          <p:nvPr>
-            <p:ph idx="1" type="body"/>
-          </p:nvPr>
-        </p:nvSpPr>
-        <p:spPr>
-          <a:xfrm>
-            <a:off x="639800" y="1268375"/>
-            <a:ext cx="8229600" cy="2800200"/>
-          </a:xfrm>
-          <a:prstGeom prst="rect">
-            <a:avLst/>
-          </a:prstGeom>
-        </p:spPr>
-        <p:txBody>
-          <a:bodyPr anchorCtr="0" anchor="t" bIns="45700" lIns="91425" spcFirstLastPara="1" rIns="91425" wrap="square" tIns="45700">
-            <a:noAutofit/>
-          </a:bodyPr>
-          <a:lstStyle/>
-          <a:p>
-            <a:pPr indent="0" lvl="0" marL="0" rtl="0" algn="l">
-              <a:lnSpc>
-                <a:spcPct val="115000"/>
-              </a:lnSpc>
-              <a:spcBef>
-                <a:spcPts val="0"/>
-              </a:spcBef>
-              <a:spcAft>
-                <a:spcPts val="0"/>
-              </a:spcAft>
-              <a:buNone/>
-            </a:pPr>
-            <a:r>
-              <a:rPr lang="en-GB" sz="1500">
-                <a:solidFill>
-                  <a:srgbClr val="00009A"/>
-                </a:solidFill>
-              </a:rPr>
-              <a:t>• Arithmetic operations</a:t>
-            </a:r>
-            <a:endParaRPr sz="1500">
-              <a:solidFill>
-                <a:srgbClr val="00009A"/>
-              </a:solidFill>
-            </a:endParaRPr>
-          </a:p>
-          <a:p>
-            <a:pPr indent="0" lvl="0" marL="0" rtl="0" algn="l">
-              <a:lnSpc>
-                <a:spcPct val="115000"/>
-              </a:lnSpc>
-              <a:spcBef>
-                <a:spcPts val="0"/>
-              </a:spcBef>
-              <a:spcAft>
-                <a:spcPts val="0"/>
-              </a:spcAft>
-              <a:buNone/>
-            </a:pPr>
-            <a:r>
-              <a:rPr lang="en-GB" sz="1350">
-                <a:solidFill>
-                  <a:srgbClr val="00009A"/>
-                </a:solidFill>
-              </a:rPr>
-              <a:t>=, -, /, %, *</a:t>
-            </a:r>
-            <a:endParaRPr sz="1350">
-              <a:solidFill>
-                <a:srgbClr val="00009A"/>
-              </a:solidFill>
-            </a:endParaRPr>
-          </a:p>
-          <a:p>
-            <a:pPr indent="0" lvl="0" marL="0" rtl="0" algn="l">
-              <a:lnSpc>
-                <a:spcPct val="115000"/>
-              </a:lnSpc>
-              <a:spcBef>
-                <a:spcPts val="0"/>
-              </a:spcBef>
-              <a:spcAft>
-                <a:spcPts val="0"/>
-              </a:spcAft>
-              <a:buNone/>
-            </a:pPr>
-            <a:r>
-              <a:rPr lang="en-GB" sz="1500">
-                <a:solidFill>
-                  <a:srgbClr val="00009A"/>
-                </a:solidFill>
-              </a:rPr>
-              <a:t>• Assignment operations</a:t>
-            </a:r>
-            <a:endParaRPr sz="1500">
-              <a:solidFill>
-                <a:srgbClr val="00009A"/>
-              </a:solidFill>
-            </a:endParaRPr>
-          </a:p>
-          <a:p>
-            <a:pPr indent="0" lvl="0" marL="0" rtl="0" algn="l">
-              <a:lnSpc>
-                <a:spcPct val="115000"/>
-              </a:lnSpc>
-              <a:spcBef>
-                <a:spcPts val="0"/>
-              </a:spcBef>
-              <a:spcAft>
-                <a:spcPts val="0"/>
-              </a:spcAft>
-              <a:buNone/>
-            </a:pPr>
-            <a:r>
-              <a:rPr lang="en-GB" sz="1350">
-                <a:solidFill>
-                  <a:srgbClr val="00009A"/>
-                </a:solidFill>
-              </a:rPr>
-              <a:t>=, +=. -=, *=, %=, /=, !</a:t>
-            </a:r>
-            <a:endParaRPr sz="1350">
-              <a:solidFill>
-                <a:srgbClr val="00009A"/>
-              </a:solidFill>
-            </a:endParaRPr>
-          </a:p>
-          <a:p>
-            <a:pPr indent="0" lvl="0" marL="0" rtl="0" algn="l">
-              <a:lnSpc>
-                <a:spcPct val="115000"/>
-              </a:lnSpc>
-              <a:spcBef>
-                <a:spcPts val="0"/>
-              </a:spcBef>
-              <a:spcAft>
-                <a:spcPts val="0"/>
-              </a:spcAft>
-              <a:buNone/>
-            </a:pPr>
-            <a:r>
-              <a:rPr lang="en-GB" sz="1500">
-                <a:solidFill>
-                  <a:srgbClr val="00009A"/>
-                </a:solidFill>
-              </a:rPr>
-              <a:t>• Increment and decrement (pre or post) operations</a:t>
-            </a:r>
-            <a:endParaRPr sz="1500">
-              <a:solidFill>
-                <a:srgbClr val="00009A"/>
-              </a:solidFill>
-            </a:endParaRPr>
-          </a:p>
-          <a:p>
-            <a:pPr indent="0" lvl="0" marL="0" rtl="0" algn="l">
-              <a:lnSpc>
-                <a:spcPct val="115000"/>
-              </a:lnSpc>
-              <a:spcBef>
-                <a:spcPts val="0"/>
-              </a:spcBef>
-              <a:spcAft>
-                <a:spcPts val="0"/>
-              </a:spcAft>
-              <a:buNone/>
-            </a:pPr>
-            <a:r>
-              <a:rPr lang="en-GB" sz="1350">
-                <a:solidFill>
-                  <a:srgbClr val="00009A"/>
-                </a:solidFill>
-              </a:rPr>
-              <a:t>++, --</a:t>
-            </a:r>
-            <a:endParaRPr sz="1350">
-              <a:solidFill>
-                <a:srgbClr val="00009A"/>
-              </a:solidFill>
-            </a:endParaRPr>
-          </a:p>
-          <a:p>
-            <a:pPr indent="0" lvl="0" marL="0" rtl="0" algn="l">
-              <a:lnSpc>
-                <a:spcPct val="115000"/>
-              </a:lnSpc>
-              <a:spcBef>
-                <a:spcPts val="0"/>
-              </a:spcBef>
-              <a:spcAft>
-                <a:spcPts val="0"/>
-              </a:spcAft>
-              <a:buNone/>
-            </a:pPr>
-            <a:r>
-              <a:rPr lang="en-GB" sz="1500">
-                <a:solidFill>
-                  <a:srgbClr val="00009A"/>
-                </a:solidFill>
-              </a:rPr>
-              <a:t>• Logical operations</a:t>
-            </a:r>
-            <a:endParaRPr sz="1500">
-              <a:solidFill>
-                <a:srgbClr val="00009A"/>
-              </a:solidFill>
-            </a:endParaRPr>
-          </a:p>
-          <a:p>
-            <a:pPr indent="0" lvl="0" marL="0" rtl="0" algn="l">
-              <a:lnSpc>
-                <a:spcPct val="115000"/>
-              </a:lnSpc>
-              <a:spcBef>
-                <a:spcPts val="0"/>
-              </a:spcBef>
-              <a:spcAft>
-                <a:spcPts val="0"/>
-              </a:spcAft>
-              <a:buNone/>
-            </a:pPr>
-            <a:r>
-              <a:rPr lang="en-GB" sz="1350">
-                <a:solidFill>
-                  <a:srgbClr val="00009A"/>
-                </a:solidFill>
-              </a:rPr>
-              <a:t>||, &amp;&amp;, !</a:t>
-            </a:r>
-            <a:endParaRPr sz="1350">
-              <a:solidFill>
-                <a:srgbClr val="00009A"/>
-              </a:solidFill>
-            </a:endParaRPr>
-          </a:p>
-          <a:p>
-            <a:pPr indent="0" lvl="0" marL="0" rtl="0" algn="l">
-              <a:lnSpc>
-                <a:spcPct val="115000"/>
-              </a:lnSpc>
-              <a:spcBef>
-                <a:spcPts val="0"/>
-              </a:spcBef>
-              <a:spcAft>
-                <a:spcPts val="0"/>
-              </a:spcAft>
-              <a:buNone/>
-            </a:pPr>
-            <a:r>
-              <a:rPr lang="en-GB" sz="1500">
-                <a:solidFill>
-                  <a:srgbClr val="00009A"/>
-                </a:solidFill>
-              </a:rPr>
-              <a:t>• Bitwise operations</a:t>
-            </a:r>
-            <a:endParaRPr sz="1500">
-              <a:solidFill>
-                <a:srgbClr val="00009A"/>
-              </a:solidFill>
-            </a:endParaRPr>
-          </a:p>
-          <a:p>
-            <a:pPr indent="0" lvl="0" marL="0" rtl="0" algn="l">
-              <a:lnSpc>
-                <a:spcPct val="115000"/>
-              </a:lnSpc>
-              <a:spcBef>
-                <a:spcPts val="0"/>
-              </a:spcBef>
-              <a:spcAft>
-                <a:spcPts val="0"/>
-              </a:spcAft>
-              <a:buNone/>
-            </a:pPr>
-            <a:r>
-              <a:rPr lang="en-GB" sz="1350">
-                <a:solidFill>
-                  <a:srgbClr val="00009A"/>
-                </a:solidFill>
-              </a:rPr>
-              <a:t>|, &amp;, ~</a:t>
-            </a:r>
-            <a:endParaRPr sz="1350">
-              <a:solidFill>
-                <a:srgbClr val="00009A"/>
-              </a:solidFill>
-            </a:endParaRPr>
-          </a:p>
-          <a:p>
-            <a:pPr indent="0" lvl="0" marL="0" rtl="0" algn="l">
-              <a:lnSpc>
-                <a:spcPct val="115000"/>
-              </a:lnSpc>
-              <a:spcBef>
-                <a:spcPts val="0"/>
-              </a:spcBef>
-              <a:spcAft>
-                <a:spcPts val="0"/>
-              </a:spcAft>
-              <a:buNone/>
-            </a:pPr>
-            <a:r>
-              <a:rPr lang="en-GB" sz="1500">
-                <a:solidFill>
-                  <a:srgbClr val="00009A"/>
-                </a:solidFill>
-              </a:rPr>
-              <a:t>• Comparison</a:t>
-            </a:r>
-            <a:endParaRPr sz="1500">
-              <a:solidFill>
-                <a:srgbClr val="00009A"/>
-              </a:solidFill>
-            </a:endParaRPr>
-          </a:p>
-          <a:p>
-            <a:pPr indent="0" lvl="0" marL="0" rtl="0" algn="l">
-              <a:lnSpc>
-                <a:spcPct val="115000"/>
-              </a:lnSpc>
-              <a:spcBef>
-                <a:spcPts val="0"/>
-              </a:spcBef>
-              <a:spcAft>
-                <a:spcPts val="0"/>
-              </a:spcAft>
-              <a:buNone/>
-            </a:pPr>
-            <a:r>
-              <a:rPr lang="en-GB" sz="1350">
-                <a:solidFill>
-                  <a:srgbClr val="00009A"/>
-                </a:solidFill>
-              </a:rPr>
-              <a:t>&lt;, &lt;=, &gt;, &gt;=, ==, !=</a:t>
-            </a:r>
-            <a:endParaRPr sz="1350">
-              <a:solidFill>
-                <a:srgbClr val="00009A"/>
-              </a:solidFill>
-            </a:endParaRPr>
-          </a:p>
-          <a:p>
-            <a:pPr indent="0" lvl="0" marL="0" rtl="0" algn="l">
-              <a:spcBef>
-                <a:spcPts val="540"/>
-              </a:spcBef>
-              <a:spcAft>
-                <a:spcPts val="0"/>
-              </a:spcAft>
-              <a:buNone/>
-            </a:pPr>
-            <a:r>
-              <a:t/>
-            </a:r>
-            <a:endParaRPr/>
-          </a:p>
-        </p:txBody>
-      </p:sp>
-    </p:spTree>
-  </p:cSld>
-  <p:clrMapOvr>
-    <a:masterClrMapping/>
-  </p:clrMapOvr>
-</p:sld>
-</file>
-
-<file path=ppt/slides/slide25.xml><?xml version="1.0" encoding="utf-8"?>
-<p:sld xmlns:a="http://schemas.openxmlformats.org/drawingml/2006/main" xmlns:r="http://schemas.openxmlformats.org/officeDocument/2006/relationships" xmlns:mc="http://schemas.openxmlformats.org/markup-compatibility/2006" xmlns:mv="urn:schemas-microsoft-com:mac:vml" xmlns:p="http://schemas.openxmlformats.org/presentationml/2006/main" xmlns:c="http://schemas.openxmlformats.org/drawingml/2006/chart" xmlns:dgm="http://schemas.openxmlformats.org/drawingml/2006/diagram" xmlns:o="urn:schemas-microsoft-com:office:office" xmlns:v="urn:schemas-microsoft-com:vml" xmlns:pvml="urn:schemas-microsoft-com:office:powerpoint" xmlns:com="http://schemas.openxmlformats.org/drawingml/2006/compatibility" xmlns:p14="http://schemas.microsoft.com/office/powerpoint/2010/main" xmlns:p15="http://schemas.microsoft.com/office/powerpoint/2012/main" xmlns:ahyp="http://schemas.microsoft.com/office/drawing/2018/hyperlinkcolor">
-  <p:cSld>
-    <p:spTree>
-      <p:nvGrpSpPr>
-        <p:cNvPr id="200" name="Shape 200"/>
-        <p:cNvGrpSpPr/>
-        <p:nvPr/>
-      </p:nvGrpSpPr>
-      <p:grpSpPr>
-        <a:xfrm>
-          <a:off x="0" y="0"/>
-          <a:ext cx="0" cy="0"/>
-          <a:chOff x="0" y="0"/>
-          <a:chExt cx="0" cy="0"/>
-        </a:xfrm>
-      </p:grpSpPr>
-      <p:sp>
-        <p:nvSpPr>
-          <p:cNvPr id="201" name="Google Shape;201;p38"/>
-          <p:cNvSpPr txBox="1"/>
-          <p:nvPr>
-            <p:ph type="title"/>
-          </p:nvPr>
-        </p:nvSpPr>
-        <p:spPr>
-          <a:xfrm>
             <a:off x="2085625" y="249925"/>
             <a:ext cx="6812400" cy="847200"/>
           </a:xfrm>
@@ -17505,7 +17008,7 @@
       </p:sp>
       <p:sp>
         <p:nvSpPr>
-          <p:cNvPr id="202" name="Google Shape;202;p38"/>
+          <p:cNvPr id="196" name="Google Shape;196;p37"/>
           <p:cNvSpPr txBox="1"/>
           <p:nvPr>
             <p:ph idx="1" type="body"/>
@@ -17891,7 +17394,7 @@
       </p:sp>
       <p:sp>
         <p:nvSpPr>
-          <p:cNvPr id="203" name="Google Shape;203;p38"/>
+          <p:cNvPr id="197" name="Google Shape;197;p37"/>
           <p:cNvSpPr txBox="1"/>
           <p:nvPr/>
         </p:nvSpPr>
@@ -18028,6 +17531,212 @@
               <a:t> the header file in the cplusplus web site</a:t>
             </a:r>
             <a:endParaRPr sz="1600"/>
+          </a:p>
+        </p:txBody>
+      </p:sp>
+    </p:spTree>
+  </p:cSld>
+  <p:clrMapOvr>
+    <a:masterClrMapping/>
+  </p:clrMapOvr>
+</p:sld>
+</file>
+
+<file path=ppt/slides/slide25.xml><?xml version="1.0" encoding="utf-8"?>
+<p:sld xmlns:a="http://schemas.openxmlformats.org/drawingml/2006/main" xmlns:r="http://schemas.openxmlformats.org/officeDocument/2006/relationships" xmlns:mc="http://schemas.openxmlformats.org/markup-compatibility/2006" xmlns:mv="urn:schemas-microsoft-com:mac:vml" xmlns:p="http://schemas.openxmlformats.org/presentationml/2006/main" xmlns:c="http://schemas.openxmlformats.org/drawingml/2006/chart" xmlns:dgm="http://schemas.openxmlformats.org/drawingml/2006/diagram" xmlns:o="urn:schemas-microsoft-com:office:office" xmlns:v="urn:schemas-microsoft-com:vml" xmlns:pvml="urn:schemas-microsoft-com:office:powerpoint" xmlns:com="http://schemas.openxmlformats.org/drawingml/2006/compatibility" xmlns:p14="http://schemas.microsoft.com/office/powerpoint/2010/main" xmlns:p15="http://schemas.microsoft.com/office/powerpoint/2012/main" xmlns:ahyp="http://schemas.microsoft.com/office/drawing/2018/hyperlinkcolor">
+  <p:cSld>
+    <p:spTree>
+      <p:nvGrpSpPr>
+        <p:cNvPr id="201" name="Shape 201"/>
+        <p:cNvGrpSpPr/>
+        <p:nvPr/>
+      </p:nvGrpSpPr>
+      <p:grpSpPr>
+        <a:xfrm>
+          <a:off x="0" y="0"/>
+          <a:ext cx="0" cy="0"/>
+          <a:chOff x="0" y="0"/>
+          <a:chExt cx="0" cy="0"/>
+        </a:xfrm>
+      </p:grpSpPr>
+      <p:sp>
+        <p:nvSpPr>
+          <p:cNvPr id="202" name="Google Shape;202;p38"/>
+          <p:cNvSpPr txBox="1"/>
+          <p:nvPr>
+            <p:ph type="title"/>
+          </p:nvPr>
+        </p:nvSpPr>
+        <p:spPr>
+          <a:xfrm>
+            <a:off x="2059025" y="203325"/>
+            <a:ext cx="8229600" cy="571500"/>
+          </a:xfrm>
+          <a:prstGeom prst="rect">
+            <a:avLst/>
+          </a:prstGeom>
+        </p:spPr>
+        <p:txBody>
+          <a:bodyPr anchorCtr="0" anchor="t" bIns="45700" lIns="91425" spcFirstLastPara="1" rIns="91425" wrap="square" tIns="45700">
+            <a:noAutofit/>
+          </a:bodyPr>
+          <a:lstStyle/>
+          <a:p>
+            <a:pPr indent="0" lvl="0" marL="0" rtl="0" algn="l">
+              <a:spcBef>
+                <a:spcPts val="0"/>
+              </a:spcBef>
+              <a:spcAft>
+                <a:spcPts val="0"/>
+              </a:spcAft>
+              <a:buNone/>
+            </a:pPr>
+            <a:r>
+              <a:rPr lang="en-GB"/>
+              <a:t>Practice Session</a:t>
+            </a:r>
+            <a:endParaRPr/>
+          </a:p>
+        </p:txBody>
+      </p:sp>
+      <p:sp>
+        <p:nvSpPr>
+          <p:cNvPr id="203" name="Google Shape;203;p38"/>
+          <p:cNvSpPr txBox="1"/>
+          <p:nvPr>
+            <p:ph idx="1" type="body"/>
+          </p:nvPr>
+        </p:nvSpPr>
+        <p:spPr>
+          <a:xfrm>
+            <a:off x="569325" y="1006650"/>
+            <a:ext cx="8229600" cy="2800200"/>
+          </a:xfrm>
+          <a:prstGeom prst="rect">
+            <a:avLst/>
+          </a:prstGeom>
+        </p:spPr>
+        <p:txBody>
+          <a:bodyPr anchorCtr="0" anchor="t" bIns="45700" lIns="91425" spcFirstLastPara="1" rIns="91425" wrap="square" tIns="45700">
+            <a:noAutofit/>
+          </a:bodyPr>
+          <a:lstStyle/>
+          <a:p>
+            <a:pPr indent="-361950" lvl="0" marL="457200" rtl="0" algn="l">
+              <a:spcBef>
+                <a:spcPts val="540"/>
+              </a:spcBef>
+              <a:spcAft>
+                <a:spcPts val="0"/>
+              </a:spcAft>
+              <a:buSzPts val="2100"/>
+              <a:buAutoNum type="arabicPeriod"/>
+            </a:pPr>
+            <a:r>
+              <a:rPr lang="en-GB" sz="2100"/>
+              <a:t>Inspect compile and run arith.c</a:t>
+            </a:r>
+            <a:endParaRPr sz="2100"/>
+          </a:p>
+          <a:p>
+            <a:pPr indent="-361950" lvl="0" marL="457200" rtl="0" algn="l">
+              <a:spcBef>
+                <a:spcPts val="0"/>
+              </a:spcBef>
+              <a:spcAft>
+                <a:spcPts val="0"/>
+              </a:spcAft>
+              <a:buSzPts val="2100"/>
+              <a:buAutoNum type="arabicPeriod"/>
+            </a:pPr>
+            <a:r>
+              <a:rPr lang="en-GB" sz="2100"/>
+              <a:t>After the display results section add two new lines as follows</a:t>
+            </a:r>
+            <a:endParaRPr sz="2100"/>
+          </a:p>
+          <a:p>
+            <a:pPr indent="-361950" lvl="1" marL="914400" rtl="0" algn="l">
+              <a:spcBef>
+                <a:spcPts val="0"/>
+              </a:spcBef>
+              <a:spcAft>
+                <a:spcPts val="0"/>
+              </a:spcAft>
+              <a:buSzPts val="2100"/>
+              <a:buAutoNum type="alphaLcPeriod"/>
+            </a:pPr>
+            <a:r>
+              <a:rPr lang="en-GB" sz="2100"/>
+              <a:t>Use the ++ operator to increment the sum variable</a:t>
+            </a:r>
+            <a:endParaRPr sz="2100"/>
+          </a:p>
+          <a:p>
+            <a:pPr indent="-361950" lvl="1" marL="914400" rtl="0" algn="l">
+              <a:spcBef>
+                <a:spcPts val="0"/>
+              </a:spcBef>
+              <a:spcAft>
+                <a:spcPts val="0"/>
+              </a:spcAft>
+              <a:buSzPts val="2100"/>
+              <a:buAutoNum type="alphaLcPeriod"/>
+            </a:pPr>
+            <a:r>
+              <a:rPr lang="en-GB" sz="2100"/>
+              <a:t>Use the -- operator to decrement the difference variable</a:t>
+            </a:r>
+            <a:endParaRPr sz="2100"/>
+          </a:p>
+          <a:p>
+            <a:pPr indent="-361950" lvl="0" marL="457200" rtl="0" algn="l">
+              <a:spcBef>
+                <a:spcPts val="0"/>
+              </a:spcBef>
+              <a:spcAft>
+                <a:spcPts val="0"/>
+              </a:spcAft>
+              <a:buSzPts val="2100"/>
+              <a:buAutoNum type="arabicPeriod"/>
+            </a:pPr>
+            <a:r>
+              <a:rPr lang="en-GB" sz="2100"/>
+              <a:t>Use the printf command to display new values for sum and difference</a:t>
+            </a:r>
+            <a:endParaRPr sz="2100"/>
+          </a:p>
+          <a:p>
+            <a:pPr indent="-361950" lvl="0" marL="457200" rtl="0" algn="l">
+              <a:spcBef>
+                <a:spcPts val="0"/>
+              </a:spcBef>
+              <a:spcAft>
+                <a:spcPts val="0"/>
+              </a:spcAft>
+              <a:buSzPts val="2100"/>
+              <a:buAutoNum type="arabicPeriod"/>
+            </a:pPr>
+            <a:r>
+              <a:rPr lang="en-GB" sz="2100"/>
+              <a:t>Compile, run and debug your modified arith.c program</a:t>
+            </a:r>
+            <a:endParaRPr sz="2100"/>
+          </a:p>
+          <a:p>
+            <a:pPr indent="0" lvl="0" marL="0" rtl="0" algn="l">
+              <a:spcBef>
+                <a:spcPts val="540"/>
+              </a:spcBef>
+              <a:spcAft>
+                <a:spcPts val="0"/>
+              </a:spcAft>
+              <a:buNone/>
+            </a:pPr>
+            <a:r>
+              <a:t/>
+            </a:r>
+            <a:endParaRPr/>
           </a:p>
         </p:txBody>
       </p:sp>
@@ -18066,7 +17775,7 @@
         </p:nvSpPr>
         <p:spPr>
           <a:xfrm>
-            <a:off x="2059025" y="203325"/>
+            <a:off x="2049425" y="204650"/>
             <a:ext cx="8229600" cy="571500"/>
           </a:xfrm>
           <a:prstGeom prst="rect">
@@ -18089,8 +17798,7 @@
               <a:buNone/>
             </a:pPr>
             <a:r>
-              <a:rPr lang="en-GB"/>
-              <a:t>Practice Session</a:t>
+              <a:t/>
             </a:r>
             <a:endParaRPr/>
           </a:p>
@@ -18106,8 +17814,8 @@
         </p:nvSpPr>
         <p:spPr>
           <a:xfrm>
-            <a:off x="569325" y="1006650"/>
-            <a:ext cx="8229600" cy="2800200"/>
+            <a:off x="564325" y="1346025"/>
+            <a:ext cx="8229600" cy="3326700"/>
           </a:xfrm>
           <a:prstGeom prst="rect">
             <a:avLst/>
@@ -18119,106 +17827,715 @@
           </a:bodyPr>
           <a:lstStyle/>
           <a:p>
-            <a:pPr indent="-361950" lvl="0" marL="457200" rtl="0" algn="l">
-              <a:spcBef>
-                <a:spcPts val="540"/>
-              </a:spcBef>
-              <a:spcAft>
-                <a:spcPts val="0"/>
-              </a:spcAft>
-              <a:buSzPts val="2100"/>
-              <a:buAutoNum type="arabicPeriod"/>
-            </a:pPr>
-            <a:r>
-              <a:rPr lang="en-GB" sz="2100"/>
-              <a:t>Inspect compile and run arith.c</a:t>
-            </a:r>
-            <a:endParaRPr sz="2100"/>
-          </a:p>
-          <a:p>
-            <a:pPr indent="-361950" lvl="0" marL="457200" rtl="0" algn="l">
-              <a:spcBef>
-                <a:spcPts val="0"/>
-              </a:spcBef>
-              <a:spcAft>
-                <a:spcPts val="0"/>
-              </a:spcAft>
-              <a:buSzPts val="2100"/>
-              <a:buAutoNum type="arabicPeriod"/>
-            </a:pPr>
-            <a:r>
-              <a:rPr lang="en-GB" sz="2100"/>
-              <a:t>After the display results section add two new lines as follows</a:t>
-            </a:r>
-            <a:endParaRPr sz="2100"/>
-          </a:p>
-          <a:p>
-            <a:pPr indent="-361950" lvl="1" marL="914400" rtl="0" algn="l">
-              <a:spcBef>
-                <a:spcPts val="0"/>
-              </a:spcBef>
-              <a:spcAft>
-                <a:spcPts val="0"/>
-              </a:spcAft>
-              <a:buSzPts val="2100"/>
-              <a:buAutoNum type="alphaLcPeriod"/>
-            </a:pPr>
-            <a:r>
-              <a:rPr lang="en-GB" sz="2100"/>
-              <a:t>Use the ++ operator to increment the sum variable</a:t>
-            </a:r>
-            <a:endParaRPr sz="2100"/>
-          </a:p>
-          <a:p>
-            <a:pPr indent="-361950" lvl="1" marL="914400" rtl="0" algn="l">
-              <a:spcBef>
-                <a:spcPts val="0"/>
-              </a:spcBef>
-              <a:spcAft>
-                <a:spcPts val="0"/>
-              </a:spcAft>
-              <a:buSzPts val="2100"/>
-              <a:buAutoNum type="alphaLcPeriod"/>
-            </a:pPr>
-            <a:r>
-              <a:rPr lang="en-GB" sz="2100"/>
-              <a:t>Use the -- operator to decrement the difference variable</a:t>
-            </a:r>
-            <a:endParaRPr sz="2100"/>
-          </a:p>
-          <a:p>
-            <a:pPr indent="-361950" lvl="0" marL="457200" rtl="0" algn="l">
-              <a:spcBef>
-                <a:spcPts val="0"/>
-              </a:spcBef>
-              <a:spcAft>
-                <a:spcPts val="0"/>
-              </a:spcAft>
-              <a:buSzPts val="2100"/>
-              <a:buAutoNum type="arabicPeriod"/>
-            </a:pPr>
-            <a:r>
-              <a:rPr lang="en-GB" sz="2100"/>
-              <a:t>Use the printf command to display new values for sum and difference</a:t>
-            </a:r>
-            <a:endParaRPr sz="2100"/>
-          </a:p>
-          <a:p>
-            <a:pPr indent="-361950" lvl="0" marL="457200" rtl="0" algn="l">
-              <a:spcBef>
-                <a:spcPts val="0"/>
-              </a:spcBef>
-              <a:spcAft>
-                <a:spcPts val="0"/>
-              </a:spcAft>
-              <a:buSzPts val="2100"/>
-              <a:buAutoNum type="arabicPeriod"/>
-            </a:pPr>
-            <a:r>
-              <a:rPr lang="en-GB" sz="2100"/>
-              <a:t>Compile, run and debug your modified arith.c program</a:t>
-            </a:r>
-            <a:endParaRPr sz="2100"/>
+            <a:pPr indent="0" lvl="0" marL="0" rtl="0" algn="l">
+              <a:lnSpc>
+                <a:spcPct val="115000"/>
+              </a:lnSpc>
+              <a:spcBef>
+                <a:spcPts val="0"/>
+              </a:spcBef>
+              <a:spcAft>
+                <a:spcPts val="0"/>
+              </a:spcAft>
+              <a:buNone/>
+            </a:pPr>
+            <a:r>
+              <a:rPr lang="en-GB" sz="900">
+                <a:solidFill>
+                  <a:srgbClr val="000000"/>
+                </a:solidFill>
+              </a:rPr>
+              <a:t>	</a:t>
+            </a:r>
+            <a:r>
+              <a:rPr b="1" lang="en-GB" sz="900">
+                <a:solidFill>
+                  <a:srgbClr val="7F0055"/>
+                </a:solidFill>
+              </a:rPr>
+              <a:t>while</a:t>
+            </a:r>
+            <a:r>
+              <a:rPr lang="en-GB" sz="900">
+                <a:solidFill>
+                  <a:srgbClr val="000000"/>
+                </a:solidFill>
+              </a:rPr>
+              <a:t>( </a:t>
+            </a:r>
+            <a:r>
+              <a:rPr b="1" lang="en-GB" sz="900">
+                <a:solidFill>
+                  <a:srgbClr val="642880"/>
+                </a:solidFill>
+              </a:rPr>
+              <a:t>fabs</a:t>
+            </a:r>
+            <a:r>
+              <a:rPr lang="en-GB" sz="900">
+                <a:solidFill>
+                  <a:srgbClr val="000000"/>
+                </a:solidFill>
+              </a:rPr>
+              <a:t>(b-a)&gt;(FLT_EPSILON*b))</a:t>
+            </a:r>
+            <a:endParaRPr sz="900">
+              <a:solidFill>
+                <a:srgbClr val="000000"/>
+              </a:solidFill>
+            </a:endParaRPr>
+          </a:p>
+          <a:p>
+            <a:pPr indent="0" lvl="0" marL="0" rtl="0" algn="l">
+              <a:lnSpc>
+                <a:spcPct val="115000"/>
+              </a:lnSpc>
+              <a:spcBef>
+                <a:spcPts val="0"/>
+              </a:spcBef>
+              <a:spcAft>
+                <a:spcPts val="0"/>
+              </a:spcAft>
+              <a:buNone/>
+            </a:pPr>
+            <a:r>
+              <a:rPr lang="en-GB" sz="900">
+                <a:solidFill>
+                  <a:srgbClr val="000000"/>
+                </a:solidFill>
+              </a:rPr>
+              <a:t>	{</a:t>
+            </a:r>
+            <a:endParaRPr sz="900">
+              <a:solidFill>
+                <a:srgbClr val="000000"/>
+              </a:solidFill>
+            </a:endParaRPr>
+          </a:p>
+          <a:p>
+            <a:pPr indent="0" lvl="0" marL="0" rtl="0" algn="l">
+              <a:lnSpc>
+                <a:spcPct val="115000"/>
+              </a:lnSpc>
+              <a:spcBef>
+                <a:spcPts val="0"/>
+              </a:spcBef>
+              <a:spcAft>
+                <a:spcPts val="0"/>
+              </a:spcAft>
+              <a:buNone/>
+            </a:pPr>
+            <a:r>
+              <a:rPr lang="en-GB" sz="900">
+                <a:solidFill>
+                  <a:srgbClr val="000000"/>
+                </a:solidFill>
+              </a:rPr>
+              <a:t>	  x = (a+b)/2;</a:t>
+            </a:r>
+            <a:endParaRPr sz="900">
+              <a:solidFill>
+                <a:srgbClr val="000000"/>
+              </a:solidFill>
+            </a:endParaRPr>
+          </a:p>
+          <a:p>
+            <a:pPr indent="0" lvl="0" marL="0" rtl="0" algn="l">
+              <a:lnSpc>
+                <a:spcPct val="115000"/>
+              </a:lnSpc>
+              <a:spcBef>
+                <a:spcPts val="0"/>
+              </a:spcBef>
+              <a:spcAft>
+                <a:spcPts val="0"/>
+              </a:spcAft>
+              <a:buNone/>
+            </a:pPr>
+            <a:r>
+              <a:rPr lang="en-GB" sz="900">
+                <a:solidFill>
+                  <a:srgbClr val="000000"/>
+                </a:solidFill>
+              </a:rPr>
+              <a:t>	  </a:t>
+            </a:r>
+            <a:r>
+              <a:rPr lang="en-GB" sz="900">
+                <a:solidFill>
+                  <a:srgbClr val="3F7F5F"/>
+                </a:solidFill>
+              </a:rPr>
+              <a:t>/*The function whose root is to be determined*/</a:t>
+            </a:r>
+            <a:endParaRPr sz="900">
+              <a:solidFill>
+                <a:srgbClr val="3F7F5F"/>
+              </a:solidFill>
+            </a:endParaRPr>
+          </a:p>
+          <a:p>
+            <a:pPr indent="0" lvl="0" marL="0" rtl="0" algn="l">
+              <a:lnSpc>
+                <a:spcPct val="115000"/>
+              </a:lnSpc>
+              <a:spcBef>
+                <a:spcPts val="0"/>
+              </a:spcBef>
+              <a:spcAft>
+                <a:spcPts val="0"/>
+              </a:spcAft>
+              <a:buNone/>
+            </a:pPr>
+            <a:r>
+              <a:rPr lang="en-GB" sz="900">
+                <a:solidFill>
+                  <a:srgbClr val="000000"/>
+                </a:solidFill>
+              </a:rPr>
+              <a:t>	  fx = </a:t>
+            </a:r>
+            <a:r>
+              <a:rPr b="1" lang="en-GB" sz="900">
+                <a:solidFill>
+                  <a:srgbClr val="642880"/>
+                </a:solidFill>
+              </a:rPr>
+              <a:t>pow</a:t>
+            </a:r>
+            <a:r>
+              <a:rPr lang="en-GB" sz="900">
+                <a:solidFill>
+                  <a:srgbClr val="000000"/>
+                </a:solidFill>
+              </a:rPr>
+              <a:t>(x,3)-2*x-5;</a:t>
+            </a:r>
+            <a:endParaRPr sz="900">
+              <a:solidFill>
+                <a:srgbClr val="000000"/>
+              </a:solidFill>
+            </a:endParaRPr>
+          </a:p>
+          <a:p>
+            <a:pPr indent="0" lvl="0" marL="0" rtl="0" algn="l">
+              <a:lnSpc>
+                <a:spcPct val="115000"/>
+              </a:lnSpc>
+              <a:spcBef>
+                <a:spcPts val="0"/>
+              </a:spcBef>
+              <a:spcAft>
+                <a:spcPts val="0"/>
+              </a:spcAft>
+              <a:buNone/>
+            </a:pPr>
+            <a:r>
+              <a:rPr lang="en-GB" sz="900">
+                <a:solidFill>
+                  <a:srgbClr val="000000"/>
+                </a:solidFill>
+              </a:rPr>
+              <a:t>	  </a:t>
+            </a:r>
+            <a:r>
+              <a:rPr b="1" lang="en-GB" sz="900">
+                <a:solidFill>
+                  <a:srgbClr val="7F0055"/>
+                </a:solidFill>
+              </a:rPr>
+              <a:t>if</a:t>
+            </a:r>
+            <a:r>
+              <a:rPr lang="en-GB" sz="900">
+                <a:solidFill>
+                  <a:srgbClr val="000000"/>
+                </a:solidFill>
+              </a:rPr>
+              <a:t>(sign(fx)==sign(fa))</a:t>
+            </a:r>
+            <a:endParaRPr sz="900">
+              <a:solidFill>
+                <a:srgbClr val="000000"/>
+              </a:solidFill>
+            </a:endParaRPr>
+          </a:p>
+          <a:p>
+            <a:pPr indent="0" lvl="0" marL="0" rtl="0" algn="l">
+              <a:lnSpc>
+                <a:spcPct val="115000"/>
+              </a:lnSpc>
+              <a:spcBef>
+                <a:spcPts val="0"/>
+              </a:spcBef>
+              <a:spcAft>
+                <a:spcPts val="0"/>
+              </a:spcAft>
+              <a:buNone/>
+            </a:pPr>
+            <a:r>
+              <a:rPr lang="en-GB" sz="900">
+                <a:solidFill>
+                  <a:srgbClr val="000000"/>
+                </a:solidFill>
+              </a:rPr>
+              <a:t>	  {</a:t>
+            </a:r>
+            <a:endParaRPr sz="900">
+              <a:solidFill>
+                <a:srgbClr val="000000"/>
+              </a:solidFill>
+            </a:endParaRPr>
+          </a:p>
+          <a:p>
+            <a:pPr indent="0" lvl="0" marL="0" rtl="0" algn="l">
+              <a:lnSpc>
+                <a:spcPct val="115000"/>
+              </a:lnSpc>
+              <a:spcBef>
+                <a:spcPts val="0"/>
+              </a:spcBef>
+              <a:spcAft>
+                <a:spcPts val="0"/>
+              </a:spcAft>
+              <a:buNone/>
+            </a:pPr>
+            <a:r>
+              <a:rPr lang="en-GB" sz="900">
+                <a:solidFill>
+                  <a:srgbClr val="000000"/>
+                </a:solidFill>
+              </a:rPr>
+              <a:t>	    a = x;</a:t>
+            </a:r>
+            <a:endParaRPr sz="900">
+              <a:solidFill>
+                <a:srgbClr val="000000"/>
+              </a:solidFill>
+            </a:endParaRPr>
+          </a:p>
+          <a:p>
+            <a:pPr indent="0" lvl="0" marL="0" rtl="0" algn="l">
+              <a:lnSpc>
+                <a:spcPct val="115000"/>
+              </a:lnSpc>
+              <a:spcBef>
+                <a:spcPts val="0"/>
+              </a:spcBef>
+              <a:spcAft>
+                <a:spcPts val="0"/>
+              </a:spcAft>
+              <a:buNone/>
+            </a:pPr>
+            <a:r>
+              <a:rPr lang="en-GB" sz="900">
+                <a:solidFill>
+                  <a:srgbClr val="000000"/>
+                </a:solidFill>
+              </a:rPr>
+              <a:t>	    fa = fx;</a:t>
+            </a:r>
+            <a:endParaRPr sz="900">
+              <a:solidFill>
+                <a:srgbClr val="000000"/>
+              </a:solidFill>
+            </a:endParaRPr>
+          </a:p>
+          <a:p>
+            <a:pPr indent="0" lvl="0" marL="0" rtl="0" algn="l">
+              <a:lnSpc>
+                <a:spcPct val="115000"/>
+              </a:lnSpc>
+              <a:spcBef>
+                <a:spcPts val="0"/>
+              </a:spcBef>
+              <a:spcAft>
+                <a:spcPts val="0"/>
+              </a:spcAft>
+              <a:buNone/>
+            </a:pPr>
+            <a:r>
+              <a:rPr lang="en-GB" sz="900">
+                <a:solidFill>
+                  <a:srgbClr val="000000"/>
+                </a:solidFill>
+              </a:rPr>
+              <a:t>            </a:t>
+            </a:r>
+            <a:r>
+              <a:rPr b="1" lang="en-GB" sz="900">
+                <a:solidFill>
+                  <a:srgbClr val="642880"/>
+                </a:solidFill>
+              </a:rPr>
+              <a:t>printf</a:t>
+            </a:r>
+            <a:r>
+              <a:rPr lang="en-GB" sz="900">
+                <a:solidFill>
+                  <a:srgbClr val="000000"/>
+                </a:solidFill>
+              </a:rPr>
+              <a:t>(</a:t>
+            </a:r>
+            <a:r>
+              <a:rPr lang="en-GB" sz="900">
+                <a:solidFill>
+                  <a:srgbClr val="2A00FF"/>
+                </a:solidFill>
+              </a:rPr>
+              <a:t>"a=%f fa=%f\n"</a:t>
+            </a:r>
+            <a:r>
+              <a:rPr lang="en-GB" sz="900">
+                <a:solidFill>
+                  <a:srgbClr val="000000"/>
+                </a:solidFill>
+              </a:rPr>
+              <a:t>,a,fa);</a:t>
+            </a:r>
+            <a:endParaRPr sz="900">
+              <a:solidFill>
+                <a:srgbClr val="000000"/>
+              </a:solidFill>
+            </a:endParaRPr>
+          </a:p>
+          <a:p>
+            <a:pPr indent="0" lvl="0" marL="0" rtl="0" algn="l">
+              <a:lnSpc>
+                <a:spcPct val="115000"/>
+              </a:lnSpc>
+              <a:spcBef>
+                <a:spcPts val="0"/>
+              </a:spcBef>
+              <a:spcAft>
+                <a:spcPts val="0"/>
+              </a:spcAft>
+              <a:buNone/>
+            </a:pPr>
+            <a:r>
+              <a:rPr lang="en-GB" sz="900">
+                <a:solidFill>
+                  <a:srgbClr val="000000"/>
+                </a:solidFill>
+              </a:rPr>
+              <a:t>	  }</a:t>
+            </a:r>
+            <a:endParaRPr sz="900">
+              <a:solidFill>
+                <a:srgbClr val="000000"/>
+              </a:solidFill>
+            </a:endParaRPr>
+          </a:p>
+          <a:p>
+            <a:pPr indent="0" lvl="0" marL="0" rtl="0" algn="l">
+              <a:lnSpc>
+                <a:spcPct val="115000"/>
+              </a:lnSpc>
+              <a:spcBef>
+                <a:spcPts val="0"/>
+              </a:spcBef>
+              <a:spcAft>
+                <a:spcPts val="0"/>
+              </a:spcAft>
+              <a:buNone/>
+            </a:pPr>
+            <a:r>
+              <a:rPr lang="en-GB" sz="900">
+                <a:solidFill>
+                  <a:srgbClr val="000000"/>
+                </a:solidFill>
+              </a:rPr>
+              <a:t>	  </a:t>
+            </a:r>
+            <a:r>
+              <a:rPr b="1" lang="en-GB" sz="900">
+                <a:solidFill>
+                  <a:srgbClr val="7F0055"/>
+                </a:solidFill>
+              </a:rPr>
+              <a:t>else</a:t>
+            </a:r>
+            <a:endParaRPr b="1" sz="900">
+              <a:solidFill>
+                <a:srgbClr val="7F0055"/>
+              </a:solidFill>
+            </a:endParaRPr>
+          </a:p>
+          <a:p>
+            <a:pPr indent="0" lvl="0" marL="0" rtl="0" algn="l">
+              <a:lnSpc>
+                <a:spcPct val="115000"/>
+              </a:lnSpc>
+              <a:spcBef>
+                <a:spcPts val="0"/>
+              </a:spcBef>
+              <a:spcAft>
+                <a:spcPts val="0"/>
+              </a:spcAft>
+              <a:buNone/>
+            </a:pPr>
+            <a:r>
+              <a:rPr lang="en-GB" sz="900">
+                <a:solidFill>
+                  <a:srgbClr val="000000"/>
+                </a:solidFill>
+              </a:rPr>
+              <a:t>	  {</a:t>
+            </a:r>
+            <a:endParaRPr sz="900">
+              <a:solidFill>
+                <a:srgbClr val="000000"/>
+              </a:solidFill>
+            </a:endParaRPr>
+          </a:p>
+          <a:p>
+            <a:pPr indent="0" lvl="0" marL="0" rtl="0" algn="l">
+              <a:lnSpc>
+                <a:spcPct val="115000"/>
+              </a:lnSpc>
+              <a:spcBef>
+                <a:spcPts val="0"/>
+              </a:spcBef>
+              <a:spcAft>
+                <a:spcPts val="0"/>
+              </a:spcAft>
+              <a:buNone/>
+            </a:pPr>
+            <a:r>
+              <a:rPr lang="en-GB" sz="900">
+                <a:solidFill>
+                  <a:srgbClr val="000000"/>
+                </a:solidFill>
+              </a:rPr>
+              <a:t>	    b = x;</a:t>
+            </a:r>
+            <a:endParaRPr sz="900">
+              <a:solidFill>
+                <a:srgbClr val="000000"/>
+              </a:solidFill>
+            </a:endParaRPr>
+          </a:p>
+          <a:p>
+            <a:pPr indent="0" lvl="0" marL="0" rtl="0" algn="l">
+              <a:lnSpc>
+                <a:spcPct val="115000"/>
+              </a:lnSpc>
+              <a:spcBef>
+                <a:spcPts val="0"/>
+              </a:spcBef>
+              <a:spcAft>
+                <a:spcPts val="0"/>
+              </a:spcAft>
+              <a:buNone/>
+            </a:pPr>
+            <a:r>
+              <a:rPr lang="en-GB" sz="900">
+                <a:solidFill>
+                  <a:srgbClr val="000000"/>
+                </a:solidFill>
+              </a:rPr>
+              <a:t>	    fb = fx;</a:t>
+            </a:r>
+            <a:endParaRPr sz="900">
+              <a:solidFill>
+                <a:srgbClr val="000000"/>
+              </a:solidFill>
+            </a:endParaRPr>
+          </a:p>
+          <a:p>
+            <a:pPr indent="0" lvl="0" marL="0" rtl="0" algn="l">
+              <a:lnSpc>
+                <a:spcPct val="115000"/>
+              </a:lnSpc>
+              <a:spcBef>
+                <a:spcPts val="0"/>
+              </a:spcBef>
+              <a:spcAft>
+                <a:spcPts val="0"/>
+              </a:spcAft>
+              <a:buNone/>
+            </a:pPr>
+            <a:r>
+              <a:rPr lang="en-GB" sz="900">
+                <a:solidFill>
+                  <a:srgbClr val="000000"/>
+                </a:solidFill>
+              </a:rPr>
+              <a:t>            </a:t>
+            </a:r>
+            <a:r>
+              <a:rPr b="1" lang="en-GB" sz="900">
+                <a:solidFill>
+                  <a:srgbClr val="642880"/>
+                </a:solidFill>
+              </a:rPr>
+              <a:t>printf</a:t>
+            </a:r>
+            <a:r>
+              <a:rPr lang="en-GB" sz="900">
+                <a:solidFill>
+                  <a:srgbClr val="000000"/>
+                </a:solidFill>
+              </a:rPr>
+              <a:t>(</a:t>
+            </a:r>
+            <a:r>
+              <a:rPr lang="en-GB" sz="900">
+                <a:solidFill>
+                  <a:srgbClr val="2A00FF"/>
+                </a:solidFill>
+              </a:rPr>
+              <a:t>"b=%f fb=%f\n"</a:t>
+            </a:r>
+            <a:r>
+              <a:rPr lang="en-GB" sz="900">
+                <a:solidFill>
+                  <a:srgbClr val="000000"/>
+                </a:solidFill>
+              </a:rPr>
+              <a:t>,b,fb);</a:t>
+            </a:r>
+            <a:endParaRPr sz="900">
+              <a:solidFill>
+                <a:srgbClr val="000000"/>
+              </a:solidFill>
+            </a:endParaRPr>
+          </a:p>
+          <a:p>
+            <a:pPr indent="0" lvl="0" marL="0" rtl="0" algn="l">
+              <a:lnSpc>
+                <a:spcPct val="115000"/>
+              </a:lnSpc>
+              <a:spcBef>
+                <a:spcPts val="0"/>
+              </a:spcBef>
+              <a:spcAft>
+                <a:spcPts val="0"/>
+              </a:spcAft>
+              <a:buNone/>
+            </a:pPr>
+            <a:r>
+              <a:rPr lang="en-GB" sz="900">
+                <a:solidFill>
+                  <a:srgbClr val="000000"/>
+                </a:solidFill>
+              </a:rPr>
+              <a:t>	  }</a:t>
+            </a:r>
+            <a:endParaRPr sz="900">
+              <a:solidFill>
+                <a:srgbClr val="000000"/>
+              </a:solidFill>
+            </a:endParaRPr>
+          </a:p>
+          <a:p>
+            <a:pPr indent="0" lvl="0" marL="0" rtl="0" algn="l">
+              <a:lnSpc>
+                <a:spcPct val="115000"/>
+              </a:lnSpc>
+              <a:spcBef>
+                <a:spcPts val="0"/>
+              </a:spcBef>
+              <a:spcAft>
+                <a:spcPts val="0"/>
+              </a:spcAft>
+              <a:buNone/>
+            </a:pPr>
+            <a:r>
+              <a:t/>
+            </a:r>
+            <a:endParaRPr sz="900">
+              <a:solidFill>
+                <a:srgbClr val="000000"/>
+              </a:solidFill>
+            </a:endParaRPr>
+          </a:p>
+          <a:p>
+            <a:pPr indent="0" lvl="0" marL="0" rtl="0" algn="l">
+              <a:lnSpc>
+                <a:spcPct val="115000"/>
+              </a:lnSpc>
+              <a:spcBef>
+                <a:spcPts val="0"/>
+              </a:spcBef>
+              <a:spcAft>
+                <a:spcPts val="0"/>
+              </a:spcAft>
+              <a:buNone/>
+            </a:pPr>
+            <a:r>
+              <a:rPr lang="en-GB" sz="900">
+                <a:solidFill>
+                  <a:srgbClr val="000000"/>
+                </a:solidFill>
+              </a:rPr>
+              <a:t>	}</a:t>
+            </a:r>
+            <a:endParaRPr sz="900">
+              <a:solidFill>
+                <a:srgbClr val="000000"/>
+              </a:solidFill>
+            </a:endParaRPr>
+          </a:p>
+          <a:p>
+            <a:pPr indent="0" lvl="0" marL="0" rtl="0" algn="l">
+              <a:lnSpc>
+                <a:spcPct val="115000"/>
+              </a:lnSpc>
+              <a:spcBef>
+                <a:spcPts val="0"/>
+              </a:spcBef>
+              <a:spcAft>
+                <a:spcPts val="0"/>
+              </a:spcAft>
+              <a:buNone/>
+            </a:pPr>
+            <a:r>
+              <a:rPr lang="en-GB" sz="900">
+                <a:solidFill>
+                  <a:srgbClr val="000000"/>
+                </a:solidFill>
+              </a:rPr>
+              <a:t>	</a:t>
+            </a:r>
+            <a:r>
+              <a:rPr b="1" lang="en-GB" sz="900">
+                <a:solidFill>
+                  <a:srgbClr val="642880"/>
+                </a:solidFill>
+              </a:rPr>
+              <a:t>printf</a:t>
+            </a:r>
+            <a:r>
+              <a:rPr lang="en-GB" sz="900">
+                <a:solidFill>
+                  <a:srgbClr val="000000"/>
+                </a:solidFill>
+              </a:rPr>
+              <a:t>(</a:t>
+            </a:r>
+            <a:r>
+              <a:rPr lang="en-GB" sz="900">
+                <a:solidFill>
+                  <a:srgbClr val="2A00FF"/>
+                </a:solidFill>
+              </a:rPr>
+              <a:t>" The root is :%f\n"</a:t>
+            </a:r>
+            <a:r>
+              <a:rPr lang="en-GB" sz="900">
+                <a:solidFill>
+                  <a:srgbClr val="000000"/>
+                </a:solidFill>
+              </a:rPr>
+              <a:t>,x);</a:t>
+            </a:r>
+            <a:endParaRPr sz="900">
+              <a:solidFill>
+                <a:srgbClr val="000000"/>
+              </a:solidFill>
+            </a:endParaRPr>
           </a:p>
           <a:p>
             <a:pPr indent="0" lvl="0" marL="0" rtl="0" algn="l">
@@ -18272,7 +18589,7 @@
         </p:nvSpPr>
         <p:spPr>
           <a:xfrm>
-            <a:off x="2049425" y="204650"/>
+            <a:off x="2159700" y="263725"/>
             <a:ext cx="8229600" cy="571500"/>
           </a:xfrm>
           <a:prstGeom prst="rect">
@@ -18295,7 +18612,8 @@
               <a:buNone/>
             </a:pPr>
             <a:r>
-              <a:t/>
+              <a:rPr lang="en-GB"/>
+              <a:t>Conditional Statements</a:t>
             </a:r>
             <a:endParaRPr/>
           </a:p>
@@ -18311,8 +18629,8 @@
         </p:nvSpPr>
         <p:spPr>
           <a:xfrm>
-            <a:off x="564325" y="1346025"/>
-            <a:ext cx="8229600" cy="3326700"/>
+            <a:off x="457200" y="1318700"/>
+            <a:ext cx="8229600" cy="2800200"/>
           </a:xfrm>
           <a:prstGeom prst="rect">
             <a:avLst/>
@@ -18337,48 +18655,16 @@
               <a:buNone/>
             </a:pPr>
             <a:r>
-              <a:rPr lang="en-GB" sz="900">
-                <a:solidFill>
-                  <a:srgbClr val="000000"/>
-                </a:solidFill>
-              </a:rPr>
-              <a:t>	</a:t>
-            </a:r>
-            <a:r>
-              <a:rPr b="1" lang="en-GB" sz="900">
-                <a:solidFill>
-                  <a:srgbClr val="7F0055"/>
-                </a:solidFill>
-              </a:rPr>
-              <a:t>while</a:t>
-            </a:r>
-            <a:r>
-              <a:rPr lang="en-GB" sz="900">
-                <a:solidFill>
-                  <a:srgbClr val="000000"/>
-                </a:solidFill>
-              </a:rPr>
-              <a:t>( </a:t>
-            </a:r>
-            <a:r>
-              <a:rPr b="1" lang="en-GB" sz="900">
-                <a:solidFill>
-                  <a:srgbClr val="642880"/>
-                </a:solidFill>
-              </a:rPr>
-              <a:t>fabs</a:t>
-            </a:r>
-            <a:r>
-              <a:rPr lang="en-GB" sz="900">
-                <a:solidFill>
-                  <a:srgbClr val="000000"/>
-                </a:solidFill>
-              </a:rPr>
-              <a:t>(b-a)&gt;(FLT_EPSILON*b))</a:t>
-            </a:r>
-            <a:endParaRPr sz="900">
+              <a:rPr lang="en-GB" sz="1800">
+                <a:solidFill>
+                  <a:srgbClr val="00009A"/>
+                </a:solidFill>
+              </a:rPr>
+              <a:t>The if statement allows decision making</a:t>
+            </a:r>
+            <a:endParaRPr sz="1800">
               <a:solidFill>
-                <a:srgbClr val="000000"/>
+                <a:srgbClr val="00009A"/>
               </a:solidFill>
             </a:endParaRPr>
           </a:p>
@@ -18396,16 +18682,16 @@
               <a:buNone/>
             </a:pPr>
             <a:r>
-              <a:rPr lang="en-GB" sz="900">
-                <a:solidFill>
-                  <a:srgbClr val="000000"/>
-                </a:solidFill>
-              </a:rPr>
-              <a:t>	{</a:t>
-            </a:r>
-            <a:endParaRPr sz="900">
+              <a:rPr lang="en-GB" sz="1800">
+                <a:solidFill>
+                  <a:srgbClr val="00009A"/>
+                </a:solidFill>
+              </a:rPr>
+              <a:t>functionality to be added to applications.</a:t>
+            </a:r>
+            <a:endParaRPr sz="1800">
               <a:solidFill>
-                <a:srgbClr val="000000"/>
+                <a:srgbClr val="00009A"/>
               </a:solidFill>
             </a:endParaRPr>
           </a:p>
@@ -18423,16 +18709,16 @@
               <a:buNone/>
             </a:pPr>
             <a:r>
-              <a:rPr lang="en-GB" sz="900">
-                <a:solidFill>
-                  <a:srgbClr val="000000"/>
-                </a:solidFill>
-              </a:rPr>
-              <a:t>	  x = (a+b)/2;</a:t>
-            </a:r>
-            <a:endParaRPr sz="900">
+              <a:rPr lang="en-GB" sz="1800">
+                <a:solidFill>
+                  <a:srgbClr val="00009A"/>
+                </a:solidFill>
+              </a:rPr>
+              <a:t>• General form of the if statement is:</a:t>
+            </a:r>
+            <a:endParaRPr sz="1800">
               <a:solidFill>
-                <a:srgbClr val="000000"/>
+                <a:srgbClr val="00009A"/>
               </a:solidFill>
             </a:endParaRPr>
           </a:p>
@@ -18450,29 +18736,16 @@
               <a:buNone/>
             </a:pPr>
             <a:r>
-              <a:rPr lang="en-GB" sz="900">
-                <a:solidFill>
-                  <a:srgbClr val="000000"/>
-                </a:solidFill>
-              </a:rPr>
-              <a:t>	  </a:t>
-            </a:r>
-            <a:r>
-              <a:rPr lang="en-GB" sz="900">
-                <a:solidFill>
-                  <a:srgbClr val="3F7F5F"/>
-                </a:solidFill>
-              </a:rPr>
-              <a:t>/*The function whose root is to be determined*/</a:t>
-            </a:r>
-            <a:endParaRPr sz="900">
+              <a:t/>
+            </a:r>
+            <a:endParaRPr sz="1800">
               <a:solidFill>
-                <a:srgbClr val="3F7F5F"/>
+                <a:srgbClr val="00009A"/>
               </a:solidFill>
             </a:endParaRPr>
           </a:p>
           <a:p>
-            <a:pPr indent="0" lvl="0" marL="0" rtl="0" algn="l">
+            <a:pPr indent="457200" lvl="0" marL="457200" rtl="0" algn="l">
               <a:lnSpc>
                 <a:spcPct val="115000"/>
               </a:lnSpc>
@@ -18485,37 +18758,21 @@
               <a:buNone/>
             </a:pPr>
             <a:r>
-              <a:rPr lang="en-GB" sz="900">
-                <a:solidFill>
-                  <a:srgbClr val="000000"/>
-                </a:solidFill>
-              </a:rPr>
-              <a:t>	  fx = </a:t>
-            </a:r>
-            <a:r>
-              <a:rPr b="1" lang="en-GB" sz="900">
-                <a:solidFill>
-                  <a:srgbClr val="642880"/>
-                </a:solidFill>
-              </a:rPr>
-              <a:t>pow</a:t>
-            </a:r>
-            <a:r>
-              <a:rPr lang="en-GB" sz="900">
-                <a:solidFill>
-                  <a:srgbClr val="000000"/>
-                </a:solidFill>
-              </a:rPr>
-              <a:t>(x,3)-2*x-5;</a:t>
-            </a:r>
-            <a:endParaRPr sz="900">
+              <a:rPr lang="en-GB" sz="2100">
+                <a:solidFill>
+                  <a:srgbClr val="6AA84F"/>
+                </a:solidFill>
+              </a:rPr>
+              <a:t>if(condition)</a:t>
+            </a:r>
+            <a:endParaRPr sz="2100">
               <a:solidFill>
-                <a:srgbClr val="000000"/>
+                <a:srgbClr val="6AA84F"/>
               </a:solidFill>
             </a:endParaRPr>
           </a:p>
           <a:p>
-            <a:pPr indent="0" lvl="0" marL="0" rtl="0" algn="l">
+            <a:pPr indent="457200" lvl="0" marL="1371600" rtl="0" algn="l">
               <a:lnSpc>
                 <a:spcPct val="115000"/>
               </a:lnSpc>
@@ -18528,509 +18785,16 @@
               <a:buNone/>
             </a:pPr>
             <a:r>
-              <a:rPr lang="en-GB" sz="900">
-                <a:solidFill>
-                  <a:srgbClr val="000000"/>
-                </a:solidFill>
-              </a:rPr>
-              <a:t>	  </a:t>
-            </a:r>
-            <a:r>
-              <a:rPr b="1" lang="en-GB" sz="900">
-                <a:solidFill>
-                  <a:srgbClr val="7F0055"/>
-                </a:solidFill>
-              </a:rPr>
-              <a:t>if</a:t>
-            </a:r>
-            <a:r>
-              <a:rPr lang="en-GB" sz="900">
-                <a:solidFill>
-                  <a:srgbClr val="000000"/>
-                </a:solidFill>
-              </a:rPr>
-              <a:t>(sign(fx)==sign(fa))</a:t>
-            </a:r>
-            <a:endParaRPr sz="900">
+              <a:rPr lang="en-GB" sz="2100">
+                <a:solidFill>
+                  <a:srgbClr val="6AA84F"/>
+                </a:solidFill>
+              </a:rPr>
+              <a:t>statement;</a:t>
+            </a:r>
+            <a:endParaRPr sz="2100">
               <a:solidFill>
-                <a:srgbClr val="000000"/>
-              </a:solidFill>
-            </a:endParaRPr>
-          </a:p>
-          <a:p>
-            <a:pPr indent="0" lvl="0" marL="0" rtl="0" algn="l">
-              <a:lnSpc>
-                <a:spcPct val="115000"/>
-              </a:lnSpc>
-              <a:spcBef>
-                <a:spcPts val="0"/>
-              </a:spcBef>
-              <a:spcAft>
-                <a:spcPts val="0"/>
-              </a:spcAft>
-              <a:buNone/>
-            </a:pPr>
-            <a:r>
-              <a:rPr lang="en-GB" sz="900">
-                <a:solidFill>
-                  <a:srgbClr val="000000"/>
-                </a:solidFill>
-              </a:rPr>
-              <a:t>	  {</a:t>
-            </a:r>
-            <a:endParaRPr sz="900">
-              <a:solidFill>
-                <a:srgbClr val="000000"/>
-              </a:solidFill>
-            </a:endParaRPr>
-          </a:p>
-          <a:p>
-            <a:pPr indent="0" lvl="0" marL="0" rtl="0" algn="l">
-              <a:lnSpc>
-                <a:spcPct val="115000"/>
-              </a:lnSpc>
-              <a:spcBef>
-                <a:spcPts val="0"/>
-              </a:spcBef>
-              <a:spcAft>
-                <a:spcPts val="0"/>
-              </a:spcAft>
-              <a:buNone/>
-            </a:pPr>
-            <a:r>
-              <a:rPr lang="en-GB" sz="900">
-                <a:solidFill>
-                  <a:srgbClr val="000000"/>
-                </a:solidFill>
-              </a:rPr>
-              <a:t>	    a = x;</a:t>
-            </a:r>
-            <a:endParaRPr sz="900">
-              <a:solidFill>
-                <a:srgbClr val="000000"/>
-              </a:solidFill>
-            </a:endParaRPr>
-          </a:p>
-          <a:p>
-            <a:pPr indent="0" lvl="0" marL="0" rtl="0" algn="l">
-              <a:lnSpc>
-                <a:spcPct val="115000"/>
-              </a:lnSpc>
-              <a:spcBef>
-                <a:spcPts val="0"/>
-              </a:spcBef>
-              <a:spcAft>
-                <a:spcPts val="0"/>
-              </a:spcAft>
-              <a:buNone/>
-            </a:pPr>
-            <a:r>
-              <a:rPr lang="en-GB" sz="900">
-                <a:solidFill>
-                  <a:srgbClr val="000000"/>
-                </a:solidFill>
-              </a:rPr>
-              <a:t>	    fa = fx;</a:t>
-            </a:r>
-            <a:endParaRPr sz="900">
-              <a:solidFill>
-                <a:srgbClr val="000000"/>
-              </a:solidFill>
-            </a:endParaRPr>
-          </a:p>
-          <a:p>
-            <a:pPr indent="0" lvl="0" marL="0" rtl="0" algn="l">
-              <a:lnSpc>
-                <a:spcPct val="115000"/>
-              </a:lnSpc>
-              <a:spcBef>
-                <a:spcPts val="0"/>
-              </a:spcBef>
-              <a:spcAft>
-                <a:spcPts val="0"/>
-              </a:spcAft>
-              <a:buNone/>
-            </a:pPr>
-            <a:r>
-              <a:rPr lang="en-GB" sz="900">
-                <a:solidFill>
-                  <a:srgbClr val="000000"/>
-                </a:solidFill>
-              </a:rPr>
-              <a:t>            </a:t>
-            </a:r>
-            <a:r>
-              <a:rPr b="1" lang="en-GB" sz="900">
-                <a:solidFill>
-                  <a:srgbClr val="642880"/>
-                </a:solidFill>
-              </a:rPr>
-              <a:t>printf</a:t>
-            </a:r>
-            <a:r>
-              <a:rPr lang="en-GB" sz="900">
-                <a:solidFill>
-                  <a:srgbClr val="000000"/>
-                </a:solidFill>
-              </a:rPr>
-              <a:t>(</a:t>
-            </a:r>
-            <a:r>
-              <a:rPr lang="en-GB" sz="900">
-                <a:solidFill>
-                  <a:srgbClr val="2A00FF"/>
-                </a:solidFill>
-              </a:rPr>
-              <a:t>"a=%f fa=%f\n"</a:t>
-            </a:r>
-            <a:r>
-              <a:rPr lang="en-GB" sz="900">
-                <a:solidFill>
-                  <a:srgbClr val="000000"/>
-                </a:solidFill>
-              </a:rPr>
-              <a:t>,a,fa);</a:t>
-            </a:r>
-            <a:endParaRPr sz="900">
-              <a:solidFill>
-                <a:srgbClr val="000000"/>
-              </a:solidFill>
-            </a:endParaRPr>
-          </a:p>
-          <a:p>
-            <a:pPr indent="0" lvl="0" marL="0" rtl="0" algn="l">
-              <a:lnSpc>
-                <a:spcPct val="115000"/>
-              </a:lnSpc>
-              <a:spcBef>
-                <a:spcPts val="0"/>
-              </a:spcBef>
-              <a:spcAft>
-                <a:spcPts val="0"/>
-              </a:spcAft>
-              <a:buNone/>
-            </a:pPr>
-            <a:r>
-              <a:rPr lang="en-GB" sz="900">
-                <a:solidFill>
-                  <a:srgbClr val="000000"/>
-                </a:solidFill>
-              </a:rPr>
-              <a:t>	  }</a:t>
-            </a:r>
-            <a:endParaRPr sz="900">
-              <a:solidFill>
-                <a:srgbClr val="000000"/>
-              </a:solidFill>
-            </a:endParaRPr>
-          </a:p>
-          <a:p>
-            <a:pPr indent="0" lvl="0" marL="0" rtl="0" algn="l">
-              <a:lnSpc>
-                <a:spcPct val="115000"/>
-              </a:lnSpc>
-              <a:spcBef>
-                <a:spcPts val="0"/>
-              </a:spcBef>
-              <a:spcAft>
-                <a:spcPts val="0"/>
-              </a:spcAft>
-              <a:buNone/>
-            </a:pPr>
-            <a:r>
-              <a:rPr lang="en-GB" sz="900">
-                <a:solidFill>
-                  <a:srgbClr val="000000"/>
-                </a:solidFill>
-              </a:rPr>
-              <a:t>	  </a:t>
-            </a:r>
-            <a:r>
-              <a:rPr b="1" lang="en-GB" sz="900">
-                <a:solidFill>
-                  <a:srgbClr val="7F0055"/>
-                </a:solidFill>
-              </a:rPr>
-              <a:t>else</a:t>
-            </a:r>
-            <a:endParaRPr b="1" sz="900">
-              <a:solidFill>
-                <a:srgbClr val="7F0055"/>
-              </a:solidFill>
-            </a:endParaRPr>
-          </a:p>
-          <a:p>
-            <a:pPr indent="0" lvl="0" marL="0" rtl="0" algn="l">
-              <a:lnSpc>
-                <a:spcPct val="115000"/>
-              </a:lnSpc>
-              <a:spcBef>
-                <a:spcPts val="0"/>
-              </a:spcBef>
-              <a:spcAft>
-                <a:spcPts val="0"/>
-              </a:spcAft>
-              <a:buNone/>
-            </a:pPr>
-            <a:r>
-              <a:rPr lang="en-GB" sz="900">
-                <a:solidFill>
-                  <a:srgbClr val="000000"/>
-                </a:solidFill>
-              </a:rPr>
-              <a:t>	  {</a:t>
-            </a:r>
-            <a:endParaRPr sz="900">
-              <a:solidFill>
-                <a:srgbClr val="000000"/>
-              </a:solidFill>
-            </a:endParaRPr>
-          </a:p>
-          <a:p>
-            <a:pPr indent="0" lvl="0" marL="0" rtl="0" algn="l">
-              <a:lnSpc>
-                <a:spcPct val="115000"/>
-              </a:lnSpc>
-              <a:spcBef>
-                <a:spcPts val="0"/>
-              </a:spcBef>
-              <a:spcAft>
-                <a:spcPts val="0"/>
-              </a:spcAft>
-              <a:buNone/>
-            </a:pPr>
-            <a:r>
-              <a:rPr lang="en-GB" sz="900">
-                <a:solidFill>
-                  <a:srgbClr val="000000"/>
-                </a:solidFill>
-              </a:rPr>
-              <a:t>	    b = x;</a:t>
-            </a:r>
-            <a:endParaRPr sz="900">
-              <a:solidFill>
-                <a:srgbClr val="000000"/>
-              </a:solidFill>
-            </a:endParaRPr>
-          </a:p>
-          <a:p>
-            <a:pPr indent="0" lvl="0" marL="0" rtl="0" algn="l">
-              <a:lnSpc>
-                <a:spcPct val="115000"/>
-              </a:lnSpc>
-              <a:spcBef>
-                <a:spcPts val="0"/>
-              </a:spcBef>
-              <a:spcAft>
-                <a:spcPts val="0"/>
-              </a:spcAft>
-              <a:buNone/>
-            </a:pPr>
-            <a:r>
-              <a:rPr lang="en-GB" sz="900">
-                <a:solidFill>
-                  <a:srgbClr val="000000"/>
-                </a:solidFill>
-              </a:rPr>
-              <a:t>	    fb = fx;</a:t>
-            </a:r>
-            <a:endParaRPr sz="900">
-              <a:solidFill>
-                <a:srgbClr val="000000"/>
-              </a:solidFill>
-            </a:endParaRPr>
-          </a:p>
-          <a:p>
-            <a:pPr indent="0" lvl="0" marL="0" rtl="0" algn="l">
-              <a:lnSpc>
-                <a:spcPct val="115000"/>
-              </a:lnSpc>
-              <a:spcBef>
-                <a:spcPts val="0"/>
-              </a:spcBef>
-              <a:spcAft>
-                <a:spcPts val="0"/>
-              </a:spcAft>
-              <a:buNone/>
-            </a:pPr>
-            <a:r>
-              <a:rPr lang="en-GB" sz="900">
-                <a:solidFill>
-                  <a:srgbClr val="000000"/>
-                </a:solidFill>
-              </a:rPr>
-              <a:t>            </a:t>
-            </a:r>
-            <a:r>
-              <a:rPr b="1" lang="en-GB" sz="900">
-                <a:solidFill>
-                  <a:srgbClr val="642880"/>
-                </a:solidFill>
-              </a:rPr>
-              <a:t>printf</a:t>
-            </a:r>
-            <a:r>
-              <a:rPr lang="en-GB" sz="900">
-                <a:solidFill>
-                  <a:srgbClr val="000000"/>
-                </a:solidFill>
-              </a:rPr>
-              <a:t>(</a:t>
-            </a:r>
-            <a:r>
-              <a:rPr lang="en-GB" sz="900">
-                <a:solidFill>
-                  <a:srgbClr val="2A00FF"/>
-                </a:solidFill>
-              </a:rPr>
-              <a:t>"b=%f fb=%f\n"</a:t>
-            </a:r>
-            <a:r>
-              <a:rPr lang="en-GB" sz="900">
-                <a:solidFill>
-                  <a:srgbClr val="000000"/>
-                </a:solidFill>
-              </a:rPr>
-              <a:t>,b,fb);</a:t>
-            </a:r>
-            <a:endParaRPr sz="900">
-              <a:solidFill>
-                <a:srgbClr val="000000"/>
-              </a:solidFill>
-            </a:endParaRPr>
-          </a:p>
-          <a:p>
-            <a:pPr indent="0" lvl="0" marL="0" rtl="0" algn="l">
-              <a:lnSpc>
-                <a:spcPct val="115000"/>
-              </a:lnSpc>
-              <a:spcBef>
-                <a:spcPts val="0"/>
-              </a:spcBef>
-              <a:spcAft>
-                <a:spcPts val="0"/>
-              </a:spcAft>
-              <a:buNone/>
-            </a:pPr>
-            <a:r>
-              <a:rPr lang="en-GB" sz="900">
-                <a:solidFill>
-                  <a:srgbClr val="000000"/>
-                </a:solidFill>
-              </a:rPr>
-              <a:t>	  }</a:t>
-            </a:r>
-            <a:endParaRPr sz="900">
-              <a:solidFill>
-                <a:srgbClr val="000000"/>
-              </a:solidFill>
-            </a:endParaRPr>
-          </a:p>
-          <a:p>
-            <a:pPr indent="0" lvl="0" marL="0" rtl="0" algn="l">
-              <a:lnSpc>
-                <a:spcPct val="115000"/>
-              </a:lnSpc>
-              <a:spcBef>
-                <a:spcPts val="0"/>
-              </a:spcBef>
-              <a:spcAft>
-                <a:spcPts val="0"/>
-              </a:spcAft>
-              <a:buNone/>
-            </a:pPr>
-            <a:r>
-              <a:t/>
-            </a:r>
-            <a:endParaRPr sz="900">
-              <a:solidFill>
-                <a:srgbClr val="000000"/>
-              </a:solidFill>
-            </a:endParaRPr>
-          </a:p>
-          <a:p>
-            <a:pPr indent="0" lvl="0" marL="0" rtl="0" algn="l">
-              <a:lnSpc>
-                <a:spcPct val="115000"/>
-              </a:lnSpc>
-              <a:spcBef>
-                <a:spcPts val="0"/>
-              </a:spcBef>
-              <a:spcAft>
-                <a:spcPts val="0"/>
-              </a:spcAft>
-              <a:buNone/>
-            </a:pPr>
-            <a:r>
-              <a:rPr lang="en-GB" sz="900">
-                <a:solidFill>
-                  <a:srgbClr val="000000"/>
-                </a:solidFill>
-              </a:rPr>
-              <a:t>	}</a:t>
-            </a:r>
-            <a:endParaRPr sz="900">
-              <a:solidFill>
-                <a:srgbClr val="000000"/>
-              </a:solidFill>
-            </a:endParaRPr>
-          </a:p>
-          <a:p>
-            <a:pPr indent="0" lvl="0" marL="0" rtl="0" algn="l">
-              <a:lnSpc>
-                <a:spcPct val="115000"/>
-              </a:lnSpc>
-              <a:spcBef>
-                <a:spcPts val="0"/>
-              </a:spcBef>
-              <a:spcAft>
-                <a:spcPts val="0"/>
-              </a:spcAft>
-              <a:buNone/>
-            </a:pPr>
-            <a:r>
-              <a:rPr lang="en-GB" sz="900">
-                <a:solidFill>
-                  <a:srgbClr val="000000"/>
-                </a:solidFill>
-              </a:rPr>
-              <a:t>	</a:t>
-            </a:r>
-            <a:r>
-              <a:rPr b="1" lang="en-GB" sz="900">
-                <a:solidFill>
-                  <a:srgbClr val="642880"/>
-                </a:solidFill>
-              </a:rPr>
-              <a:t>printf</a:t>
-            </a:r>
-            <a:r>
-              <a:rPr lang="en-GB" sz="900">
-                <a:solidFill>
-                  <a:srgbClr val="000000"/>
-                </a:solidFill>
-              </a:rPr>
-              <a:t>(</a:t>
-            </a:r>
-            <a:r>
-              <a:rPr lang="en-GB" sz="900">
-                <a:solidFill>
-                  <a:srgbClr val="2A00FF"/>
-                </a:solidFill>
-              </a:rPr>
-              <a:t>" The root is :%f\n"</a:t>
-            </a:r>
-            <a:r>
-              <a:rPr lang="en-GB" sz="900">
-                <a:solidFill>
-                  <a:srgbClr val="000000"/>
-                </a:solidFill>
-              </a:rPr>
-              <a:t>,x);</a:t>
-            </a:r>
-            <a:endParaRPr sz="900">
-              <a:solidFill>
-                <a:srgbClr val="000000"/>
+                <a:srgbClr val="6AA84F"/>
               </a:solidFill>
             </a:endParaRPr>
           </a:p>
@@ -19086,7 +18850,7 @@
         </p:nvSpPr>
         <p:spPr>
           <a:xfrm>
-            <a:off x="2159700" y="263725"/>
+            <a:off x="609600" y="1028700"/>
             <a:ext cx="8229600" cy="571500"/>
           </a:xfrm>
           <a:prstGeom prst="rect">
@@ -19110,7 +18874,7 @@
             </a:pPr>
             <a:r>
               <a:rPr lang="en-GB"/>
-              <a:t>Conditional Statements</a:t>
+              <a:t>Comparison Operators</a:t>
             </a:r>
             <a:endParaRPr/>
           </a:p>
@@ -19126,7 +18890,7 @@
         </p:nvSpPr>
         <p:spPr>
           <a:xfrm>
-            <a:off x="457200" y="1318700"/>
+            <a:off x="609600" y="1771650"/>
             <a:ext cx="8229600" cy="2800200"/>
           </a:xfrm>
           <a:prstGeom prst="rect">
@@ -19157,7 +18921,7 @@
                   <a:srgbClr val="00009A"/>
                 </a:solidFill>
               </a:rPr>
-              <a:t>The if statement allows decision making</a:t>
+              <a:t>Compare values using conditional operators.</a:t>
             </a:r>
             <a:endParaRPr sz="1800">
               <a:solidFill>
@@ -19179,12 +18943,7 @@
               <a:buNone/>
             </a:pPr>
             <a:r>
-              <a:rPr lang="en-GB" sz="1800">
-                <a:solidFill>
-                  <a:srgbClr val="00009A"/>
-                </a:solidFill>
-              </a:rPr>
-              <a:t>functionality to be added to applications.</a:t>
+              <a:t/>
             </a:r>
             <a:endParaRPr sz="1800">
               <a:solidFill>
@@ -19193,7 +18952,7 @@
             </a:endParaRPr>
           </a:p>
           <a:p>
-            <a:pPr indent="0" lvl="0" marL="0" rtl="0" algn="l">
+            <a:pPr indent="-342900" lvl="0" marL="457200" rtl="0" algn="l">
               <a:lnSpc>
                 <a:spcPct val="115000"/>
               </a:lnSpc>
@@ -19203,7 +18962,11 @@
               <a:spcAft>
                 <a:spcPts val="0"/>
               </a:spcAft>
-              <a:buNone/>
+              <a:buClr>
+                <a:srgbClr val="00009A"/>
+              </a:buClr>
+              <a:buSzPts val="1800"/>
+              <a:buChar char="•"/>
             </a:pPr>
             <a:r>
               <a:rPr lang="en-GB" sz="1800">
@@ -19211,7 +18974,7 @@
                   <a:srgbClr val="00009A"/>
                 </a:solidFill>
               </a:rPr>
-              <a:t>• General form of the if statement is:</a:t>
+              <a:t>== equal to</a:t>
             </a:r>
             <a:endParaRPr sz="1800">
               <a:solidFill>
@@ -19220,7 +18983,7 @@
             </a:endParaRPr>
           </a:p>
           <a:p>
-            <a:pPr indent="0" lvl="0" marL="0" rtl="0" algn="l">
+            <a:pPr indent="-342900" lvl="0" marL="457200" rtl="0" algn="l">
               <a:lnSpc>
                 <a:spcPct val="115000"/>
               </a:lnSpc>
@@ -19230,10 +18993,19 @@
               <a:spcAft>
                 <a:spcPts val="0"/>
               </a:spcAft>
-              <a:buNone/>
-            </a:pPr>
-            <a:r>
-              <a:t/>
+              <a:buClr>
+                <a:srgbClr val="00009A"/>
+              </a:buClr>
+              <a:buSzPts val="1800"/>
+              <a:buChar char="•"/>
+            </a:pPr>
+            <a:r>
+              <a:rPr lang="en-GB" sz="1800">
+                <a:solidFill>
+                  <a:srgbClr val="00009A"/>
+                </a:solidFill>
+              </a:rPr>
+              <a:t> &gt; greater than</a:t>
             </a:r>
             <a:endParaRPr sz="1800">
               <a:solidFill>
@@ -19242,7 +19014,7 @@
             </a:endParaRPr>
           </a:p>
           <a:p>
-            <a:pPr indent="457200" lvl="0" marL="457200" rtl="0" algn="l">
+            <a:pPr indent="-342900" lvl="0" marL="457200" rtl="0" algn="l">
               <a:lnSpc>
                 <a:spcPct val="115000"/>
               </a:lnSpc>
@@ -19252,24 +19024,28 @@
               <a:spcAft>
                 <a:spcPts val="0"/>
               </a:spcAft>
-              <a:buNone/>
-            </a:pPr>
-            <a:r>
-              <a:rPr lang="en-GB" sz="2100">
-                <a:solidFill>
-                  <a:srgbClr val="000000"/>
-                </a:solidFill>
-              </a:rPr>
-              <a:t>if(condition)</a:t>
-            </a:r>
-            <a:endParaRPr sz="2100">
+              <a:buClr>
+                <a:srgbClr val="00009A"/>
+              </a:buClr>
+              <a:buSzPts val="1800"/>
+              <a:buChar char="•"/>
+            </a:pPr>
+            <a:r>
+              <a:rPr lang="en-GB" sz="1800">
+                <a:solidFill>
+                  <a:srgbClr val="00009A"/>
+                </a:solidFill>
+              </a:rPr>
+              <a:t> &lt; less than</a:t>
+            </a:r>
+            <a:endParaRPr sz="1800">
               <a:solidFill>
-                <a:srgbClr val="000000"/>
+                <a:srgbClr val="00009A"/>
               </a:solidFill>
             </a:endParaRPr>
           </a:p>
           <a:p>
-            <a:pPr indent="457200" lvl="0" marL="1371600" rtl="0" algn="l">
+            <a:pPr indent="-342900" lvl="0" marL="457200" rtl="0" algn="l">
               <a:lnSpc>
                 <a:spcPct val="115000"/>
               </a:lnSpc>
@@ -19279,19 +19055,54 @@
               <a:spcAft>
                 <a:spcPts val="0"/>
               </a:spcAft>
-              <a:buNone/>
-            </a:pPr>
-            <a:r>
-              <a:rPr lang="en-GB" sz="2100">
-                <a:solidFill>
-                  <a:srgbClr val="000000"/>
-                </a:solidFill>
-              </a:rPr>
-              <a:t>statement;</a:t>
-            </a:r>
-            <a:endParaRPr sz="2100">
+              <a:buClr>
+                <a:srgbClr val="00009A"/>
+              </a:buClr>
+              <a:buSzPts val="1800"/>
+              <a:buChar char="•"/>
+            </a:pPr>
+            <a:r>
+              <a:rPr lang="en-GB" sz="1800">
+                <a:solidFill>
+                  <a:srgbClr val="00009A"/>
+                </a:solidFill>
+              </a:rPr>
+              <a:t> &gt;= greater than or equal to</a:t>
+            </a:r>
+            <a:endParaRPr sz="1800">
               <a:solidFill>
-                <a:srgbClr val="000000"/>
+                <a:srgbClr val="00009A"/>
+              </a:solidFill>
+            </a:endParaRPr>
+          </a:p>
+          <a:p>
+            <a:pPr indent="-342900" lvl="0" marL="457200" rtl="0" algn="l">
+              <a:lnSpc>
+                <a:spcPct val="115000"/>
+              </a:lnSpc>
+              <a:spcBef>
+                <a:spcPts val="0"/>
+              </a:spcBef>
+              <a:spcAft>
+                <a:spcPts val="0"/>
+              </a:spcAft>
+              <a:buClr>
+                <a:srgbClr val="00009A"/>
+              </a:buClr>
+              <a:buSzPts val="1800"/>
+              <a:buChar char="•"/>
+            </a:pPr>
+            <a:r>
+              <a:rPr lang="en-GB" sz="1800">
+                <a:solidFill>
+                  <a:srgbClr val="00009A"/>
+                </a:solidFill>
+              </a:rPr>
+              <a:t> &lt;= less than or equal to</a:t>
+            </a:r>
+            <a:endParaRPr sz="1800">
+              <a:solidFill>
+                <a:srgbClr val="00009A"/>
               </a:solidFill>
             </a:endParaRPr>
           </a:p>
@@ -19371,7 +19182,7 @@
             </a:pPr>
             <a:r>
               <a:rPr lang="en-GB"/>
-              <a:t>Comparison Operators</a:t>
+              <a:t>else</a:t>
             </a:r>
             <a:endParaRPr/>
           </a:p>
@@ -19418,7 +19229,7 @@
                   <a:srgbClr val="00009A"/>
                 </a:solidFill>
               </a:rPr>
-              <a:t>Compare values using conditional operators.</a:t>
+              <a:t>An alternative form of the if statement is</a:t>
             </a:r>
             <a:endParaRPr sz="1800">
               <a:solidFill>
@@ -19427,7 +19238,7 @@
             </a:endParaRPr>
           </a:p>
           <a:p>
-            <a:pPr indent="0" lvl="0" marL="0" rtl="0" algn="l">
+            <a:pPr indent="457200" lvl="0" marL="0" rtl="0" algn="l">
               <a:lnSpc>
                 <a:spcPct val="115000"/>
               </a:lnSpc>
@@ -19440,7 +19251,120 @@
               <a:buNone/>
             </a:pPr>
             <a:r>
-              <a:t/>
+              <a:rPr lang="en-GB" sz="1800">
+                <a:solidFill>
+                  <a:srgbClr val="6AA84F"/>
+                </a:solidFill>
+              </a:rPr>
+              <a:t>if(condition)</a:t>
+            </a:r>
+            <a:endParaRPr sz="1800">
+              <a:solidFill>
+                <a:srgbClr val="6AA84F"/>
+              </a:solidFill>
+            </a:endParaRPr>
+          </a:p>
+          <a:p>
+            <a:pPr indent="457200" lvl="0" marL="457200" rtl="0" algn="l">
+              <a:lnSpc>
+                <a:spcPct val="115000"/>
+              </a:lnSpc>
+              <a:spcBef>
+                <a:spcPts val="0"/>
+              </a:spcBef>
+              <a:spcAft>
+                <a:spcPts val="0"/>
+              </a:spcAft>
+              <a:buNone/>
+            </a:pPr>
+            <a:r>
+              <a:rPr lang="en-GB" sz="1800">
+                <a:solidFill>
+                  <a:srgbClr val="6AA84F"/>
+                </a:solidFill>
+              </a:rPr>
+              <a:t>statement;</a:t>
+            </a:r>
+            <a:endParaRPr sz="1800">
+              <a:solidFill>
+                <a:srgbClr val="6AA84F"/>
+              </a:solidFill>
+            </a:endParaRPr>
+          </a:p>
+          <a:p>
+            <a:pPr indent="457200" lvl="0" marL="0" rtl="0" algn="l">
+              <a:lnSpc>
+                <a:spcPct val="115000"/>
+              </a:lnSpc>
+              <a:spcBef>
+                <a:spcPts val="0"/>
+              </a:spcBef>
+              <a:spcAft>
+                <a:spcPts val="0"/>
+              </a:spcAft>
+              <a:buNone/>
+            </a:pPr>
+            <a:r>
+              <a:rPr lang="en-GB" sz="1800">
+                <a:solidFill>
+                  <a:srgbClr val="6AA84F"/>
+                </a:solidFill>
+              </a:rPr>
+              <a:t>else</a:t>
+            </a:r>
+            <a:endParaRPr sz="1800">
+              <a:solidFill>
+                <a:srgbClr val="6AA84F"/>
+              </a:solidFill>
+            </a:endParaRPr>
+          </a:p>
+          <a:p>
+            <a:pPr indent="457200" lvl="0" marL="457200" rtl="0" algn="l">
+              <a:lnSpc>
+                <a:spcPct val="115000"/>
+              </a:lnSpc>
+              <a:spcBef>
+                <a:spcPts val="0"/>
+              </a:spcBef>
+              <a:spcAft>
+                <a:spcPts val="0"/>
+              </a:spcAft>
+              <a:buNone/>
+            </a:pPr>
+            <a:r>
+              <a:rPr lang="en-GB" sz="1800">
+                <a:solidFill>
+                  <a:srgbClr val="6AA84F"/>
+                </a:solidFill>
+              </a:rPr>
+              <a:t>statement;</a:t>
+            </a:r>
+            <a:endParaRPr sz="1800">
+              <a:solidFill>
+                <a:srgbClr val="6AA84F"/>
+              </a:solidFill>
+            </a:endParaRPr>
+          </a:p>
+          <a:p>
+            <a:pPr indent="0" lvl="0" marL="0" rtl="0" algn="l">
+              <a:lnSpc>
+                <a:spcPct val="115000"/>
+              </a:lnSpc>
+              <a:spcBef>
+                <a:spcPts val="0"/>
+              </a:spcBef>
+              <a:spcAft>
+                <a:spcPts val="0"/>
+              </a:spcAft>
+              <a:buNone/>
+            </a:pPr>
+            <a:r>
+              <a:rPr lang="en-GB" sz="1800">
+                <a:solidFill>
+                  <a:srgbClr val="00009A"/>
+                </a:solidFill>
+              </a:rPr>
+              <a:t>If the condition is true the first statement is</a:t>
             </a:r>
             <a:endParaRPr sz="1800">
               <a:solidFill>
@@ -19449,7 +19373,7 @@
             </a:endParaRPr>
           </a:p>
           <a:p>
-            <a:pPr indent="-342900" lvl="0" marL="457200" rtl="0" algn="l">
+            <a:pPr indent="0" lvl="0" marL="0" rtl="0" algn="l">
               <a:lnSpc>
                 <a:spcPct val="115000"/>
               </a:lnSpc>
@@ -19459,11 +19383,7 @@
               <a:spcAft>
                 <a:spcPts val="0"/>
               </a:spcAft>
-              <a:buClr>
-                <a:srgbClr val="00009A"/>
-              </a:buClr>
-              <a:buSzPts val="1800"/>
-              <a:buChar char="•"/>
+              <a:buNone/>
             </a:pPr>
             <a:r>
               <a:rPr lang="en-GB" sz="1800">
@@ -19471,7 +19391,7 @@
                   <a:srgbClr val="00009A"/>
                 </a:solidFill>
               </a:rPr>
-              <a:t>== equal to</a:t>
+              <a:t>executed if it is false the second statement is</a:t>
             </a:r>
             <a:endParaRPr sz="1800">
               <a:solidFill>
@@ -19480,7 +19400,7 @@
             </a:endParaRPr>
           </a:p>
           <a:p>
-            <a:pPr indent="-342900" lvl="0" marL="457200" rtl="0" algn="l">
+            <a:pPr indent="0" lvl="0" marL="0" rtl="0" algn="l">
               <a:lnSpc>
                 <a:spcPct val="115000"/>
               </a:lnSpc>
@@ -19490,11 +19410,7 @@
               <a:spcAft>
                 <a:spcPts val="0"/>
               </a:spcAft>
-              <a:buClr>
-                <a:srgbClr val="00009A"/>
-              </a:buClr>
-              <a:buSzPts val="1800"/>
-              <a:buChar char="•"/>
+              <a:buNone/>
             </a:pPr>
             <a:r>
               <a:rPr lang="en-GB" sz="1800">
@@ -19502,100 +19418,7 @@
                   <a:srgbClr val="00009A"/>
                 </a:solidFill>
               </a:rPr>
-              <a:t> &gt; greater than</a:t>
-            </a:r>
-            <a:endParaRPr sz="1800">
-              <a:solidFill>
-                <a:srgbClr val="00009A"/>
-              </a:solidFill>
-            </a:endParaRPr>
-          </a:p>
-          <a:p>
-            <a:pPr indent="-342900" lvl="0" marL="457200" rtl="0" algn="l">
-              <a:lnSpc>
-                <a:spcPct val="115000"/>
-              </a:lnSpc>
-              <a:spcBef>
-                <a:spcPts val="0"/>
-              </a:spcBef>
-              <a:spcAft>
-                <a:spcPts val="0"/>
-              </a:spcAft>
-              <a:buClr>
-                <a:srgbClr val="00009A"/>
-              </a:buClr>
-              <a:buSzPts val="1800"/>
-              <a:buChar char="•"/>
-            </a:pPr>
-            <a:r>
-              <a:rPr lang="en-GB" sz="1800">
-                <a:solidFill>
-                  <a:srgbClr val="00009A"/>
-                </a:solidFill>
-              </a:rPr>
-              <a:t> &lt; less than</a:t>
-            </a:r>
-            <a:endParaRPr sz="1800">
-              <a:solidFill>
-                <a:srgbClr val="00009A"/>
-              </a:solidFill>
-            </a:endParaRPr>
-          </a:p>
-          <a:p>
-            <a:pPr indent="-342900" lvl="0" marL="457200" rtl="0" algn="l">
-              <a:lnSpc>
-                <a:spcPct val="115000"/>
-              </a:lnSpc>
-              <a:spcBef>
-                <a:spcPts val="0"/>
-              </a:spcBef>
-              <a:spcAft>
-                <a:spcPts val="0"/>
-              </a:spcAft>
-              <a:buClr>
-                <a:srgbClr val="00009A"/>
-              </a:buClr>
-              <a:buSzPts val="1800"/>
-              <a:buChar char="•"/>
-            </a:pPr>
-            <a:r>
-              <a:rPr lang="en-GB" sz="1800">
-                <a:solidFill>
-                  <a:srgbClr val="00009A"/>
-                </a:solidFill>
-              </a:rPr>
-              <a:t> &gt;= greater than or equal to</a:t>
-            </a:r>
-            <a:endParaRPr sz="1800">
-              <a:solidFill>
-                <a:srgbClr val="00009A"/>
-              </a:solidFill>
-            </a:endParaRPr>
-          </a:p>
-          <a:p>
-            <a:pPr indent="-342900" lvl="0" marL="457200" rtl="0" algn="l">
-              <a:lnSpc>
-                <a:spcPct val="115000"/>
-              </a:lnSpc>
-              <a:spcBef>
-                <a:spcPts val="0"/>
-              </a:spcBef>
-              <a:spcAft>
-                <a:spcPts val="0"/>
-              </a:spcAft>
-              <a:buClr>
-                <a:srgbClr val="00009A"/>
-              </a:buClr>
-              <a:buSzPts val="1800"/>
-              <a:buChar char="•"/>
-            </a:pPr>
-            <a:r>
-              <a:rPr lang="en-GB" sz="1800">
-                <a:solidFill>
-                  <a:srgbClr val="00009A"/>
-                </a:solidFill>
-              </a:rPr>
-              <a:t> &lt;= less than or equal to</a:t>
+              <a:t>executed.</a:t>
             </a:r>
             <a:endParaRPr sz="1800">
               <a:solidFill>
@@ -19795,7 +19618,7 @@
         </p:nvSpPr>
         <p:spPr>
           <a:xfrm>
-            <a:off x="609600" y="1028700"/>
+            <a:off x="2179825" y="213400"/>
             <a:ext cx="8229600" cy="571500"/>
           </a:xfrm>
           <a:prstGeom prst="rect">
@@ -19819,7 +19642,7 @@
             </a:pPr>
             <a:r>
               <a:rPr lang="en-GB"/>
-              <a:t>else</a:t>
+              <a:t>Demonstration</a:t>
             </a:r>
             <a:endParaRPr/>
           </a:p>
@@ -19835,8 +19658,8 @@
         </p:nvSpPr>
         <p:spPr>
           <a:xfrm>
-            <a:off x="609600" y="1771650"/>
-            <a:ext cx="8229600" cy="2800200"/>
+            <a:off x="609600" y="1258200"/>
+            <a:ext cx="8229600" cy="3313800"/>
           </a:xfrm>
           <a:prstGeom prst="rect">
             <a:avLst/>
@@ -19848,7 +19671,7 @@
           </a:bodyPr>
           <a:lstStyle/>
           <a:p>
-            <a:pPr indent="0" lvl="0" marL="0" rtl="0" algn="l">
+            <a:pPr indent="-342900" lvl="0" marL="457200" rtl="0" algn="l">
               <a:lnSpc>
                 <a:spcPct val="115000"/>
               </a:lnSpc>
@@ -19858,7 +19681,8 @@
               <a:spcAft>
                 <a:spcPts val="0"/>
               </a:spcAft>
-              <a:buNone/>
+              <a:buSzPts val="1800"/>
+              <a:buChar char="•"/>
             </a:pPr>
             <a:r>
               <a:rPr lang="en-GB" sz="1800">
@@ -19866,7 +19690,7 @@
                   <a:srgbClr val="00009A"/>
                 </a:solidFill>
               </a:rPr>
-              <a:t>An alternative form of the if statement is</a:t>
+              <a:t>Build and run the example if1.c and if2.c</a:t>
             </a:r>
             <a:endParaRPr sz="1800">
               <a:solidFill>
@@ -19875,7 +19699,7 @@
             </a:endParaRPr>
           </a:p>
           <a:p>
-            <a:pPr indent="457200" lvl="0" marL="0" rtl="0" algn="l">
+            <a:pPr indent="-342900" lvl="0" marL="457200" rtl="0" algn="l">
               <a:lnSpc>
                 <a:spcPct val="115000"/>
               </a:lnSpc>
@@ -19885,123 +19709,16 @@
               <a:spcAft>
                 <a:spcPts val="0"/>
               </a:spcAft>
-              <a:buNone/>
+              <a:buSzPts val="1800"/>
+              <a:buChar char="•"/>
             </a:pPr>
             <a:r>
               <a:rPr lang="en-GB" sz="1800">
                 <a:solidFill>
-                  <a:srgbClr val="000000"/>
-                </a:solidFill>
-              </a:rPr>
-              <a:t>if(condition)</a:t>
-            </a:r>
-            <a:endParaRPr sz="1800">
-              <a:solidFill>
-                <a:srgbClr val="000000"/>
-              </a:solidFill>
-            </a:endParaRPr>
-          </a:p>
-          <a:p>
-            <a:pPr indent="457200" lvl="0" marL="457200" rtl="0" algn="l">
-              <a:lnSpc>
-                <a:spcPct val="115000"/>
-              </a:lnSpc>
-              <a:spcBef>
-                <a:spcPts val="0"/>
-              </a:spcBef>
-              <a:spcAft>
-                <a:spcPts val="0"/>
-              </a:spcAft>
-              <a:buNone/>
-            </a:pPr>
-            <a:r>
-              <a:rPr lang="en-GB" sz="1800">
-                <a:solidFill>
-                  <a:srgbClr val="000000"/>
-                </a:solidFill>
-              </a:rPr>
-              <a:t>statement;</a:t>
-            </a:r>
-            <a:endParaRPr sz="1800">
-              <a:solidFill>
-                <a:srgbClr val="000000"/>
-              </a:solidFill>
-            </a:endParaRPr>
-          </a:p>
-          <a:p>
-            <a:pPr indent="457200" lvl="0" marL="0" rtl="0" algn="l">
-              <a:lnSpc>
-                <a:spcPct val="115000"/>
-              </a:lnSpc>
-              <a:spcBef>
-                <a:spcPts val="0"/>
-              </a:spcBef>
-              <a:spcAft>
-                <a:spcPts val="0"/>
-              </a:spcAft>
-              <a:buNone/>
-            </a:pPr>
-            <a:r>
-              <a:rPr lang="en-GB" sz="1800">
-                <a:solidFill>
-                  <a:srgbClr val="000000"/>
-                </a:solidFill>
-              </a:rPr>
-              <a:t>else</a:t>
-            </a:r>
-            <a:endParaRPr sz="1800">
-              <a:solidFill>
-                <a:srgbClr val="000000"/>
-              </a:solidFill>
-            </a:endParaRPr>
-          </a:p>
-          <a:p>
-            <a:pPr indent="457200" lvl="0" marL="457200" rtl="0" algn="l">
-              <a:lnSpc>
-                <a:spcPct val="115000"/>
-              </a:lnSpc>
-              <a:spcBef>
-                <a:spcPts val="0"/>
-              </a:spcBef>
-              <a:spcAft>
-                <a:spcPts val="0"/>
-              </a:spcAft>
-              <a:buNone/>
-            </a:pPr>
-            <a:r>
-              <a:rPr lang="en-GB" sz="1800">
-                <a:solidFill>
-                  <a:srgbClr val="000000"/>
-                </a:solidFill>
-              </a:rPr>
-              <a:t>statement;</a:t>
-            </a:r>
-            <a:endParaRPr sz="1800">
-              <a:solidFill>
-                <a:srgbClr val="000000"/>
-              </a:solidFill>
-            </a:endParaRPr>
-          </a:p>
-          <a:p>
-            <a:pPr indent="0" lvl="0" marL="0" rtl="0" algn="l">
-              <a:lnSpc>
-                <a:spcPct val="115000"/>
-              </a:lnSpc>
-              <a:spcBef>
-                <a:spcPts val="0"/>
-              </a:spcBef>
-              <a:spcAft>
-                <a:spcPts val="0"/>
-              </a:spcAft>
-              <a:buNone/>
-            </a:pPr>
-            <a:r>
-              <a:rPr lang="en-GB" sz="1800">
-                <a:solidFill>
                   <a:srgbClr val="00009A"/>
                 </a:solidFill>
               </a:rPr>
-              <a:t>If the condition is true the first statement is</a:t>
+              <a:t>Note the condition operator in round brackets</a:t>
             </a:r>
             <a:endParaRPr sz="1800">
               <a:solidFill>
@@ -20010,7 +19727,7 @@
             </a:endParaRPr>
           </a:p>
           <a:p>
-            <a:pPr indent="0" lvl="0" marL="0" rtl="0" algn="l">
+            <a:pPr indent="-342900" lvl="0" marL="457200" rtl="0" algn="l">
               <a:lnSpc>
                 <a:spcPct val="115000"/>
               </a:lnSpc>
@@ -20020,7 +19737,8 @@
               <a:spcAft>
                 <a:spcPts val="0"/>
               </a:spcAft>
-              <a:buNone/>
+              <a:buSzPts val="1800"/>
+              <a:buChar char="•"/>
             </a:pPr>
             <a:r>
               <a:rPr lang="en-GB" sz="1800">
@@ -20028,7 +19746,7 @@
                   <a:srgbClr val="00009A"/>
                 </a:solidFill>
               </a:rPr>
-              <a:t>executed if it is false the second statement is</a:t>
+              <a:t>Use of {} when multiple statements are used</a:t>
             </a:r>
             <a:endParaRPr sz="1800">
               <a:solidFill>
@@ -20037,7 +19755,7 @@
             </a:endParaRPr>
           </a:p>
           <a:p>
-            <a:pPr indent="0" lvl="0" marL="0" rtl="0" algn="l">
+            <a:pPr indent="-342900" lvl="0" marL="457200" rtl="0" algn="l">
               <a:lnSpc>
                 <a:spcPct val="115000"/>
               </a:lnSpc>
@@ -20047,7 +19765,8 @@
               <a:spcAft>
                 <a:spcPts val="0"/>
               </a:spcAft>
-              <a:buNone/>
+              <a:buSzPts val="1800"/>
+              <a:buChar char="•"/>
             </a:pPr>
             <a:r>
               <a:rPr lang="en-GB" sz="1800">
@@ -20055,7 +19774,119 @@
                   <a:srgbClr val="00009A"/>
                 </a:solidFill>
               </a:rPr>
-              <a:t>executed.</a:t>
+              <a:t>Test the program with different conditions</a:t>
+            </a:r>
+            <a:endParaRPr sz="1800">
+              <a:solidFill>
+                <a:srgbClr val="00009A"/>
+              </a:solidFill>
+            </a:endParaRPr>
+          </a:p>
+          <a:p>
+            <a:pPr indent="-342900" lvl="0" marL="457200" rtl="0" algn="l">
+              <a:lnSpc>
+                <a:spcPct val="115000"/>
+              </a:lnSpc>
+              <a:spcBef>
+                <a:spcPts val="0"/>
+              </a:spcBef>
+              <a:spcAft>
+                <a:spcPts val="0"/>
+              </a:spcAft>
+              <a:buSzPts val="1800"/>
+              <a:buChar char="•"/>
+            </a:pPr>
+            <a:r>
+              <a:rPr lang="en-GB" sz="1800">
+                <a:solidFill>
+                  <a:srgbClr val="00009A"/>
+                </a:solidFill>
+              </a:rPr>
+              <a:t>Build and run if3.c</a:t>
+            </a:r>
+            <a:endParaRPr sz="1800">
+              <a:solidFill>
+                <a:srgbClr val="00009A"/>
+              </a:solidFill>
+            </a:endParaRPr>
+          </a:p>
+          <a:p>
+            <a:pPr indent="-342900" lvl="1" marL="914400" rtl="0" algn="l">
+              <a:lnSpc>
+                <a:spcPct val="115000"/>
+              </a:lnSpc>
+              <a:spcBef>
+                <a:spcPts val="0"/>
+              </a:spcBef>
+              <a:spcAft>
+                <a:spcPts val="0"/>
+              </a:spcAft>
+              <a:buSzPts val="1800"/>
+              <a:buChar char="•"/>
+            </a:pPr>
+            <a:r>
+              <a:rPr lang="en-GB" sz="1800">
+                <a:solidFill>
+                  <a:srgbClr val="00009A"/>
+                </a:solidFill>
+              </a:rPr>
+              <a:t>What is wrong with this code?</a:t>
+            </a:r>
+            <a:endParaRPr sz="1800">
+              <a:solidFill>
+                <a:srgbClr val="00009A"/>
+              </a:solidFill>
+            </a:endParaRPr>
+          </a:p>
+          <a:p>
+            <a:pPr indent="-342900" lvl="1" marL="914400" rtl="0" algn="l">
+              <a:lnSpc>
+                <a:spcPct val="115000"/>
+              </a:lnSpc>
+              <a:spcBef>
+                <a:spcPts val="0"/>
+              </a:spcBef>
+              <a:spcAft>
+                <a:spcPts val="0"/>
+              </a:spcAft>
+              <a:buSzPts val="1800"/>
+              <a:buChar char="•"/>
+            </a:pPr>
+            <a:r>
+              <a:rPr lang="en-GB" sz="1800">
+                <a:solidFill>
+                  <a:srgbClr val="00009A"/>
+                </a:solidFill>
+              </a:rPr>
+              <a:t>Was there are compiler warning?</a:t>
+            </a:r>
+            <a:endParaRPr sz="1800">
+              <a:solidFill>
+                <a:srgbClr val="00009A"/>
+              </a:solidFill>
+            </a:endParaRPr>
+          </a:p>
+          <a:p>
+            <a:pPr indent="-342900" lvl="0" marL="457200" rtl="0" algn="l">
+              <a:lnSpc>
+                <a:spcPct val="115000"/>
+              </a:lnSpc>
+              <a:spcBef>
+                <a:spcPts val="0"/>
+              </a:spcBef>
+              <a:spcAft>
+                <a:spcPts val="0"/>
+              </a:spcAft>
+              <a:buSzPts val="1800"/>
+              <a:buChar char="•"/>
+            </a:pPr>
+            <a:r>
+              <a:rPr lang="en-GB" sz="1800">
+                <a:solidFill>
+                  <a:srgbClr val="00009A"/>
+                </a:solidFill>
+              </a:rPr>
+              <a:t>Build and run the programs ifelse.c and ifelseifelse.c</a:t>
             </a:r>
             <a:endParaRPr sz="1800">
               <a:solidFill>
@@ -20115,7 +19946,7 @@
         </p:nvSpPr>
         <p:spPr>
           <a:xfrm>
-            <a:off x="2179825" y="213400"/>
+            <a:off x="2099300" y="193250"/>
             <a:ext cx="8229600" cy="571500"/>
           </a:xfrm>
           <a:prstGeom prst="rect">
@@ -20129,19 +19960,26 @@
           <a:lstStyle/>
           <a:p>
             <a:pPr indent="0" lvl="0" marL="0" rtl="0" algn="l">
-              <a:spcBef>
-                <a:spcPts val="0"/>
-              </a:spcBef>
-              <a:spcAft>
-                <a:spcPts val="0"/>
-              </a:spcAft>
-              <a:buNone/>
-            </a:pPr>
-            <a:r>
-              <a:rPr lang="en-GB"/>
-              <a:t>Demonstration</a:t>
-            </a:r>
-            <a:endParaRPr/>
+              <a:lnSpc>
+                <a:spcPct val="115000"/>
+              </a:lnSpc>
+              <a:spcBef>
+                <a:spcPts val="0"/>
+              </a:spcBef>
+              <a:spcAft>
+                <a:spcPts val="0"/>
+              </a:spcAft>
+              <a:buNone/>
+            </a:pPr>
+            <a:r>
+              <a:rPr lang="en-GB" sz="2400">
+                <a:solidFill>
+                  <a:srgbClr val="00009A"/>
+                </a:solidFill>
+              </a:rPr>
+              <a:t>Multiple selection Structures Using Switch</a:t>
+            </a:r>
+            <a:endParaRPr sz="5000"/>
           </a:p>
         </p:txBody>
       </p:sp>
@@ -20155,8 +19993,8 @@
         </p:nvSpPr>
         <p:spPr>
           <a:xfrm>
-            <a:off x="609600" y="1258200"/>
-            <a:ext cx="8229600" cy="3313800"/>
+            <a:off x="619675" y="1067050"/>
+            <a:ext cx="8229600" cy="3432300"/>
           </a:xfrm>
           <a:prstGeom prst="rect">
             <a:avLst/>
@@ -20168,7 +20006,7 @@
           </a:bodyPr>
           <a:lstStyle/>
           <a:p>
-            <a:pPr indent="-342900" lvl="0" marL="457200" rtl="0" algn="l">
+            <a:pPr indent="0" lvl="0" marL="0" rtl="0" algn="l">
               <a:lnSpc>
                 <a:spcPct val="115000"/>
               </a:lnSpc>
@@ -20178,8 +20016,7 @@
               <a:spcAft>
                 <a:spcPts val="0"/>
               </a:spcAft>
-              <a:buSzPts val="1800"/>
-              <a:buChar char="•"/>
+              <a:buNone/>
             </a:pPr>
             <a:r>
               <a:rPr lang="en-GB" sz="1800">
@@ -20187,16 +20024,24 @@
                   <a:srgbClr val="00009A"/>
                 </a:solidFill>
               </a:rPr>
-              <a:t>Build and run the example if1.c and if2.c</a:t>
-            </a:r>
-            <a:endParaRPr sz="1800">
+              <a:t>• </a:t>
+            </a:r>
+            <a:r>
+              <a:rPr lang="en-GB" sz="1600">
+                <a:solidFill>
+                  <a:srgbClr val="00009A"/>
+                </a:solidFill>
+              </a:rPr>
+              <a:t>Used for testing variable separately and selecting a</a:t>
+            </a:r>
+            <a:endParaRPr sz="1600">
               <a:solidFill>
                 <a:srgbClr val="00009A"/>
               </a:solidFill>
             </a:endParaRPr>
           </a:p>
           <a:p>
-            <a:pPr indent="-342900" lvl="0" marL="457200" rtl="0" algn="l">
+            <a:pPr indent="0" lvl="0" marL="0" rtl="0" algn="l">
               <a:lnSpc>
                 <a:spcPct val="115000"/>
               </a:lnSpc>
@@ -20206,25 +20051,24 @@
               <a:spcAft>
                 <a:spcPts val="0"/>
               </a:spcAft>
-              <a:buSzPts val="1800"/>
-              <a:buChar char="•"/>
-            </a:pPr>
-            <a:r>
-              <a:rPr lang="en-GB" sz="1800">
+              <a:buNone/>
+            </a:pPr>
+            <a:r>
+              <a:rPr lang="en-GB" sz="1600">
                 <a:solidFill>
                   <a:srgbClr val="00009A"/>
                 </a:solidFill>
               </a:rPr>
-              <a:t>Note the condition operator in round brackets</a:t>
-            </a:r>
-            <a:endParaRPr sz="1800">
+              <a:t>different action</a:t>
+            </a:r>
+            <a:endParaRPr sz="1600">
               <a:solidFill>
                 <a:srgbClr val="00009A"/>
               </a:solidFill>
             </a:endParaRPr>
           </a:p>
           <a:p>
-            <a:pPr indent="-342900" lvl="0" marL="457200" rtl="0" algn="l">
+            <a:pPr indent="0" lvl="0" marL="0" rtl="0" algn="l">
               <a:lnSpc>
                 <a:spcPct val="115000"/>
               </a:lnSpc>
@@ -20234,25 +20078,24 @@
               <a:spcAft>
                 <a:spcPts val="0"/>
               </a:spcAft>
-              <a:buSzPts val="1800"/>
-              <a:buChar char="•"/>
-            </a:pPr>
-            <a:r>
-              <a:rPr lang="en-GB" sz="1800">
-                <a:solidFill>
-                  <a:srgbClr val="00009A"/>
-                </a:solidFill>
-              </a:rPr>
-              <a:t>Use of {} when multiple statements are used</a:t>
-            </a:r>
-            <a:endParaRPr sz="1800">
+              <a:buNone/>
+            </a:pPr>
+            <a:r>
+              <a:rPr lang="en-GB" sz="1300">
+                <a:solidFill>
+                  <a:srgbClr val="6AA84F"/>
+                </a:solidFill>
+              </a:rPr>
+              <a:t>switch(file)</a:t>
+            </a:r>
+            <a:endParaRPr sz="1300">
               <a:solidFill>
-                <a:srgbClr val="00009A"/>
+                <a:srgbClr val="6AA84F"/>
               </a:solidFill>
             </a:endParaRPr>
           </a:p>
           <a:p>
-            <a:pPr indent="-342900" lvl="0" marL="457200" rtl="0" algn="l">
+            <a:pPr indent="0" lvl="0" marL="0" rtl="0" algn="l">
               <a:lnSpc>
                 <a:spcPct val="115000"/>
               </a:lnSpc>
@@ -20262,25 +20105,24 @@
               <a:spcAft>
                 <a:spcPts val="0"/>
               </a:spcAft>
-              <a:buSzPts val="1800"/>
-              <a:buChar char="•"/>
-            </a:pPr>
-            <a:r>
-              <a:rPr lang="en-GB" sz="1800">
-                <a:solidFill>
-                  <a:srgbClr val="00009A"/>
-                </a:solidFill>
-              </a:rPr>
-              <a:t>Test the program with different conditions</a:t>
-            </a:r>
-            <a:endParaRPr sz="1800">
+              <a:buNone/>
+            </a:pPr>
+            <a:r>
+              <a:rPr lang="en-GB" sz="1300">
+                <a:solidFill>
+                  <a:srgbClr val="6AA84F"/>
+                </a:solidFill>
+              </a:rPr>
+              <a:t>{</a:t>
+            </a:r>
+            <a:endParaRPr sz="1300">
               <a:solidFill>
-                <a:srgbClr val="00009A"/>
+                <a:srgbClr val="6AA84F"/>
               </a:solidFill>
             </a:endParaRPr>
           </a:p>
           <a:p>
-            <a:pPr indent="-342900" lvl="0" marL="457200" rtl="0" algn="l">
+            <a:pPr indent="0" lvl="0" marL="457200" rtl="0" algn="l">
               <a:lnSpc>
                 <a:spcPct val="115000"/>
               </a:lnSpc>
@@ -20290,25 +20132,24 @@
               <a:spcAft>
                 <a:spcPts val="0"/>
               </a:spcAft>
-              <a:buSzPts val="1800"/>
-              <a:buChar char="•"/>
-            </a:pPr>
-            <a:r>
-              <a:rPr lang="en-GB" sz="1800">
-                <a:solidFill>
-                  <a:srgbClr val="00009A"/>
-                </a:solidFill>
-              </a:rPr>
-              <a:t>Build and run if3.c</a:t>
-            </a:r>
-            <a:endParaRPr sz="1800">
+              <a:buNone/>
+            </a:pPr>
+            <a:r>
+              <a:rPr lang="en-GB" sz="1300">
+                <a:solidFill>
+                  <a:srgbClr val="6AA84F"/>
+                </a:solidFill>
+              </a:rPr>
+              <a:t>case 'm': case 'M':</a:t>
+            </a:r>
+            <a:endParaRPr sz="1300">
               <a:solidFill>
-                <a:srgbClr val="00009A"/>
+                <a:srgbClr val="6AA84F"/>
               </a:solidFill>
             </a:endParaRPr>
           </a:p>
           <a:p>
-            <a:pPr indent="-342900" lvl="1" marL="914400" rtl="0" algn="l">
+            <a:pPr indent="0" lvl="0" marL="457200" rtl="0" algn="l">
               <a:lnSpc>
                 <a:spcPct val="115000"/>
               </a:lnSpc>
@@ -20318,25 +20159,24 @@
               <a:spcAft>
                 <a:spcPts val="0"/>
               </a:spcAft>
-              <a:buSzPts val="1800"/>
-              <a:buChar char="•"/>
-            </a:pPr>
-            <a:r>
-              <a:rPr lang="en-GB" sz="1800">
-                <a:solidFill>
-                  <a:srgbClr val="00009A"/>
-                </a:solidFill>
-              </a:rPr>
-              <a:t>What is wrong with this code?</a:t>
-            </a:r>
-            <a:endParaRPr sz="1800">
+              <a:buNone/>
+            </a:pPr>
+            <a:r>
+              <a:rPr lang="en-GB" sz="1300">
+                <a:solidFill>
+                  <a:srgbClr val="6AA84F"/>
+                </a:solidFill>
+              </a:rPr>
+              <a:t>++nMaxima;</a:t>
+            </a:r>
+            <a:endParaRPr sz="1300">
               <a:solidFill>
-                <a:srgbClr val="00009A"/>
+                <a:srgbClr val="6AA84F"/>
               </a:solidFill>
             </a:endParaRPr>
           </a:p>
           <a:p>
-            <a:pPr indent="-342900" lvl="1" marL="914400" rtl="0" algn="l">
+            <a:pPr indent="0" lvl="0" marL="457200" rtl="0" algn="l">
               <a:lnSpc>
                 <a:spcPct val="115000"/>
               </a:lnSpc>
@@ -20346,25 +20186,24 @@
               <a:spcAft>
                 <a:spcPts val="0"/>
               </a:spcAft>
-              <a:buSzPts val="1800"/>
-              <a:buChar char="•"/>
-            </a:pPr>
-            <a:r>
-              <a:rPr lang="en-GB" sz="1800">
-                <a:solidFill>
-                  <a:srgbClr val="00009A"/>
-                </a:solidFill>
-              </a:rPr>
-              <a:t>Was there are compiler warning?</a:t>
-            </a:r>
-            <a:endParaRPr sz="1800">
+              <a:buNone/>
+            </a:pPr>
+            <a:r>
+              <a:rPr lang="en-GB" sz="1300">
+                <a:solidFill>
+                  <a:srgbClr val="6AA84F"/>
+                </a:solidFill>
+              </a:rPr>
+              <a:t>break;</a:t>
+            </a:r>
+            <a:endParaRPr sz="1300">
               <a:solidFill>
-                <a:srgbClr val="00009A"/>
+                <a:srgbClr val="6AA84F"/>
               </a:solidFill>
             </a:endParaRPr>
           </a:p>
           <a:p>
-            <a:pPr indent="-342900" lvl="0" marL="457200" rtl="0" algn="l">
+            <a:pPr indent="0" lvl="0" marL="457200" rtl="0" algn="l">
               <a:lnSpc>
                 <a:spcPct val="115000"/>
               </a:lnSpc>
@@ -20374,20 +20213,181 @@
               <a:spcAft>
                 <a:spcPts val="0"/>
               </a:spcAft>
-              <a:buSzPts val="1800"/>
-              <a:buChar char="•"/>
-            </a:pPr>
-            <a:r>
-              <a:rPr lang="en-GB" sz="1800">
-                <a:solidFill>
-                  <a:srgbClr val="00009A"/>
-                </a:solidFill>
-              </a:rPr>
-              <a:t>Build and run the programs ifelse.c and ifelseifelse.c</a:t>
-            </a:r>
-            <a:endParaRPr sz="1800">
+              <a:buNone/>
+            </a:pPr>
+            <a:r>
+              <a:rPr lang="en-GB" sz="1300">
+                <a:solidFill>
+                  <a:srgbClr val="6AA84F"/>
+                </a:solidFill>
+              </a:rPr>
+              <a:t>case 't': case 'T':</a:t>
+            </a:r>
+            <a:endParaRPr sz="1300">
               <a:solidFill>
-                <a:srgbClr val="00009A"/>
+                <a:srgbClr val="6AA84F"/>
+              </a:solidFill>
+            </a:endParaRPr>
+          </a:p>
+          <a:p>
+            <a:pPr indent="0" lvl="0" marL="457200" rtl="0" algn="l">
+              <a:lnSpc>
+                <a:spcPct val="115000"/>
+              </a:lnSpc>
+              <a:spcBef>
+                <a:spcPts val="0"/>
+              </a:spcBef>
+              <a:spcAft>
+                <a:spcPts val="0"/>
+              </a:spcAft>
+              <a:buNone/>
+            </a:pPr>
+            <a:r>
+              <a:rPr lang="en-GB" sz="1300">
+                <a:solidFill>
+                  <a:srgbClr val="6AA84F"/>
+                </a:solidFill>
+              </a:rPr>
+              <a:t>++nTitania;</a:t>
+            </a:r>
+            <a:endParaRPr sz="1300">
+              <a:solidFill>
+                <a:srgbClr val="6AA84F"/>
+              </a:solidFill>
+            </a:endParaRPr>
+          </a:p>
+          <a:p>
+            <a:pPr indent="0" lvl="0" marL="457200" rtl="0" algn="l">
+              <a:lnSpc>
+                <a:spcPct val="115000"/>
+              </a:lnSpc>
+              <a:spcBef>
+                <a:spcPts val="0"/>
+              </a:spcBef>
+              <a:spcAft>
+                <a:spcPts val="0"/>
+              </a:spcAft>
+              <a:buNone/>
+            </a:pPr>
+            <a:r>
+              <a:rPr lang="en-GB" sz="1300">
+                <a:solidFill>
+                  <a:srgbClr val="6AA84F"/>
+                </a:solidFill>
+              </a:rPr>
+              <a:t>break;</a:t>
+            </a:r>
+            <a:endParaRPr sz="1300">
+              <a:solidFill>
+                <a:srgbClr val="6AA84F"/>
+              </a:solidFill>
+            </a:endParaRPr>
+          </a:p>
+          <a:p>
+            <a:pPr indent="0" lvl="0" marL="457200" rtl="0" algn="l">
+              <a:lnSpc>
+                <a:spcPct val="115000"/>
+              </a:lnSpc>
+              <a:spcBef>
+                <a:spcPts val="0"/>
+              </a:spcBef>
+              <a:spcAft>
+                <a:spcPts val="0"/>
+              </a:spcAft>
+              <a:buNone/>
+            </a:pPr>
+            <a:r>
+              <a:rPr lang="en-GB" sz="1300">
+                <a:solidFill>
+                  <a:srgbClr val="6AA84F"/>
+                </a:solidFill>
+              </a:rPr>
+              <a:t>default: /*Catch all other characters*/</a:t>
+            </a:r>
+            <a:endParaRPr sz="1300">
+              <a:solidFill>
+                <a:srgbClr val="6AA84F"/>
+              </a:solidFill>
+            </a:endParaRPr>
+          </a:p>
+          <a:p>
+            <a:pPr indent="0" lvl="0" marL="457200" rtl="0" algn="l">
+              <a:lnSpc>
+                <a:spcPct val="115000"/>
+              </a:lnSpc>
+              <a:spcBef>
+                <a:spcPts val="0"/>
+              </a:spcBef>
+              <a:spcAft>
+                <a:spcPts val="0"/>
+              </a:spcAft>
+              <a:buNone/>
+            </a:pPr>
+            <a:r>
+              <a:rPr lang="en-GB" sz="1300">
+                <a:solidFill>
+                  <a:srgbClr val="6AA84F"/>
+                </a:solidFill>
+              </a:rPr>
+              <a:t>++nOther;</a:t>
+            </a:r>
+            <a:endParaRPr sz="1300">
+              <a:solidFill>
+                <a:srgbClr val="6AA84F"/>
+              </a:solidFill>
+            </a:endParaRPr>
+          </a:p>
+          <a:p>
+            <a:pPr indent="0" lvl="0" marL="457200" rtl="0" algn="l">
+              <a:lnSpc>
+                <a:spcPct val="115000"/>
+              </a:lnSpc>
+              <a:spcBef>
+                <a:spcPts val="0"/>
+              </a:spcBef>
+              <a:spcAft>
+                <a:spcPts val="0"/>
+              </a:spcAft>
+              <a:buNone/>
+            </a:pPr>
+            <a:r>
+              <a:rPr lang="en-GB" sz="1300">
+                <a:solidFill>
+                  <a:srgbClr val="6AA84F"/>
+                </a:solidFill>
+              </a:rPr>
+              <a:t>Break;</a:t>
+            </a:r>
+            <a:endParaRPr sz="1300">
+              <a:solidFill>
+                <a:srgbClr val="6AA84F"/>
+              </a:solidFill>
+            </a:endParaRPr>
+          </a:p>
+          <a:p>
+            <a:pPr indent="0" lvl="0" marL="0" rtl="0" algn="l">
+              <a:lnSpc>
+                <a:spcPct val="115000"/>
+              </a:lnSpc>
+              <a:spcBef>
+                <a:spcPts val="0"/>
+              </a:spcBef>
+              <a:spcAft>
+                <a:spcPts val="0"/>
+              </a:spcAft>
+              <a:buNone/>
+            </a:pPr>
+            <a:r>
+              <a:rPr lang="en-GB" sz="1300">
+                <a:solidFill>
+                  <a:srgbClr val="6AA84F"/>
+                </a:solidFill>
+              </a:rPr>
+              <a:t>} /*End of file check switch */</a:t>
+            </a:r>
+            <a:endParaRPr sz="1300">
+              <a:solidFill>
+                <a:srgbClr val="6AA84F"/>
               </a:solidFill>
             </a:endParaRPr>
           </a:p>
@@ -20443,7 +20443,7 @@
         </p:nvSpPr>
         <p:spPr>
           <a:xfrm>
-            <a:off x="2099300" y="193250"/>
+            <a:off x="2059025" y="233525"/>
             <a:ext cx="8229600" cy="571500"/>
           </a:xfrm>
           <a:prstGeom prst="rect">
@@ -20457,26 +20457,19 @@
           <a:lstStyle/>
           <a:p>
             <a:pPr indent="0" lvl="0" marL="0" rtl="0" algn="l">
-              <a:lnSpc>
-                <a:spcPct val="115000"/>
-              </a:lnSpc>
-              <a:spcBef>
-                <a:spcPts val="0"/>
-              </a:spcBef>
-              <a:spcAft>
-                <a:spcPts val="0"/>
-              </a:spcAft>
-              <a:buNone/>
-            </a:pPr>
-            <a:r>
-              <a:rPr lang="en-GB" sz="2400">
-                <a:solidFill>
-                  <a:srgbClr val="00009A"/>
-                </a:solidFill>
-              </a:rPr>
-              <a:t>Multiple selection Structures Using Switch</a:t>
-            </a:r>
-            <a:endParaRPr sz="5000"/>
+              <a:spcBef>
+                <a:spcPts val="0"/>
+              </a:spcBef>
+              <a:spcAft>
+                <a:spcPts val="0"/>
+              </a:spcAft>
+              <a:buNone/>
+            </a:pPr>
+            <a:r>
+              <a:rPr lang="en-GB"/>
+              <a:t>Repetition Using While</a:t>
+            </a:r>
+            <a:endParaRPr/>
           </a:p>
         </p:txBody>
       </p:sp>
@@ -20490,8 +20483,8 @@
         </p:nvSpPr>
         <p:spPr>
           <a:xfrm>
-            <a:off x="619675" y="1067050"/>
-            <a:ext cx="8229600" cy="3432300"/>
+            <a:off x="609600" y="1771650"/>
+            <a:ext cx="8229600" cy="2800200"/>
           </a:xfrm>
           <a:prstGeom prst="rect">
             <a:avLst/>
@@ -20521,17 +20514,9 @@
                   <a:srgbClr val="00009A"/>
                 </a:solidFill>
               </a:rPr>
-              <a:t>• </a:t>
-            </a:r>
-            <a:r>
-              <a:rPr lang="en-GB" sz="1600">
-                <a:solidFill>
-                  <a:srgbClr val="00009A"/>
-                </a:solidFill>
-              </a:rPr>
-              <a:t>Used for testing variable separately and selecting a</a:t>
-            </a:r>
-            <a:endParaRPr sz="1600">
+              <a:t>Execute commands until the conditions enclosed by</a:t>
+            </a:r>
+            <a:endParaRPr sz="1800">
               <a:solidFill>
                 <a:srgbClr val="00009A"/>
               </a:solidFill>
@@ -20551,21 +20536,21 @@
               <a:buNone/>
             </a:pPr>
             <a:r>
-              <a:rPr lang="en-GB" sz="1600">
+              <a:rPr lang="en-GB" sz="1800">
                 <a:solidFill>
                   <a:srgbClr val="00009A"/>
                 </a:solidFill>
               </a:rPr>
-              <a:t>different action</a:t>
-            </a:r>
-            <a:endParaRPr sz="1600">
+              <a:t>the while statement return false.</a:t>
+            </a:r>
+            <a:endParaRPr sz="1800">
               <a:solidFill>
                 <a:srgbClr val="00009A"/>
               </a:solidFill>
             </a:endParaRPr>
           </a:p>
           <a:p>
-            <a:pPr indent="0" lvl="0" marL="0" rtl="0" algn="l">
+            <a:pPr indent="457200" lvl="0" marL="0" rtl="0" algn="l">
               <a:lnSpc>
                 <a:spcPct val="115000"/>
               </a:lnSpc>
@@ -20578,14 +20563,117 @@
               <a:buNone/>
             </a:pPr>
             <a:r>
-              <a:rPr lang="en-GB" sz="1300">
-                <a:solidFill>
-                  <a:srgbClr val="000000"/>
-                </a:solidFill>
-              </a:rPr>
-              <a:t>switch(file)</a:t>
-            </a:r>
-            <a:endParaRPr sz="1300">
+              <a:rPr lang="en-GB" sz="1800">
+                <a:solidFill>
+                  <a:srgbClr val="6AA84F"/>
+                </a:solidFill>
+              </a:rPr>
+              <a:t>while(conditions)</a:t>
+            </a:r>
+            <a:endParaRPr sz="1800">
+              <a:solidFill>
+                <a:srgbClr val="6AA84F"/>
+              </a:solidFill>
+            </a:endParaRPr>
+          </a:p>
+          <a:p>
+            <a:pPr indent="457200" lvl="0" marL="0" rtl="0" algn="l">
+              <a:lnSpc>
+                <a:spcPct val="115000"/>
+              </a:lnSpc>
+              <a:spcBef>
+                <a:spcPts val="0"/>
+              </a:spcBef>
+              <a:spcAft>
+                <a:spcPts val="0"/>
+              </a:spcAft>
+              <a:buNone/>
+            </a:pPr>
+            <a:r>
+              <a:rPr lang="en-GB" sz="1800">
+                <a:solidFill>
+                  <a:srgbClr val="6AA84F"/>
+                </a:solidFill>
+              </a:rPr>
+              <a:t>{</a:t>
+            </a:r>
+            <a:endParaRPr sz="1800">
+              <a:solidFill>
+                <a:srgbClr val="6AA84F"/>
+              </a:solidFill>
+            </a:endParaRPr>
+          </a:p>
+          <a:p>
+            <a:pPr indent="457200" lvl="0" marL="457200" rtl="0" algn="l">
+              <a:lnSpc>
+                <a:spcPct val="115000"/>
+              </a:lnSpc>
+              <a:spcBef>
+                <a:spcPts val="0"/>
+              </a:spcBef>
+              <a:spcAft>
+                <a:spcPts val="0"/>
+              </a:spcAft>
+              <a:buNone/>
+            </a:pPr>
+            <a:r>
+              <a:rPr lang="en-GB" sz="1800">
+                <a:solidFill>
+                  <a:srgbClr val="6AA84F"/>
+                </a:solidFill>
+              </a:rPr>
+              <a:t>Statements;</a:t>
+            </a:r>
+            <a:endParaRPr sz="1800">
+              <a:solidFill>
+                <a:srgbClr val="6AA84F"/>
+              </a:solidFill>
+            </a:endParaRPr>
+          </a:p>
+          <a:p>
+            <a:pPr indent="457200" lvl="0" marL="0" rtl="0" algn="l">
+              <a:lnSpc>
+                <a:spcPct val="115000"/>
+              </a:lnSpc>
+              <a:spcBef>
+                <a:spcPts val="0"/>
+              </a:spcBef>
+              <a:spcAft>
+                <a:spcPts val="0"/>
+              </a:spcAft>
+              <a:buNone/>
+            </a:pPr>
+            <a:r>
+              <a:rPr lang="en-GB" sz="1800">
+                <a:solidFill>
+                  <a:srgbClr val="6AA84F"/>
+                </a:solidFill>
+              </a:rPr>
+              <a:t>}</a:t>
+            </a:r>
+            <a:endParaRPr sz="1800">
+              <a:solidFill>
+                <a:srgbClr val="6AA84F"/>
+              </a:solidFill>
+            </a:endParaRPr>
+          </a:p>
+          <a:p>
+            <a:pPr indent="457200" lvl="0" marL="0" rtl="0" algn="l">
+              <a:lnSpc>
+                <a:spcPct val="115000"/>
+              </a:lnSpc>
+              <a:spcBef>
+                <a:spcPts val="0"/>
+              </a:spcBef>
+              <a:spcAft>
+                <a:spcPts val="0"/>
+              </a:spcAft>
+              <a:buNone/>
+            </a:pPr>
+            <a:r>
+              <a:t/>
+            </a:r>
+            <a:endParaRPr sz="1800">
               <a:solidFill>
                 <a:srgbClr val="000000"/>
               </a:solidFill>
@@ -20605,286 +20693,16 @@
               <a:buNone/>
             </a:pPr>
             <a:r>
-              <a:rPr lang="en-GB" sz="1300">
-                <a:solidFill>
-                  <a:srgbClr val="000000"/>
-                </a:solidFill>
-              </a:rPr>
-              <a:t>{</a:t>
-            </a:r>
-            <a:endParaRPr sz="1300">
+              <a:rPr lang="en-GB" sz="1800">
+                <a:solidFill>
+                  <a:srgbClr val="00009A"/>
+                </a:solidFill>
+              </a:rPr>
+              <a:t>Good practice to always use {} in a do while loop</a:t>
+            </a:r>
+            <a:endParaRPr sz="1800">
               <a:solidFill>
-                <a:srgbClr val="000000"/>
-              </a:solidFill>
-            </a:endParaRPr>
-          </a:p>
-          <a:p>
-            <a:pPr indent="0" lvl="0" marL="457200" rtl="0" algn="l">
-              <a:lnSpc>
-                <a:spcPct val="115000"/>
-              </a:lnSpc>
-              <a:spcBef>
-                <a:spcPts val="0"/>
-              </a:spcBef>
-              <a:spcAft>
-                <a:spcPts val="0"/>
-              </a:spcAft>
-              <a:buNone/>
-            </a:pPr>
-            <a:r>
-              <a:rPr lang="en-GB" sz="1300">
-                <a:solidFill>
-                  <a:srgbClr val="000000"/>
-                </a:solidFill>
-              </a:rPr>
-              <a:t>case 'm': case 'M':</a:t>
-            </a:r>
-            <a:endParaRPr sz="1300">
-              <a:solidFill>
-                <a:srgbClr val="000000"/>
-              </a:solidFill>
-            </a:endParaRPr>
-          </a:p>
-          <a:p>
-            <a:pPr indent="0" lvl="0" marL="457200" rtl="0" algn="l">
-              <a:lnSpc>
-                <a:spcPct val="115000"/>
-              </a:lnSpc>
-              <a:spcBef>
-                <a:spcPts val="0"/>
-              </a:spcBef>
-              <a:spcAft>
-                <a:spcPts val="0"/>
-              </a:spcAft>
-              <a:buNone/>
-            </a:pPr>
-            <a:r>
-              <a:rPr lang="en-GB" sz="1300">
-                <a:solidFill>
-                  <a:srgbClr val="000000"/>
-                </a:solidFill>
-              </a:rPr>
-              <a:t>++nMaxima;</a:t>
-            </a:r>
-            <a:endParaRPr sz="1300">
-              <a:solidFill>
-                <a:srgbClr val="000000"/>
-              </a:solidFill>
-            </a:endParaRPr>
-          </a:p>
-          <a:p>
-            <a:pPr indent="0" lvl="0" marL="457200" rtl="0" algn="l">
-              <a:lnSpc>
-                <a:spcPct val="115000"/>
-              </a:lnSpc>
-              <a:spcBef>
-                <a:spcPts val="0"/>
-              </a:spcBef>
-              <a:spcAft>
-                <a:spcPts val="0"/>
-              </a:spcAft>
-              <a:buNone/>
-            </a:pPr>
-            <a:r>
-              <a:rPr lang="en-GB" sz="1300">
-                <a:solidFill>
-                  <a:srgbClr val="000000"/>
-                </a:solidFill>
-              </a:rPr>
-              <a:t>break;</a:t>
-            </a:r>
-            <a:endParaRPr sz="1300">
-              <a:solidFill>
-                <a:srgbClr val="000000"/>
-              </a:solidFill>
-            </a:endParaRPr>
-          </a:p>
-          <a:p>
-            <a:pPr indent="0" lvl="0" marL="457200" rtl="0" algn="l">
-              <a:lnSpc>
-                <a:spcPct val="115000"/>
-              </a:lnSpc>
-              <a:spcBef>
-                <a:spcPts val="0"/>
-              </a:spcBef>
-              <a:spcAft>
-                <a:spcPts val="0"/>
-              </a:spcAft>
-              <a:buNone/>
-            </a:pPr>
-            <a:r>
-              <a:rPr lang="en-GB" sz="1300">
-                <a:solidFill>
-                  <a:srgbClr val="000000"/>
-                </a:solidFill>
-              </a:rPr>
-              <a:t>case 't': case 'T':</a:t>
-            </a:r>
-            <a:endParaRPr sz="1300">
-              <a:solidFill>
-                <a:srgbClr val="000000"/>
-              </a:solidFill>
-            </a:endParaRPr>
-          </a:p>
-          <a:p>
-            <a:pPr indent="0" lvl="0" marL="457200" rtl="0" algn="l">
-              <a:lnSpc>
-                <a:spcPct val="115000"/>
-              </a:lnSpc>
-              <a:spcBef>
-                <a:spcPts val="0"/>
-              </a:spcBef>
-              <a:spcAft>
-                <a:spcPts val="0"/>
-              </a:spcAft>
-              <a:buNone/>
-            </a:pPr>
-            <a:r>
-              <a:rPr lang="en-GB" sz="1300">
-                <a:solidFill>
-                  <a:srgbClr val="000000"/>
-                </a:solidFill>
-              </a:rPr>
-              <a:t>++nTitania;</a:t>
-            </a:r>
-            <a:endParaRPr sz="1300">
-              <a:solidFill>
-                <a:srgbClr val="000000"/>
-              </a:solidFill>
-            </a:endParaRPr>
-          </a:p>
-          <a:p>
-            <a:pPr indent="0" lvl="0" marL="457200" rtl="0" algn="l">
-              <a:lnSpc>
-                <a:spcPct val="115000"/>
-              </a:lnSpc>
-              <a:spcBef>
-                <a:spcPts val="0"/>
-              </a:spcBef>
-              <a:spcAft>
-                <a:spcPts val="0"/>
-              </a:spcAft>
-              <a:buNone/>
-            </a:pPr>
-            <a:r>
-              <a:rPr lang="en-GB" sz="1300">
-                <a:solidFill>
-                  <a:srgbClr val="000000"/>
-                </a:solidFill>
-              </a:rPr>
-              <a:t>break;</a:t>
-            </a:r>
-            <a:endParaRPr sz="1300">
-              <a:solidFill>
-                <a:srgbClr val="000000"/>
-              </a:solidFill>
-            </a:endParaRPr>
-          </a:p>
-          <a:p>
-            <a:pPr indent="0" lvl="0" marL="457200" rtl="0" algn="l">
-              <a:lnSpc>
-                <a:spcPct val="115000"/>
-              </a:lnSpc>
-              <a:spcBef>
-                <a:spcPts val="0"/>
-              </a:spcBef>
-              <a:spcAft>
-                <a:spcPts val="0"/>
-              </a:spcAft>
-              <a:buNone/>
-            </a:pPr>
-            <a:r>
-              <a:rPr lang="en-GB" sz="1300">
-                <a:solidFill>
-                  <a:srgbClr val="000000"/>
-                </a:solidFill>
-              </a:rPr>
-              <a:t>default: /*Catch all other characters*/</a:t>
-            </a:r>
-            <a:endParaRPr sz="1300">
-              <a:solidFill>
-                <a:srgbClr val="000000"/>
-              </a:solidFill>
-            </a:endParaRPr>
-          </a:p>
-          <a:p>
-            <a:pPr indent="0" lvl="0" marL="457200" rtl="0" algn="l">
-              <a:lnSpc>
-                <a:spcPct val="115000"/>
-              </a:lnSpc>
-              <a:spcBef>
-                <a:spcPts val="0"/>
-              </a:spcBef>
-              <a:spcAft>
-                <a:spcPts val="0"/>
-              </a:spcAft>
-              <a:buNone/>
-            </a:pPr>
-            <a:r>
-              <a:rPr lang="en-GB" sz="1300">
-                <a:solidFill>
-                  <a:srgbClr val="000000"/>
-                </a:solidFill>
-              </a:rPr>
-              <a:t>++nOther;</a:t>
-            </a:r>
-            <a:endParaRPr sz="1300">
-              <a:solidFill>
-                <a:srgbClr val="000000"/>
-              </a:solidFill>
-            </a:endParaRPr>
-          </a:p>
-          <a:p>
-            <a:pPr indent="0" lvl="0" marL="457200" rtl="0" algn="l">
-              <a:lnSpc>
-                <a:spcPct val="115000"/>
-              </a:lnSpc>
-              <a:spcBef>
-                <a:spcPts val="0"/>
-              </a:spcBef>
-              <a:spcAft>
-                <a:spcPts val="0"/>
-              </a:spcAft>
-              <a:buNone/>
-            </a:pPr>
-            <a:r>
-              <a:rPr lang="en-GB" sz="1300">
-                <a:solidFill>
-                  <a:srgbClr val="000000"/>
-                </a:solidFill>
-              </a:rPr>
-              <a:t>Break;</a:t>
-            </a:r>
-            <a:endParaRPr sz="1300">
-              <a:solidFill>
-                <a:srgbClr val="000000"/>
-              </a:solidFill>
-            </a:endParaRPr>
-          </a:p>
-          <a:p>
-            <a:pPr indent="0" lvl="0" marL="0" rtl="0" algn="l">
-              <a:lnSpc>
-                <a:spcPct val="115000"/>
-              </a:lnSpc>
-              <a:spcBef>
-                <a:spcPts val="0"/>
-              </a:spcBef>
-              <a:spcAft>
-                <a:spcPts val="0"/>
-              </a:spcAft>
-              <a:buNone/>
-            </a:pPr>
-            <a:r>
-              <a:rPr lang="en-GB" sz="1300">
-                <a:solidFill>
-                  <a:srgbClr val="000000"/>
-                </a:solidFill>
-              </a:rPr>
-              <a:t>} /*End of file check switch */</a:t>
-            </a:r>
-            <a:endParaRPr sz="1300">
-              <a:solidFill>
-                <a:srgbClr val="000000"/>
+                <a:srgbClr val="00009A"/>
               </a:solidFill>
             </a:endParaRPr>
           </a:p>
@@ -20940,7 +20758,7 @@
         </p:nvSpPr>
         <p:spPr>
           <a:xfrm>
-            <a:off x="2059025" y="233525"/>
+            <a:off x="2501925" y="293925"/>
             <a:ext cx="8229600" cy="571500"/>
           </a:xfrm>
           <a:prstGeom prst="rect">
@@ -20964,7 +20782,7 @@
             </a:pPr>
             <a:r>
               <a:rPr lang="en-GB"/>
-              <a:t>Repetition Using While</a:t>
+              <a:t>do while</a:t>
             </a:r>
             <a:endParaRPr/>
           </a:p>
@@ -21011,7 +20829,7 @@
                   <a:srgbClr val="00009A"/>
                 </a:solidFill>
               </a:rPr>
-              <a:t>Execute commands until the conditions enclosed by</a:t>
+              <a:t>Good practice to always use {} in a do while loop</a:t>
             </a:r>
             <a:endParaRPr sz="1800">
               <a:solidFill>
@@ -21033,12 +20851,7 @@
               <a:buNone/>
             </a:pPr>
             <a:r>
-              <a:rPr lang="en-GB" sz="1800">
-                <a:solidFill>
-                  <a:srgbClr val="00009A"/>
-                </a:solidFill>
-              </a:rPr>
-              <a:t>the while statement return false.</a:t>
+              <a:t/>
             </a:r>
             <a:endParaRPr sz="1800">
               <a:solidFill>
@@ -21065,7 +20878,7 @@
                   <a:srgbClr val="000000"/>
                 </a:solidFill>
               </a:rPr>
-              <a:t>while(conditions)</a:t>
+              <a:t>do</a:t>
             </a:r>
             <a:endParaRPr sz="1800">
               <a:solidFill>
@@ -21119,7 +20932,7 @@
                   <a:srgbClr val="000000"/>
                 </a:solidFill>
               </a:rPr>
-              <a:t>Statements;</a:t>
+              <a:t>Statements…;</a:t>
             </a:r>
             <a:endParaRPr sz="1800">
               <a:solidFill>
@@ -21128,7 +20941,7 @@
             </a:endParaRPr>
           </a:p>
           <a:p>
-            <a:pPr indent="457200" lvl="0" marL="0" rtl="0" algn="l">
+            <a:pPr indent="0" lvl="0" marL="914400" rtl="0" algn="l">
               <a:lnSpc>
                 <a:spcPct val="115000"/>
               </a:lnSpc>
@@ -21146,7 +20959,7 @@
                   <a:srgbClr val="000000"/>
                 </a:solidFill>
               </a:rPr>
-              <a:t>}</a:t>
+              <a:t>Statements…;</a:t>
             </a:r>
             <a:endParaRPr sz="1800">
               <a:solidFill>
@@ -21168,7 +20981,12 @@
               <a:buNone/>
             </a:pPr>
             <a:r>
-              <a:t/>
+              <a:rPr lang="en-GB" sz="1800">
+                <a:solidFill>
+                  <a:srgbClr val="000000"/>
+                </a:solidFill>
+              </a:rPr>
+              <a:t>}</a:t>
             </a:r>
             <a:endParaRPr sz="1800">
               <a:solidFill>
@@ -21177,7 +20995,7 @@
             </a:endParaRPr>
           </a:p>
           <a:p>
-            <a:pPr indent="0" lvl="0" marL="0" rtl="0" algn="l">
+            <a:pPr indent="457200" lvl="0" marL="0" rtl="0" algn="l">
               <a:lnSpc>
                 <a:spcPct val="115000"/>
               </a:lnSpc>
@@ -21192,14 +21010,14 @@
             <a:r>
               <a:rPr lang="en-GB" sz="1800">
                 <a:solidFill>
-                  <a:srgbClr val="00009A"/>
-                </a:solidFill>
-              </a:rPr>
-              <a:t>Good practice to always use {} in a do while loop</a:t>
+                  <a:srgbClr val="000000"/>
+                </a:solidFill>
+              </a:rPr>
+              <a:t>while(conditions)</a:t>
             </a:r>
             <a:endParaRPr sz="1800">
               <a:solidFill>
-                <a:srgbClr val="00009A"/>
+                <a:srgbClr val="000000"/>
               </a:solidFill>
             </a:endParaRPr>
           </a:p>
@@ -21216,7 +21034,7 @@
             <a:r>
               <a:t/>
             </a:r>
-            <a:endParaRPr/>
+            <a:endParaRPr sz="4400"/>
           </a:p>
         </p:txBody>
       </p:sp>
@@ -21255,7 +21073,7 @@
         </p:nvSpPr>
         <p:spPr>
           <a:xfrm>
-            <a:off x="2501925" y="293925"/>
+            <a:off x="609600" y="1028700"/>
             <a:ext cx="8229600" cy="571500"/>
           </a:xfrm>
           <a:prstGeom prst="rect">
@@ -21279,7 +21097,7 @@
             </a:pPr>
             <a:r>
               <a:rPr lang="en-GB"/>
-              <a:t>do while</a:t>
+              <a:t>Demonstration</a:t>
             </a:r>
             <a:endParaRPr/>
           </a:p>
@@ -21326,7 +21144,7 @@
                   <a:srgbClr val="00009A"/>
                 </a:solidFill>
               </a:rPr>
-              <a:t>Good practice to always use {} in a do while loop</a:t>
+              <a:t>• Build and run the example while1.c</a:t>
             </a:r>
             <a:endParaRPr sz="1800">
               <a:solidFill>
@@ -21348,7 +21166,66 @@
               <a:buNone/>
             </a:pPr>
             <a:r>
-              <a:t/>
+              <a:rPr lang="en-GB" sz="1500">
+                <a:solidFill>
+                  <a:srgbClr val="00009A"/>
+                </a:solidFill>
+              </a:rPr>
+              <a:t>• 	Modify the loop so that it counts to 20</a:t>
+            </a:r>
+            <a:endParaRPr sz="1500">
+              <a:solidFill>
+                <a:srgbClr val="00009A"/>
+              </a:solidFill>
+            </a:endParaRPr>
+          </a:p>
+          <a:p>
+            <a:pPr indent="0" lvl="0" marL="0" rtl="0" algn="l">
+              <a:lnSpc>
+                <a:spcPct val="115000"/>
+              </a:lnSpc>
+              <a:spcBef>
+                <a:spcPts val="0"/>
+              </a:spcBef>
+              <a:spcAft>
+                <a:spcPts val="0"/>
+              </a:spcAft>
+              <a:buNone/>
+            </a:pPr>
+            <a:r>
+              <a:rPr lang="en-GB" sz="1500">
+                <a:solidFill>
+                  <a:srgbClr val="00009A"/>
+                </a:solidFill>
+              </a:rPr>
+              <a:t>• 	Modify the loop so that it counts to 20 in steps of 2</a:t>
+            </a:r>
+            <a:endParaRPr sz="1500">
+              <a:solidFill>
+                <a:srgbClr val="00009A"/>
+              </a:solidFill>
+            </a:endParaRPr>
+          </a:p>
+          <a:p>
+            <a:pPr indent="0" lvl="0" marL="0" rtl="0" algn="l">
+              <a:lnSpc>
+                <a:spcPct val="115000"/>
+              </a:lnSpc>
+              <a:spcBef>
+                <a:spcPts val="0"/>
+              </a:spcBef>
+              <a:spcAft>
+                <a:spcPts val="0"/>
+              </a:spcAft>
+              <a:buNone/>
+            </a:pPr>
+            <a:r>
+              <a:rPr lang="en-GB" sz="1800">
+                <a:solidFill>
+                  <a:srgbClr val="00009A"/>
+                </a:solidFill>
+              </a:rPr>
+              <a:t>• Build and run dowhile.c</a:t>
             </a:r>
             <a:endParaRPr sz="1800">
               <a:solidFill>
@@ -21357,168 +21234,6 @@
             </a:endParaRPr>
           </a:p>
           <a:p>
-            <a:pPr indent="457200" lvl="0" marL="0" rtl="0" algn="l">
-              <a:lnSpc>
-                <a:spcPct val="115000"/>
-              </a:lnSpc>
-              <a:spcBef>
-                <a:spcPts val="0"/>
-              </a:spcBef>
-              <a:spcAft>
-                <a:spcPts val="0"/>
-              </a:spcAft>
-              <a:buNone/>
-            </a:pPr>
-            <a:r>
-              <a:rPr lang="en-GB" sz="1800">
-                <a:solidFill>
-                  <a:srgbClr val="000000"/>
-                </a:solidFill>
-              </a:rPr>
-              <a:t>do</a:t>
-            </a:r>
-            <a:endParaRPr sz="1800">
-              <a:solidFill>
-                <a:srgbClr val="000000"/>
-              </a:solidFill>
-            </a:endParaRPr>
-          </a:p>
-          <a:p>
-            <a:pPr indent="457200" lvl="0" marL="0" rtl="0" algn="l">
-              <a:lnSpc>
-                <a:spcPct val="115000"/>
-              </a:lnSpc>
-              <a:spcBef>
-                <a:spcPts val="0"/>
-              </a:spcBef>
-              <a:spcAft>
-                <a:spcPts val="0"/>
-              </a:spcAft>
-              <a:buNone/>
-            </a:pPr>
-            <a:r>
-              <a:rPr lang="en-GB" sz="1800">
-                <a:solidFill>
-                  <a:srgbClr val="000000"/>
-                </a:solidFill>
-              </a:rPr>
-              <a:t>{</a:t>
-            </a:r>
-            <a:endParaRPr sz="1800">
-              <a:solidFill>
-                <a:srgbClr val="000000"/>
-              </a:solidFill>
-            </a:endParaRPr>
-          </a:p>
-          <a:p>
-            <a:pPr indent="457200" lvl="0" marL="457200" rtl="0" algn="l">
-              <a:lnSpc>
-                <a:spcPct val="115000"/>
-              </a:lnSpc>
-              <a:spcBef>
-                <a:spcPts val="0"/>
-              </a:spcBef>
-              <a:spcAft>
-                <a:spcPts val="0"/>
-              </a:spcAft>
-              <a:buNone/>
-            </a:pPr>
-            <a:r>
-              <a:rPr lang="en-GB" sz="1800">
-                <a:solidFill>
-                  <a:srgbClr val="000000"/>
-                </a:solidFill>
-              </a:rPr>
-              <a:t>Statements…;</a:t>
-            </a:r>
-            <a:endParaRPr sz="1800">
-              <a:solidFill>
-                <a:srgbClr val="000000"/>
-              </a:solidFill>
-            </a:endParaRPr>
-          </a:p>
-          <a:p>
-            <a:pPr indent="0" lvl="0" marL="914400" rtl="0" algn="l">
-              <a:lnSpc>
-                <a:spcPct val="115000"/>
-              </a:lnSpc>
-              <a:spcBef>
-                <a:spcPts val="0"/>
-              </a:spcBef>
-              <a:spcAft>
-                <a:spcPts val="0"/>
-              </a:spcAft>
-              <a:buNone/>
-            </a:pPr>
-            <a:r>
-              <a:rPr lang="en-GB" sz="1800">
-                <a:solidFill>
-                  <a:srgbClr val="000000"/>
-                </a:solidFill>
-              </a:rPr>
-              <a:t>Statements…;</a:t>
-            </a:r>
-            <a:endParaRPr sz="1800">
-              <a:solidFill>
-                <a:srgbClr val="000000"/>
-              </a:solidFill>
-            </a:endParaRPr>
-          </a:p>
-          <a:p>
-            <a:pPr indent="457200" lvl="0" marL="0" rtl="0" algn="l">
-              <a:lnSpc>
-                <a:spcPct val="115000"/>
-              </a:lnSpc>
-              <a:spcBef>
-                <a:spcPts val="0"/>
-              </a:spcBef>
-              <a:spcAft>
-                <a:spcPts val="0"/>
-              </a:spcAft>
-              <a:buNone/>
-            </a:pPr>
-            <a:r>
-              <a:rPr lang="en-GB" sz="1800">
-                <a:solidFill>
-                  <a:srgbClr val="000000"/>
-                </a:solidFill>
-              </a:rPr>
-              <a:t>}</a:t>
-            </a:r>
-            <a:endParaRPr sz="1800">
-              <a:solidFill>
-                <a:srgbClr val="000000"/>
-              </a:solidFill>
-            </a:endParaRPr>
-          </a:p>
-          <a:p>
-            <a:pPr indent="457200" lvl="0" marL="0" rtl="0" algn="l">
-              <a:lnSpc>
-                <a:spcPct val="115000"/>
-              </a:lnSpc>
-              <a:spcBef>
-                <a:spcPts val="0"/>
-              </a:spcBef>
-              <a:spcAft>
-                <a:spcPts val="0"/>
-              </a:spcAft>
-              <a:buNone/>
-            </a:pPr>
-            <a:r>
-              <a:rPr lang="en-GB" sz="1800">
-                <a:solidFill>
-                  <a:srgbClr val="000000"/>
-                </a:solidFill>
-              </a:rPr>
-              <a:t>while(conditions)</a:t>
-            </a:r>
-            <a:endParaRPr sz="1800">
-              <a:solidFill>
-                <a:srgbClr val="000000"/>
-              </a:solidFill>
-            </a:endParaRPr>
-          </a:p>
-          <a:p>
             <a:pPr indent="0" lvl="0" marL="0" rtl="0" algn="l">
               <a:spcBef>
                 <a:spcPts val="540"/>
@@ -21531,7 +21246,7 @@
             <a:r>
               <a:t/>
             </a:r>
-            <a:endParaRPr sz="4400"/>
+            <a:endParaRPr/>
           </a:p>
         </p:txBody>
       </p:sp>
@@ -21570,218 +21285,6 @@
         </p:nvSpPr>
         <p:spPr>
           <a:xfrm>
-            <a:off x="609600" y="1028700"/>
-            <a:ext cx="8229600" cy="571500"/>
-          </a:xfrm>
-          <a:prstGeom prst="rect">
-            <a:avLst/>
-          </a:prstGeom>
-        </p:spPr>
-        <p:txBody>
-          <a:bodyPr anchorCtr="0" anchor="t" bIns="45700" lIns="91425" spcFirstLastPara="1" rIns="91425" wrap="square" tIns="45700">
-            <a:noAutofit/>
-          </a:bodyPr>
-          <a:lstStyle/>
-          <a:p>
-            <a:pPr indent="0" lvl="0" marL="0" rtl="0" algn="l">
-              <a:spcBef>
-                <a:spcPts val="0"/>
-              </a:spcBef>
-              <a:spcAft>
-                <a:spcPts val="0"/>
-              </a:spcAft>
-              <a:buNone/>
-            </a:pPr>
-            <a:r>
-              <a:rPr lang="en-GB"/>
-              <a:t>Demonstration</a:t>
-            </a:r>
-            <a:endParaRPr/>
-          </a:p>
-        </p:txBody>
-      </p:sp>
-      <p:sp>
-        <p:nvSpPr>
-          <p:cNvPr id="263" name="Google Shape;263;p48"/>
-          <p:cNvSpPr txBox="1"/>
-          <p:nvPr>
-            <p:ph idx="1" type="body"/>
-          </p:nvPr>
-        </p:nvSpPr>
-        <p:spPr>
-          <a:xfrm>
-            <a:off x="609600" y="1771650"/>
-            <a:ext cx="8229600" cy="2800200"/>
-          </a:xfrm>
-          <a:prstGeom prst="rect">
-            <a:avLst/>
-          </a:prstGeom>
-        </p:spPr>
-        <p:txBody>
-          <a:bodyPr anchorCtr="0" anchor="t" bIns="45700" lIns="91425" spcFirstLastPara="1" rIns="91425" wrap="square" tIns="45700">
-            <a:noAutofit/>
-          </a:bodyPr>
-          <a:lstStyle/>
-          <a:p>
-            <a:pPr indent="0" lvl="0" marL="0" rtl="0" algn="l">
-              <a:lnSpc>
-                <a:spcPct val="115000"/>
-              </a:lnSpc>
-              <a:spcBef>
-                <a:spcPts val="0"/>
-              </a:spcBef>
-              <a:spcAft>
-                <a:spcPts val="0"/>
-              </a:spcAft>
-              <a:buNone/>
-            </a:pPr>
-            <a:r>
-              <a:rPr lang="en-GB" sz="1800">
-                <a:solidFill>
-                  <a:srgbClr val="00009A"/>
-                </a:solidFill>
-              </a:rPr>
-              <a:t>• Build and run the example while1.c</a:t>
-            </a:r>
-            <a:endParaRPr sz="1800">
-              <a:solidFill>
-                <a:srgbClr val="00009A"/>
-              </a:solidFill>
-            </a:endParaRPr>
-          </a:p>
-          <a:p>
-            <a:pPr indent="0" lvl="0" marL="0" rtl="0" algn="l">
-              <a:lnSpc>
-                <a:spcPct val="115000"/>
-              </a:lnSpc>
-              <a:spcBef>
-                <a:spcPts val="0"/>
-              </a:spcBef>
-              <a:spcAft>
-                <a:spcPts val="0"/>
-              </a:spcAft>
-              <a:buNone/>
-            </a:pPr>
-            <a:r>
-              <a:rPr lang="en-GB" sz="1500">
-                <a:solidFill>
-                  <a:srgbClr val="00009A"/>
-                </a:solidFill>
-              </a:rPr>
-              <a:t>• 	Modify the loop so that it counts to 20</a:t>
-            </a:r>
-            <a:endParaRPr sz="1500">
-              <a:solidFill>
-                <a:srgbClr val="00009A"/>
-              </a:solidFill>
-            </a:endParaRPr>
-          </a:p>
-          <a:p>
-            <a:pPr indent="0" lvl="0" marL="0" rtl="0" algn="l">
-              <a:lnSpc>
-                <a:spcPct val="115000"/>
-              </a:lnSpc>
-              <a:spcBef>
-                <a:spcPts val="0"/>
-              </a:spcBef>
-              <a:spcAft>
-                <a:spcPts val="0"/>
-              </a:spcAft>
-              <a:buNone/>
-            </a:pPr>
-            <a:r>
-              <a:rPr lang="en-GB" sz="1500">
-                <a:solidFill>
-                  <a:srgbClr val="00009A"/>
-                </a:solidFill>
-              </a:rPr>
-              <a:t>• 	Modify the loop so that it counts to 20 in steps of 2</a:t>
-            </a:r>
-            <a:endParaRPr sz="1500">
-              <a:solidFill>
-                <a:srgbClr val="00009A"/>
-              </a:solidFill>
-            </a:endParaRPr>
-          </a:p>
-          <a:p>
-            <a:pPr indent="0" lvl="0" marL="0" rtl="0" algn="l">
-              <a:lnSpc>
-                <a:spcPct val="115000"/>
-              </a:lnSpc>
-              <a:spcBef>
-                <a:spcPts val="0"/>
-              </a:spcBef>
-              <a:spcAft>
-                <a:spcPts val="0"/>
-              </a:spcAft>
-              <a:buNone/>
-            </a:pPr>
-            <a:r>
-              <a:rPr lang="en-GB" sz="1800">
-                <a:solidFill>
-                  <a:srgbClr val="00009A"/>
-                </a:solidFill>
-              </a:rPr>
-              <a:t>• Build and run dowhile.c</a:t>
-            </a:r>
-            <a:endParaRPr sz="1800">
-              <a:solidFill>
-                <a:srgbClr val="00009A"/>
-              </a:solidFill>
-            </a:endParaRPr>
-          </a:p>
-          <a:p>
-            <a:pPr indent="0" lvl="0" marL="0" rtl="0" algn="l">
-              <a:spcBef>
-                <a:spcPts val="540"/>
-              </a:spcBef>
-              <a:spcAft>
-                <a:spcPts val="0"/>
-              </a:spcAft>
-              <a:buNone/>
-            </a:pPr>
-            <a:r>
-              <a:t/>
-            </a:r>
-            <a:endParaRPr/>
-          </a:p>
-        </p:txBody>
-      </p:sp>
-    </p:spTree>
-  </p:cSld>
-  <p:clrMapOvr>
-    <a:masterClrMapping/>
-  </p:clrMapOvr>
-</p:sld>
-</file>
-
-<file path=ppt/slides/slide36.xml><?xml version="1.0" encoding="utf-8"?>
-<p:sld xmlns:a="http://schemas.openxmlformats.org/drawingml/2006/main" xmlns:r="http://schemas.openxmlformats.org/officeDocument/2006/relationships" xmlns:mc="http://schemas.openxmlformats.org/markup-compatibility/2006" xmlns:mv="urn:schemas-microsoft-com:mac:vml" xmlns:p="http://schemas.openxmlformats.org/presentationml/2006/main" xmlns:c="http://schemas.openxmlformats.org/drawingml/2006/chart" xmlns:dgm="http://schemas.openxmlformats.org/drawingml/2006/diagram" xmlns:o="urn:schemas-microsoft-com:office:office" xmlns:v="urn:schemas-microsoft-com:vml" xmlns:pvml="urn:schemas-microsoft-com:office:powerpoint" xmlns:com="http://schemas.openxmlformats.org/drawingml/2006/compatibility" xmlns:p14="http://schemas.microsoft.com/office/powerpoint/2010/main" xmlns:p15="http://schemas.microsoft.com/office/powerpoint/2012/main" xmlns:ahyp="http://schemas.microsoft.com/office/drawing/2018/hyperlinkcolor">
-  <p:cSld>
-    <p:spTree>
-      <p:nvGrpSpPr>
-        <p:cNvPr id="267" name="Shape 267"/>
-        <p:cNvGrpSpPr/>
-        <p:nvPr/>
-      </p:nvGrpSpPr>
-      <p:grpSpPr>
-        <a:xfrm>
-          <a:off x="0" y="0"/>
-          <a:ext cx="0" cy="0"/>
-          <a:chOff x="0" y="0"/>
-          <a:chExt cx="0" cy="0"/>
-        </a:xfrm>
-      </p:grpSpPr>
-      <p:sp>
-        <p:nvSpPr>
-          <p:cNvPr id="268" name="Google Shape;268;p49"/>
-          <p:cNvSpPr txBox="1"/>
-          <p:nvPr>
-            <p:ph type="title"/>
-          </p:nvPr>
-        </p:nvSpPr>
-        <p:spPr>
-          <a:xfrm>
             <a:off x="2059025" y="253650"/>
             <a:ext cx="8229600" cy="571500"/>
           </a:xfrm>
@@ -21814,7 +21317,7 @@
       </p:sp>
       <p:sp>
         <p:nvSpPr>
-          <p:cNvPr id="269" name="Google Shape;269;p49"/>
+          <p:cNvPr id="263" name="Google Shape;263;p48"/>
           <p:cNvSpPr txBox="1"/>
           <p:nvPr>
             <p:ph idx="1" type="body"/>
@@ -21906,7 +21409,7 @@
       </p:sp>
       <p:sp>
         <p:nvSpPr>
-          <p:cNvPr id="270" name="Google Shape;270;p49"/>
+          <p:cNvPr id="264" name="Google Shape;264;p48"/>
           <p:cNvSpPr txBox="1"/>
           <p:nvPr/>
         </p:nvSpPr>
@@ -21941,6 +21444,316 @@
             <a:r>
               <a:rPr lang="en-GB"/>
               <a:t>If a is initially equal to ten, Which while loop is finite?</a:t>
+            </a:r>
+            <a:endParaRPr/>
+          </a:p>
+        </p:txBody>
+      </p:sp>
+    </p:spTree>
+  </p:cSld>
+  <p:clrMapOvr>
+    <a:masterClrMapping/>
+  </p:clrMapOvr>
+</p:sld>
+</file>
+
+<file path=ppt/slides/slide36.xml><?xml version="1.0" encoding="utf-8"?>
+<p:sld xmlns:a="http://schemas.openxmlformats.org/drawingml/2006/main" xmlns:r="http://schemas.openxmlformats.org/officeDocument/2006/relationships" xmlns:mc="http://schemas.openxmlformats.org/markup-compatibility/2006" xmlns:mv="urn:schemas-microsoft-com:mac:vml" xmlns:p="http://schemas.openxmlformats.org/presentationml/2006/main" xmlns:c="http://schemas.openxmlformats.org/drawingml/2006/chart" xmlns:dgm="http://schemas.openxmlformats.org/drawingml/2006/diagram" xmlns:o="urn:schemas-microsoft-com:office:office" xmlns:v="urn:schemas-microsoft-com:vml" xmlns:pvml="urn:schemas-microsoft-com:office:powerpoint" xmlns:com="http://schemas.openxmlformats.org/drawingml/2006/compatibility" xmlns:p14="http://schemas.microsoft.com/office/powerpoint/2010/main" xmlns:p15="http://schemas.microsoft.com/office/powerpoint/2012/main" xmlns:ahyp="http://schemas.microsoft.com/office/drawing/2018/hyperlinkcolor">
+  <p:cSld>
+    <p:spTree>
+      <p:nvGrpSpPr>
+        <p:cNvPr id="268" name="Shape 268"/>
+        <p:cNvGrpSpPr/>
+        <p:nvPr/>
+      </p:nvGrpSpPr>
+      <p:grpSpPr>
+        <a:xfrm>
+          <a:off x="0" y="0"/>
+          <a:ext cx="0" cy="0"/>
+          <a:chOff x="0" y="0"/>
+          <a:chExt cx="0" cy="0"/>
+        </a:xfrm>
+      </p:grpSpPr>
+      <p:sp>
+        <p:nvSpPr>
+          <p:cNvPr id="269" name="Google Shape;269;p49"/>
+          <p:cNvSpPr txBox="1"/>
+          <p:nvPr>
+            <p:ph type="title"/>
+          </p:nvPr>
+        </p:nvSpPr>
+        <p:spPr>
+          <a:xfrm>
+            <a:off x="730375" y="917975"/>
+            <a:ext cx="8229600" cy="571500"/>
+          </a:xfrm>
+          <a:prstGeom prst="rect">
+            <a:avLst/>
+          </a:prstGeom>
+        </p:spPr>
+        <p:txBody>
+          <a:bodyPr anchorCtr="0" anchor="t" bIns="45700" lIns="91425" spcFirstLastPara="1" rIns="91425" wrap="square" tIns="45700">
+            <a:noAutofit/>
+          </a:bodyPr>
+          <a:lstStyle/>
+          <a:p>
+            <a:pPr indent="0" lvl="0" marL="0" rtl="0" algn="l">
+              <a:spcBef>
+                <a:spcPts val="0"/>
+              </a:spcBef>
+              <a:spcAft>
+                <a:spcPts val="0"/>
+              </a:spcAft>
+              <a:buNone/>
+            </a:pPr>
+            <a:r>
+              <a:rPr lang="en-GB"/>
+              <a:t>Counter controlled repetition</a:t>
+            </a:r>
+            <a:endParaRPr/>
+          </a:p>
+        </p:txBody>
+      </p:sp>
+      <p:sp>
+        <p:nvSpPr>
+          <p:cNvPr id="270" name="Google Shape;270;p49"/>
+          <p:cNvSpPr txBox="1"/>
+          <p:nvPr>
+            <p:ph idx="1" type="body"/>
+          </p:nvPr>
+        </p:nvSpPr>
+        <p:spPr>
+          <a:xfrm>
+            <a:off x="609600" y="1771650"/>
+            <a:ext cx="8229600" cy="2800200"/>
+          </a:xfrm>
+          <a:prstGeom prst="rect">
+            <a:avLst/>
+          </a:prstGeom>
+        </p:spPr>
+        <p:txBody>
+          <a:bodyPr anchorCtr="0" anchor="t" bIns="45700" lIns="91425" spcFirstLastPara="1" rIns="91425" wrap="square" tIns="45700">
+            <a:noAutofit/>
+          </a:bodyPr>
+          <a:lstStyle/>
+          <a:p>
+            <a:pPr indent="0" lvl="0" marL="0" rtl="0" algn="l">
+              <a:lnSpc>
+                <a:spcPct val="115000"/>
+              </a:lnSpc>
+              <a:spcBef>
+                <a:spcPts val="0"/>
+              </a:spcBef>
+              <a:spcAft>
+                <a:spcPts val="0"/>
+              </a:spcAft>
+              <a:buNone/>
+            </a:pPr>
+            <a:r>
+              <a:rPr lang="en-GB" sz="1800">
+                <a:solidFill>
+                  <a:srgbClr val="00009A"/>
+                </a:solidFill>
+              </a:rPr>
+              <a:t>• Components of a typical for loop structure</a:t>
+            </a:r>
+            <a:endParaRPr sz="1800">
+              <a:solidFill>
+                <a:srgbClr val="00009A"/>
+              </a:solidFill>
+            </a:endParaRPr>
+          </a:p>
+          <a:p>
+            <a:pPr indent="457200" lvl="0" marL="0" rtl="0" algn="l">
+              <a:lnSpc>
+                <a:spcPct val="115000"/>
+              </a:lnSpc>
+              <a:spcBef>
+                <a:spcPts val="0"/>
+              </a:spcBef>
+              <a:spcAft>
+                <a:spcPts val="0"/>
+              </a:spcAft>
+              <a:buNone/>
+            </a:pPr>
+            <a:r>
+              <a:rPr lang="en-GB" sz="1800">
+                <a:solidFill>
+                  <a:srgbClr val="000000"/>
+                </a:solidFill>
+              </a:rPr>
+              <a:t>for(expression1; expression2; expression3)</a:t>
+            </a:r>
+            <a:endParaRPr sz="1800">
+              <a:solidFill>
+                <a:srgbClr val="000000"/>
+              </a:solidFill>
+            </a:endParaRPr>
+          </a:p>
+          <a:p>
+            <a:pPr indent="457200" lvl="0" marL="457200" rtl="0" algn="l">
+              <a:lnSpc>
+                <a:spcPct val="115000"/>
+              </a:lnSpc>
+              <a:spcBef>
+                <a:spcPts val="0"/>
+              </a:spcBef>
+              <a:spcAft>
+                <a:spcPts val="0"/>
+              </a:spcAft>
+              <a:buNone/>
+            </a:pPr>
+            <a:r>
+              <a:rPr lang="en-GB" sz="1800">
+                <a:solidFill>
+                  <a:srgbClr val="000000"/>
+                </a:solidFill>
+              </a:rPr>
+              <a:t>statement;</a:t>
+            </a:r>
+            <a:endParaRPr sz="1800">
+              <a:solidFill>
+                <a:srgbClr val="000000"/>
+              </a:solidFill>
+            </a:endParaRPr>
+          </a:p>
+          <a:p>
+            <a:pPr indent="0" lvl="0" marL="0" rtl="0" algn="l">
+              <a:lnSpc>
+                <a:spcPct val="115000"/>
+              </a:lnSpc>
+              <a:spcBef>
+                <a:spcPts val="0"/>
+              </a:spcBef>
+              <a:spcAft>
+                <a:spcPts val="0"/>
+              </a:spcAft>
+              <a:buNone/>
+            </a:pPr>
+            <a:r>
+              <a:t/>
+            </a:r>
+            <a:endParaRPr sz="1800">
+              <a:solidFill>
+                <a:srgbClr val="000000"/>
+              </a:solidFill>
+            </a:endParaRPr>
+          </a:p>
+          <a:p>
+            <a:pPr indent="0" lvl="0" marL="0" rtl="0" algn="l">
+              <a:lnSpc>
+                <a:spcPct val="115000"/>
+              </a:lnSpc>
+              <a:spcBef>
+                <a:spcPts val="0"/>
+              </a:spcBef>
+              <a:spcAft>
+                <a:spcPts val="0"/>
+              </a:spcAft>
+              <a:buNone/>
+            </a:pPr>
+            <a:r>
+              <a:rPr lang="en-GB" sz="1800">
+                <a:solidFill>
+                  <a:srgbClr val="00009A"/>
+                </a:solidFill>
+              </a:rPr>
+              <a:t>example</a:t>
+            </a:r>
+            <a:endParaRPr sz="1800">
+              <a:solidFill>
+                <a:srgbClr val="000000"/>
+              </a:solidFill>
+            </a:endParaRPr>
+          </a:p>
+          <a:p>
+            <a:pPr indent="0" lvl="0" marL="0" rtl="0" algn="l">
+              <a:lnSpc>
+                <a:spcPct val="115000"/>
+              </a:lnSpc>
+              <a:spcBef>
+                <a:spcPts val="0"/>
+              </a:spcBef>
+              <a:spcAft>
+                <a:spcPts val="0"/>
+              </a:spcAft>
+              <a:buNone/>
+            </a:pPr>
+            <a:r>
+              <a:t/>
+            </a:r>
+            <a:endParaRPr sz="1800">
+              <a:solidFill>
+                <a:srgbClr val="000000"/>
+              </a:solidFill>
+            </a:endParaRPr>
+          </a:p>
+          <a:p>
+            <a:pPr indent="457200" lvl="0" marL="0" rtl="0" algn="l">
+              <a:lnSpc>
+                <a:spcPct val="115000"/>
+              </a:lnSpc>
+              <a:spcBef>
+                <a:spcPts val="0"/>
+              </a:spcBef>
+              <a:spcAft>
+                <a:spcPts val="0"/>
+              </a:spcAft>
+              <a:buNone/>
+            </a:pPr>
+            <a:r>
+              <a:rPr lang="en-GB" sz="1800">
+                <a:solidFill>
+                  <a:srgbClr val="000000"/>
+                </a:solidFill>
+              </a:rPr>
+              <a:t>for(counter=1; counter&lt;=10, counter++)</a:t>
+            </a:r>
+            <a:endParaRPr sz="1800">
+              <a:solidFill>
+                <a:srgbClr val="000000"/>
+              </a:solidFill>
+            </a:endParaRPr>
+          </a:p>
+          <a:p>
+            <a:pPr indent="457200" lvl="0" marL="457200" rtl="0" algn="l">
+              <a:lnSpc>
+                <a:spcPct val="115000"/>
+              </a:lnSpc>
+              <a:spcBef>
+                <a:spcPts val="0"/>
+              </a:spcBef>
+              <a:spcAft>
+                <a:spcPts val="0"/>
+              </a:spcAft>
+              <a:buNone/>
+            </a:pPr>
+            <a:r>
+              <a:rPr lang="en-GB" sz="1800">
+                <a:solidFill>
+                  <a:srgbClr val="000000"/>
+                </a:solidFill>
+              </a:rPr>
+              <a:t>statement;</a:t>
+            </a:r>
+            <a:endParaRPr sz="1800">
+              <a:solidFill>
+                <a:srgbClr val="000000"/>
+              </a:solidFill>
+            </a:endParaRPr>
+          </a:p>
+          <a:p>
+            <a:pPr indent="0" lvl="0" marL="0" rtl="0" algn="l">
+              <a:spcBef>
+                <a:spcPts val="540"/>
+              </a:spcBef>
+              <a:spcAft>
+                <a:spcPts val="0"/>
+              </a:spcAft>
+              <a:buNone/>
+            </a:pPr>
+            <a:r>
+              <a:t/>
             </a:r>
             <a:endParaRPr/>
           </a:p>
@@ -21981,7 +21794,7 @@
         </p:nvSpPr>
         <p:spPr>
           <a:xfrm>
-            <a:off x="730375" y="917975"/>
+            <a:off x="609600" y="1028700"/>
             <a:ext cx="8229600" cy="571500"/>
           </a:xfrm>
           <a:prstGeom prst="rect">
@@ -22005,7 +21818,7 @@
             </a:pPr>
             <a:r>
               <a:rPr lang="en-GB"/>
-              <a:t>Counter controlled repetition</a:t>
+              <a:t>Demonstration</a:t>
             </a:r>
             <a:endParaRPr/>
           </a:p>
@@ -22052,7 +21865,7 @@
                   <a:srgbClr val="00009A"/>
                 </a:solidFill>
               </a:rPr>
-              <a:t>• Components of a typical for loop structure</a:t>
+              <a:t>• Build and run the example for1.c</a:t>
             </a:r>
             <a:endParaRPr sz="1800">
               <a:solidFill>
@@ -22061,7 +21874,7 @@
             </a:endParaRPr>
           </a:p>
           <a:p>
-            <a:pPr indent="457200" lvl="0" marL="0" rtl="0" algn="l">
+            <a:pPr indent="0" lvl="0" marL="0" rtl="0" algn="l">
               <a:lnSpc>
                 <a:spcPct val="115000"/>
               </a:lnSpc>
@@ -22076,166 +21889,14 @@
             <a:r>
               <a:rPr lang="en-GB" sz="1800">
                 <a:solidFill>
-                  <a:srgbClr val="000000"/>
-                </a:solidFill>
-              </a:rPr>
-              <a:t>for(expression1; expression2; expression3)</a:t>
+                  <a:srgbClr val="00009A"/>
+                </a:solidFill>
+              </a:rPr>
+              <a:t>• Build and run nestedfor1.c</a:t>
             </a:r>
             <a:endParaRPr sz="1800">
               <a:solidFill>
-                <a:srgbClr val="000000"/>
-              </a:solidFill>
-            </a:endParaRPr>
-          </a:p>
-          <a:p>
-            <a:pPr indent="457200" lvl="0" marL="457200" rtl="0" algn="l">
-              <a:lnSpc>
-                <a:spcPct val="115000"/>
-              </a:lnSpc>
-              <a:spcBef>
-                <a:spcPts val="0"/>
-              </a:spcBef>
-              <a:spcAft>
-                <a:spcPts val="0"/>
-              </a:spcAft>
-              <a:buNone/>
-            </a:pPr>
-            <a:r>
-              <a:rPr lang="en-GB" sz="1800">
-                <a:solidFill>
-                  <a:srgbClr val="000000"/>
-                </a:solidFill>
-              </a:rPr>
-              <a:t>statement;</a:t>
-            </a:r>
-            <a:endParaRPr sz="1800">
-              <a:solidFill>
-                <a:srgbClr val="000000"/>
-              </a:solidFill>
-            </a:endParaRPr>
-          </a:p>
-          <a:p>
-            <a:pPr indent="0" lvl="0" marL="0" rtl="0" algn="l">
-              <a:lnSpc>
-                <a:spcPct val="115000"/>
-              </a:lnSpc>
-              <a:spcBef>
-                <a:spcPts val="0"/>
-              </a:spcBef>
-              <a:spcAft>
-                <a:spcPts val="0"/>
-              </a:spcAft>
-              <a:buNone/>
-            </a:pPr>
-            <a:r>
-              <a:t/>
-            </a:r>
-            <a:endParaRPr sz="1800">
-              <a:solidFill>
-                <a:srgbClr val="000000"/>
-              </a:solidFill>
-            </a:endParaRPr>
-          </a:p>
-          <a:p>
-            <a:pPr indent="0" lvl="0" marL="0" rtl="0" algn="l">
-              <a:lnSpc>
-                <a:spcPct val="115000"/>
-              </a:lnSpc>
-              <a:spcBef>
-                <a:spcPts val="0"/>
-              </a:spcBef>
-              <a:spcAft>
-                <a:spcPts val="0"/>
-              </a:spcAft>
-              <a:buNone/>
-            </a:pPr>
-            <a:r>
-              <a:rPr lang="en-GB" sz="1800">
-                <a:solidFill>
-                  <a:srgbClr val="00009A"/>
-                </a:solidFill>
-              </a:rPr>
-              <a:t>example</a:t>
-            </a:r>
-            <a:endParaRPr sz="1800">
-              <a:solidFill>
-                <a:srgbClr val="000000"/>
-              </a:solidFill>
-            </a:endParaRPr>
-          </a:p>
-          <a:p>
-            <a:pPr indent="0" lvl="0" marL="0" rtl="0" algn="l">
-              <a:lnSpc>
-                <a:spcPct val="115000"/>
-              </a:lnSpc>
-              <a:spcBef>
-                <a:spcPts val="0"/>
-              </a:spcBef>
-              <a:spcAft>
-                <a:spcPts val="0"/>
-              </a:spcAft>
-              <a:buNone/>
-            </a:pPr>
-            <a:r>
-              <a:t/>
-            </a:r>
-            <a:endParaRPr sz="1800">
-              <a:solidFill>
-                <a:srgbClr val="000000"/>
-              </a:solidFill>
-            </a:endParaRPr>
-          </a:p>
-          <a:p>
-            <a:pPr indent="457200" lvl="0" marL="0" rtl="0" algn="l">
-              <a:lnSpc>
-                <a:spcPct val="115000"/>
-              </a:lnSpc>
-              <a:spcBef>
-                <a:spcPts val="0"/>
-              </a:spcBef>
-              <a:spcAft>
-                <a:spcPts val="0"/>
-              </a:spcAft>
-              <a:buNone/>
-            </a:pPr>
-            <a:r>
-              <a:rPr lang="en-GB" sz="1800">
-                <a:solidFill>
-                  <a:srgbClr val="000000"/>
-                </a:solidFill>
-              </a:rPr>
-              <a:t>for(counter=1; counter&lt;=10, counter++)</a:t>
-            </a:r>
-            <a:endParaRPr sz="1800">
-              <a:solidFill>
-                <a:srgbClr val="000000"/>
-              </a:solidFill>
-            </a:endParaRPr>
-          </a:p>
-          <a:p>
-            <a:pPr indent="457200" lvl="0" marL="457200" rtl="0" algn="l">
-              <a:lnSpc>
-                <a:spcPct val="115000"/>
-              </a:lnSpc>
-              <a:spcBef>
-                <a:spcPts val="0"/>
-              </a:spcBef>
-              <a:spcAft>
-                <a:spcPts val="0"/>
-              </a:spcAft>
-              <a:buNone/>
-            </a:pPr>
-            <a:r>
-              <a:rPr lang="en-GB" sz="1800">
-                <a:solidFill>
-                  <a:srgbClr val="000000"/>
-                </a:solidFill>
-              </a:rPr>
-              <a:t>statement;</a:t>
-            </a:r>
-            <a:endParaRPr sz="1800">
-              <a:solidFill>
-                <a:srgbClr val="000000"/>
+                <a:srgbClr val="00009A"/>
               </a:solidFill>
             </a:endParaRPr>
           </a:p>
@@ -22291,7 +21952,7 @@
         </p:nvSpPr>
         <p:spPr>
           <a:xfrm>
-            <a:off x="609600" y="1028700"/>
+            <a:off x="2028850" y="243600"/>
             <a:ext cx="8229600" cy="571500"/>
           </a:xfrm>
           <a:prstGeom prst="rect">
@@ -22315,7 +21976,7 @@
             </a:pPr>
             <a:r>
               <a:rPr lang="en-GB"/>
-              <a:t>Demonstration</a:t>
+              <a:t>Practice Session</a:t>
             </a:r>
             <a:endParaRPr/>
           </a:p>
@@ -22331,8 +21992,8 @@
         </p:nvSpPr>
         <p:spPr>
           <a:xfrm>
-            <a:off x="609600" y="1771650"/>
-            <a:ext cx="8229600" cy="2800200"/>
+            <a:off x="609600" y="1207875"/>
+            <a:ext cx="8229600" cy="3363900"/>
           </a:xfrm>
           <a:prstGeom prst="rect">
             <a:avLst/>
@@ -22345,62 +22006,202 @@
           <a:lstStyle/>
           <a:p>
             <a:pPr indent="0" lvl="0" marL="0" rtl="0" algn="l">
+              <a:spcBef>
+                <a:spcPts val="540"/>
+              </a:spcBef>
+              <a:spcAft>
+                <a:spcPts val="0"/>
+              </a:spcAft>
+              <a:buNone/>
+            </a:pPr>
+            <a:r>
+              <a:t/>
+            </a:r>
+            <a:endParaRPr sz="1000"/>
+          </a:p>
+          <a:p>
+            <a:pPr indent="0" lvl="0" marL="457200" rtl="0" algn="l">
               <a:lnSpc>
                 <a:spcPct val="115000"/>
               </a:lnSpc>
               <a:spcBef>
-                <a:spcPts val="0"/>
-              </a:spcBef>
-              <a:spcAft>
-                <a:spcPts val="0"/>
-              </a:spcAft>
-              <a:buNone/>
-            </a:pPr>
-            <a:r>
-              <a:rPr lang="en-GB" sz="1800">
-                <a:solidFill>
-                  <a:srgbClr val="00009A"/>
-                </a:solidFill>
-              </a:rPr>
-              <a:t>• Build and run the example for1.c</a:t>
-            </a:r>
-            <a:endParaRPr sz="1800">
+                <a:spcPts val="1200"/>
+              </a:spcBef>
+              <a:spcAft>
+                <a:spcPts val="0"/>
+              </a:spcAft>
+              <a:buNone/>
+            </a:pPr>
+            <a:r>
+              <a:rPr lang="en-GB" sz="1750">
+                <a:solidFill>
+                  <a:srgbClr val="000000"/>
+                </a:solidFill>
+              </a:rPr>
+              <a:t>Write a program that uses a for loop to display numbers for three different cases </a:t>
+            </a:r>
+            <a:endParaRPr sz="1750">
               <a:solidFill>
-                <a:srgbClr val="00009A"/>
+                <a:srgbClr val="000000"/>
               </a:solidFill>
             </a:endParaRPr>
           </a:p>
           <a:p>
-            <a:pPr indent="0" lvl="0" marL="0" rtl="0" algn="l">
+            <a:pPr indent="0" lvl="0" marL="457200" rtl="0" algn="l">
               <a:lnSpc>
                 <a:spcPct val="115000"/>
               </a:lnSpc>
               <a:spcBef>
-                <a:spcPts val="0"/>
-              </a:spcBef>
-              <a:spcAft>
-                <a:spcPts val="0"/>
-              </a:spcAft>
-              <a:buNone/>
-            </a:pPr>
-            <a:r>
-              <a:rPr lang="en-GB" sz="1800">
-                <a:solidFill>
-                  <a:srgbClr val="00009A"/>
-                </a:solidFill>
-              </a:rPr>
-              <a:t>• Build and run nestedfor1.c</a:t>
-            </a:r>
-            <a:endParaRPr sz="1800">
+                <a:spcPts val="1300"/>
+              </a:spcBef>
+              <a:spcAft>
+                <a:spcPts val="0"/>
+              </a:spcAft>
+              <a:buNone/>
+            </a:pPr>
+            <a:r>
+              <a:rPr lang="en-GB" sz="1750">
+                <a:solidFill>
+                  <a:srgbClr val="000000"/>
+                </a:solidFill>
+              </a:rPr>
+              <a:t>a. Display the values from 1 to 20 </a:t>
+            </a:r>
+            <a:endParaRPr sz="1750">
               <a:solidFill>
-                <a:srgbClr val="00009A"/>
+                <a:srgbClr val="000000"/>
               </a:solidFill>
             </a:endParaRPr>
           </a:p>
           <a:p>
-            <a:pPr indent="0" lvl="0" marL="0" rtl="0" algn="l">
-              <a:spcBef>
-                <a:spcPts val="540"/>
+            <a:pPr indent="0" lvl="0" marL="457200" rtl="0" algn="l">
+              <a:lnSpc>
+                <a:spcPct val="115000"/>
+              </a:lnSpc>
+              <a:spcBef>
+                <a:spcPts val="1300"/>
+              </a:spcBef>
+              <a:spcAft>
+                <a:spcPts val="0"/>
+              </a:spcAft>
+              <a:buNone/>
+            </a:pPr>
+            <a:r>
+              <a:rPr lang="en-GB" sz="1750">
+                <a:solidFill>
+                  <a:srgbClr val="000000"/>
+                </a:solidFill>
+              </a:rPr>
+              <a:t>b. Display the values from 2 to 20 </a:t>
+            </a:r>
+            <a:endParaRPr sz="1750">
+              <a:solidFill>
+                <a:srgbClr val="000000"/>
+              </a:solidFill>
+            </a:endParaRPr>
+          </a:p>
+          <a:p>
+            <a:pPr indent="0" lvl="0" marL="457200" rtl="0" algn="l">
+              <a:lnSpc>
+                <a:spcPct val="115000"/>
+              </a:lnSpc>
+              <a:spcBef>
+                <a:spcPts val="1300"/>
+              </a:spcBef>
+              <a:spcAft>
+                <a:spcPts val="0"/>
+              </a:spcAft>
+              <a:buNone/>
+            </a:pPr>
+            <a:r>
+              <a:rPr lang="en-GB" sz="1750">
+                <a:solidFill>
+                  <a:srgbClr val="000000"/>
+                </a:solidFill>
+              </a:rPr>
+              <a:t>c. Display the values from 10 to 1 </a:t>
+            </a:r>
+            <a:endParaRPr sz="1750">
+              <a:solidFill>
+                <a:srgbClr val="000000"/>
+              </a:solidFill>
+            </a:endParaRPr>
+          </a:p>
+          <a:p>
+            <a:pPr indent="0" lvl="0" marL="457200" rtl="0" algn="l">
+              <a:lnSpc>
+                <a:spcPct val="115000"/>
+              </a:lnSpc>
+              <a:spcBef>
+                <a:spcPts val="1200"/>
+              </a:spcBef>
+              <a:spcAft>
+                <a:spcPts val="0"/>
+              </a:spcAft>
+              <a:buNone/>
+            </a:pPr>
+            <a:r>
+              <a:rPr lang="en-GB" sz="1750">
+                <a:solidFill>
+                  <a:srgbClr val="000000"/>
+                </a:solidFill>
+              </a:rPr>
+              <a:t>(Hint: Use the example for1.c) </a:t>
+            </a:r>
+            <a:endParaRPr sz="1750">
+              <a:solidFill>
+                <a:srgbClr val="000000"/>
+              </a:solidFill>
+            </a:endParaRPr>
+          </a:p>
+          <a:p>
+            <a:pPr indent="0" lvl="0" marL="457200" rtl="0" algn="l">
+              <a:lnSpc>
+                <a:spcPct val="115000"/>
+              </a:lnSpc>
+              <a:spcBef>
+                <a:spcPts val="1200"/>
+              </a:spcBef>
+              <a:spcAft>
+                <a:spcPts val="0"/>
+              </a:spcAft>
+              <a:buNone/>
+            </a:pPr>
+            <a:r>
+              <a:t/>
+            </a:r>
+            <a:endParaRPr sz="850">
+              <a:solidFill>
+                <a:srgbClr val="000000"/>
+              </a:solidFill>
+            </a:endParaRPr>
+          </a:p>
+          <a:p>
+            <a:pPr indent="0" lvl="0" marL="0" rtl="0" algn="l">
+              <a:lnSpc>
+                <a:spcPct val="115000"/>
+              </a:lnSpc>
+              <a:spcBef>
+                <a:spcPts val="1200"/>
+              </a:spcBef>
+              <a:spcAft>
+                <a:spcPts val="0"/>
+              </a:spcAft>
+              <a:buNone/>
+            </a:pPr>
+            <a:r>
+              <a:t/>
+            </a:r>
+            <a:endParaRPr sz="850">
+              <a:solidFill>
+                <a:srgbClr val="000000"/>
+              </a:solidFill>
+            </a:endParaRPr>
+          </a:p>
+          <a:p>
+            <a:pPr indent="0" lvl="0" marL="0" rtl="0" algn="l">
+              <a:spcBef>
+                <a:spcPts val="1200"/>
               </a:spcBef>
               <a:spcAft>
                 <a:spcPts val="0"/>
@@ -22449,7 +22250,7 @@
         </p:nvSpPr>
         <p:spPr>
           <a:xfrm>
-            <a:off x="2028850" y="243600"/>
+            <a:off x="2048975" y="203325"/>
             <a:ext cx="8229600" cy="571500"/>
           </a:xfrm>
           <a:prstGeom prst="rect">
@@ -22473,7 +22274,7 @@
             </a:pPr>
             <a:r>
               <a:rPr lang="en-GB"/>
-              <a:t>Practice Session</a:t>
+              <a:t>Practical Examples</a:t>
             </a:r>
             <a:endParaRPr/>
           </a:p>
@@ -22489,8 +22290,8 @@
         </p:nvSpPr>
         <p:spPr>
           <a:xfrm>
-            <a:off x="609600" y="1207875"/>
-            <a:ext cx="8229600" cy="3363900"/>
+            <a:off x="609600" y="1771650"/>
+            <a:ext cx="8229600" cy="2800200"/>
           </a:xfrm>
           <a:prstGeom prst="rect">
             <a:avLst/>
@@ -22503,173 +22304,163 @@
           <a:lstStyle/>
           <a:p>
             <a:pPr indent="0" lvl="0" marL="0" rtl="0" algn="l">
-              <a:spcBef>
-                <a:spcPts val="540"/>
-              </a:spcBef>
-              <a:spcAft>
-                <a:spcPts val="0"/>
-              </a:spcAft>
-              <a:buNone/>
-            </a:pPr>
-            <a:r>
-              <a:t/>
-            </a:r>
-            <a:endParaRPr sz="1000"/>
-          </a:p>
-          <a:p>
-            <a:pPr indent="0" lvl="0" marL="457200" rtl="0" algn="l">
               <a:lnSpc>
                 <a:spcPct val="115000"/>
               </a:lnSpc>
               <a:spcBef>
-                <a:spcPts val="1200"/>
-              </a:spcBef>
-              <a:spcAft>
-                <a:spcPts val="0"/>
-              </a:spcAft>
-              <a:buNone/>
-            </a:pPr>
-            <a:r>
-              <a:rPr lang="en-GB" sz="1750">
-                <a:solidFill>
-                  <a:srgbClr val="000000"/>
-                </a:solidFill>
-              </a:rPr>
-              <a:t>Write a program that uses a for loop to display numbers for three different cases </a:t>
-            </a:r>
-            <a:endParaRPr sz="1750">
+                <a:spcPts val="0"/>
+              </a:spcBef>
+              <a:spcAft>
+                <a:spcPts val="0"/>
+              </a:spcAft>
+              <a:buNone/>
+            </a:pPr>
+            <a:r>
+              <a:rPr lang="en-GB" sz="1800">
+                <a:solidFill>
+                  <a:srgbClr val="00009A"/>
+                </a:solidFill>
+              </a:rPr>
+              <a:t>• Inspect, Compile and run the following</a:t>
+            </a:r>
+            <a:endParaRPr sz="1800">
               <a:solidFill>
-                <a:srgbClr val="000000"/>
+                <a:srgbClr val="00009A"/>
               </a:solidFill>
             </a:endParaRPr>
           </a:p>
           <a:p>
-            <a:pPr indent="0" lvl="0" marL="457200" rtl="0" algn="l">
+            <a:pPr indent="0" lvl="0" marL="0" rtl="0" algn="l">
               <a:lnSpc>
                 <a:spcPct val="115000"/>
               </a:lnSpc>
               <a:spcBef>
-                <a:spcPts val="1300"/>
-              </a:spcBef>
-              <a:spcAft>
-                <a:spcPts val="0"/>
-              </a:spcAft>
-              <a:buNone/>
-            </a:pPr>
-            <a:r>
-              <a:rPr lang="en-GB" sz="1750">
-                <a:solidFill>
-                  <a:srgbClr val="000000"/>
-                </a:solidFill>
-              </a:rPr>
-              <a:t>a. Display the values from 1 to 20 </a:t>
-            </a:r>
-            <a:endParaRPr sz="1750">
+                <a:spcPts val="0"/>
+              </a:spcBef>
+              <a:spcAft>
+                <a:spcPts val="0"/>
+              </a:spcAft>
+              <a:buNone/>
+            </a:pPr>
+            <a:r>
+              <a:rPr lang="en-GB" sz="1800">
+                <a:solidFill>
+                  <a:srgbClr val="00009A"/>
+                </a:solidFill>
+              </a:rPr>
+              <a:t>• Finding a root by method of bisection - does this now make sense?</a:t>
+            </a:r>
+            <a:endParaRPr sz="1800">
               <a:solidFill>
-                <a:srgbClr val="000000"/>
+                <a:srgbClr val="00009A"/>
               </a:solidFill>
             </a:endParaRPr>
           </a:p>
           <a:p>
-            <a:pPr indent="0" lvl="0" marL="457200" rtl="0" algn="l">
+            <a:pPr indent="0" lvl="0" marL="0" rtl="0" algn="l">
               <a:lnSpc>
                 <a:spcPct val="115000"/>
               </a:lnSpc>
               <a:spcBef>
-                <a:spcPts val="1300"/>
-              </a:spcBef>
-              <a:spcAft>
-                <a:spcPts val="0"/>
-              </a:spcAft>
-              <a:buNone/>
-            </a:pPr>
-            <a:r>
-              <a:rPr lang="en-GB" sz="1750">
-                <a:solidFill>
-                  <a:srgbClr val="000000"/>
-                </a:solidFill>
-              </a:rPr>
-              <a:t>b. Display the values from 2 to 20 </a:t>
-            </a:r>
-            <a:endParaRPr sz="1750">
+                <a:spcPts val="0"/>
+              </a:spcBef>
+              <a:spcAft>
+                <a:spcPts val="0"/>
+              </a:spcAft>
+              <a:buNone/>
+            </a:pPr>
+            <a:r>
+              <a:rPr lang="en-GB" sz="1500">
+                <a:solidFill>
+                  <a:srgbClr val="00009A"/>
+                </a:solidFill>
+              </a:rPr>
+              <a:t>	-If statement, while statement</a:t>
+            </a:r>
+            <a:endParaRPr sz="1500">
               <a:solidFill>
-                <a:srgbClr val="000000"/>
+                <a:srgbClr val="00009A"/>
               </a:solidFill>
             </a:endParaRPr>
           </a:p>
           <a:p>
-            <a:pPr indent="0" lvl="0" marL="457200" rtl="0" algn="l">
+            <a:pPr indent="0" lvl="0" marL="0" rtl="0" algn="l">
               <a:lnSpc>
                 <a:spcPct val="115000"/>
               </a:lnSpc>
               <a:spcBef>
-                <a:spcPts val="1300"/>
-              </a:spcBef>
-              <a:spcAft>
-                <a:spcPts val="0"/>
-              </a:spcAft>
-              <a:buNone/>
-            </a:pPr>
-            <a:r>
-              <a:rPr lang="en-GB" sz="1750">
-                <a:solidFill>
-                  <a:srgbClr val="000000"/>
-                </a:solidFill>
-              </a:rPr>
-              <a:t>c. Display the values from 10 to 1 </a:t>
-            </a:r>
-            <a:endParaRPr sz="1750">
+                <a:spcPts val="0"/>
+              </a:spcBef>
+              <a:spcAft>
+                <a:spcPts val="0"/>
+              </a:spcAft>
+              <a:buNone/>
+            </a:pPr>
+            <a:r>
+              <a:rPr lang="en-GB" sz="1500">
+                <a:solidFill>
+                  <a:srgbClr val="00009A"/>
+                </a:solidFill>
+              </a:rPr>
+              <a:t> 	-And simple one line function!</a:t>
+            </a:r>
+            <a:endParaRPr sz="1500">
               <a:solidFill>
-                <a:srgbClr val="000000"/>
+                <a:srgbClr val="00009A"/>
               </a:solidFill>
             </a:endParaRPr>
           </a:p>
           <a:p>
-            <a:pPr indent="0" lvl="0" marL="457200" rtl="0" algn="l">
+            <a:pPr indent="0" lvl="0" marL="0" rtl="0" algn="l">
               <a:lnSpc>
                 <a:spcPct val="115000"/>
               </a:lnSpc>
               <a:spcBef>
-                <a:spcPts val="1200"/>
-              </a:spcBef>
-              <a:spcAft>
-                <a:spcPts val="0"/>
-              </a:spcAft>
-              <a:buNone/>
-            </a:pPr>
-            <a:r>
-              <a:rPr lang="en-GB" sz="1750">
-                <a:solidFill>
-                  <a:srgbClr val="000000"/>
-                </a:solidFill>
-              </a:rPr>
-              <a:t>(Hint: Use the example for1.c) </a:t>
-            </a:r>
-            <a:endParaRPr sz="1750">
+                <a:spcPts val="0"/>
+              </a:spcBef>
+              <a:spcAft>
+                <a:spcPts val="0"/>
+              </a:spcAft>
+              <a:buNone/>
+            </a:pPr>
+            <a:r>
+              <a:rPr lang="en-GB" sz="1800">
+                <a:solidFill>
+                  <a:srgbClr val="00009A"/>
+                </a:solidFill>
+              </a:rPr>
+              <a:t>• Finding a root using the Newton-Raphson method</a:t>
+            </a:r>
+            <a:endParaRPr sz="1800">
               <a:solidFill>
-                <a:srgbClr val="000000"/>
+                <a:srgbClr val="00009A"/>
               </a:solidFill>
             </a:endParaRPr>
           </a:p>
           <a:p>
-            <a:pPr indent="0" lvl="0" marL="457200" rtl="0" algn="l">
+            <a:pPr indent="0" lvl="0" marL="0" rtl="0" algn="l">
               <a:lnSpc>
                 <a:spcPct val="115000"/>
               </a:lnSpc>
               <a:spcBef>
-                <a:spcPts val="1200"/>
-              </a:spcBef>
-              <a:spcAft>
-                <a:spcPts val="0"/>
-              </a:spcAft>
-              <a:buNone/>
-            </a:pPr>
-            <a:r>
-              <a:t/>
-            </a:r>
-            <a:endParaRPr sz="850">
+                <a:spcPts val="0"/>
+              </a:spcBef>
+              <a:spcAft>
+                <a:spcPts val="0"/>
+              </a:spcAft>
+              <a:buNone/>
+            </a:pPr>
+            <a:r>
+              <a:rPr lang="en-GB" sz="1500">
+                <a:solidFill>
+                  <a:srgbClr val="00009A"/>
+                </a:solidFill>
+              </a:rPr>
+              <a:t>	-While statement</a:t>
+            </a:r>
+            <a:endParaRPr sz="1500">
               <a:solidFill>
-                <a:srgbClr val="000000"/>
+                <a:srgbClr val="00009A"/>
               </a:solidFill>
             </a:endParaRPr>
           </a:p>
@@ -22679,7 +22470,7 @@
                 <a:spcPct val="115000"/>
               </a:lnSpc>
               <a:spcBef>
-                <a:spcPts val="1200"/>
+                <a:spcPts val="0"/>
               </a:spcBef>
               <a:spcAft>
                 <a:spcPts val="0"/>
@@ -22689,16 +22480,16 @@
             <a:r>
               <a:t/>
             </a:r>
-            <a:endParaRPr sz="850">
+            <a:endParaRPr sz="1500">
               <a:solidFill>
-                <a:srgbClr val="000000"/>
+                <a:srgbClr val="00009A"/>
               </a:solidFill>
             </a:endParaRPr>
           </a:p>
           <a:p>
             <a:pPr indent="0" lvl="0" marL="0" rtl="0" algn="l">
               <a:spcBef>
-                <a:spcPts val="1200"/>
+                <a:spcPts val="540"/>
               </a:spcBef>
               <a:spcAft>
                 <a:spcPts val="0"/>
@@ -22904,294 +22695,6 @@
         </p:nvSpPr>
         <p:spPr>
           <a:xfrm>
-            <a:off x="2048975" y="203325"/>
-            <a:ext cx="8229600" cy="571500"/>
-          </a:xfrm>
-          <a:prstGeom prst="rect">
-            <a:avLst/>
-          </a:prstGeom>
-        </p:spPr>
-        <p:txBody>
-          <a:bodyPr anchorCtr="0" anchor="t" bIns="45700" lIns="91425" spcFirstLastPara="1" rIns="91425" wrap="square" tIns="45700">
-            <a:noAutofit/>
-          </a:bodyPr>
-          <a:lstStyle/>
-          <a:p>
-            <a:pPr indent="0" lvl="0" marL="0" rtl="0" algn="l">
-              <a:spcBef>
-                <a:spcPts val="0"/>
-              </a:spcBef>
-              <a:spcAft>
-                <a:spcPts val="0"/>
-              </a:spcAft>
-              <a:buNone/>
-            </a:pPr>
-            <a:r>
-              <a:rPr lang="en-GB"/>
-              <a:t>Practical Examples</a:t>
-            </a:r>
-            <a:endParaRPr/>
-          </a:p>
-        </p:txBody>
-      </p:sp>
-      <p:sp>
-        <p:nvSpPr>
-          <p:cNvPr id="294" name="Google Shape;294;p53"/>
-          <p:cNvSpPr txBox="1"/>
-          <p:nvPr>
-            <p:ph idx="1" type="body"/>
-          </p:nvPr>
-        </p:nvSpPr>
-        <p:spPr>
-          <a:xfrm>
-            <a:off x="609600" y="1771650"/>
-            <a:ext cx="8229600" cy="2800200"/>
-          </a:xfrm>
-          <a:prstGeom prst="rect">
-            <a:avLst/>
-          </a:prstGeom>
-        </p:spPr>
-        <p:txBody>
-          <a:bodyPr anchorCtr="0" anchor="t" bIns="45700" lIns="91425" spcFirstLastPara="1" rIns="91425" wrap="square" tIns="45700">
-            <a:noAutofit/>
-          </a:bodyPr>
-          <a:lstStyle/>
-          <a:p>
-            <a:pPr indent="0" lvl="0" marL="0" rtl="0" algn="l">
-              <a:lnSpc>
-                <a:spcPct val="115000"/>
-              </a:lnSpc>
-              <a:spcBef>
-                <a:spcPts val="0"/>
-              </a:spcBef>
-              <a:spcAft>
-                <a:spcPts val="0"/>
-              </a:spcAft>
-              <a:buNone/>
-            </a:pPr>
-            <a:r>
-              <a:rPr lang="en-GB" sz="1800">
-                <a:solidFill>
-                  <a:srgbClr val="00009A"/>
-                </a:solidFill>
-              </a:rPr>
-              <a:t>• Inspect, Compile and run the following</a:t>
-            </a:r>
-            <a:endParaRPr sz="1800">
-              <a:solidFill>
-                <a:srgbClr val="00009A"/>
-              </a:solidFill>
-            </a:endParaRPr>
-          </a:p>
-          <a:p>
-            <a:pPr indent="0" lvl="0" marL="0" rtl="0" algn="l">
-              <a:lnSpc>
-                <a:spcPct val="115000"/>
-              </a:lnSpc>
-              <a:spcBef>
-                <a:spcPts val="0"/>
-              </a:spcBef>
-              <a:spcAft>
-                <a:spcPts val="0"/>
-              </a:spcAft>
-              <a:buNone/>
-            </a:pPr>
-            <a:r>
-              <a:rPr lang="en-GB" sz="1800">
-                <a:solidFill>
-                  <a:srgbClr val="00009A"/>
-                </a:solidFill>
-              </a:rPr>
-              <a:t>• Finding a root by method of bisection - does this now make sense?</a:t>
-            </a:r>
-            <a:endParaRPr sz="1800">
-              <a:solidFill>
-                <a:srgbClr val="00009A"/>
-              </a:solidFill>
-            </a:endParaRPr>
-          </a:p>
-          <a:p>
-            <a:pPr indent="0" lvl="0" marL="0" rtl="0" algn="l">
-              <a:lnSpc>
-                <a:spcPct val="115000"/>
-              </a:lnSpc>
-              <a:spcBef>
-                <a:spcPts val="0"/>
-              </a:spcBef>
-              <a:spcAft>
-                <a:spcPts val="0"/>
-              </a:spcAft>
-              <a:buNone/>
-            </a:pPr>
-            <a:r>
-              <a:rPr lang="en-GB" sz="1500">
-                <a:solidFill>
-                  <a:srgbClr val="00009A"/>
-                </a:solidFill>
-              </a:rPr>
-              <a:t>	-If statement, while statement</a:t>
-            </a:r>
-            <a:endParaRPr sz="1500">
-              <a:solidFill>
-                <a:srgbClr val="00009A"/>
-              </a:solidFill>
-            </a:endParaRPr>
-          </a:p>
-          <a:p>
-            <a:pPr indent="0" lvl="0" marL="0" rtl="0" algn="l">
-              <a:lnSpc>
-                <a:spcPct val="115000"/>
-              </a:lnSpc>
-              <a:spcBef>
-                <a:spcPts val="0"/>
-              </a:spcBef>
-              <a:spcAft>
-                <a:spcPts val="0"/>
-              </a:spcAft>
-              <a:buNone/>
-            </a:pPr>
-            <a:r>
-              <a:rPr lang="en-GB" sz="1500">
-                <a:solidFill>
-                  <a:srgbClr val="00009A"/>
-                </a:solidFill>
-              </a:rPr>
-              <a:t> 	-And simple one line function!</a:t>
-            </a:r>
-            <a:endParaRPr sz="1500">
-              <a:solidFill>
-                <a:srgbClr val="00009A"/>
-              </a:solidFill>
-            </a:endParaRPr>
-          </a:p>
-          <a:p>
-            <a:pPr indent="0" lvl="0" marL="0" rtl="0" algn="l">
-              <a:lnSpc>
-                <a:spcPct val="115000"/>
-              </a:lnSpc>
-              <a:spcBef>
-                <a:spcPts val="0"/>
-              </a:spcBef>
-              <a:spcAft>
-                <a:spcPts val="0"/>
-              </a:spcAft>
-              <a:buNone/>
-            </a:pPr>
-            <a:r>
-              <a:rPr lang="en-GB" sz="1800">
-                <a:solidFill>
-                  <a:srgbClr val="00009A"/>
-                </a:solidFill>
-              </a:rPr>
-              <a:t>• Finding a root using the Newton-Raphson method</a:t>
-            </a:r>
-            <a:endParaRPr sz="1800">
-              <a:solidFill>
-                <a:srgbClr val="00009A"/>
-              </a:solidFill>
-            </a:endParaRPr>
-          </a:p>
-          <a:p>
-            <a:pPr indent="0" lvl="0" marL="0" rtl="0" algn="l">
-              <a:lnSpc>
-                <a:spcPct val="115000"/>
-              </a:lnSpc>
-              <a:spcBef>
-                <a:spcPts val="0"/>
-              </a:spcBef>
-              <a:spcAft>
-                <a:spcPts val="0"/>
-              </a:spcAft>
-              <a:buNone/>
-            </a:pPr>
-            <a:r>
-              <a:rPr lang="en-GB" sz="1500">
-                <a:solidFill>
-                  <a:srgbClr val="00009A"/>
-                </a:solidFill>
-              </a:rPr>
-              <a:t>	-While statement</a:t>
-            </a:r>
-            <a:endParaRPr sz="1500">
-              <a:solidFill>
-                <a:srgbClr val="00009A"/>
-              </a:solidFill>
-            </a:endParaRPr>
-          </a:p>
-          <a:p>
-            <a:pPr indent="0" lvl="0" marL="0" rtl="0" algn="l">
-              <a:lnSpc>
-                <a:spcPct val="115000"/>
-              </a:lnSpc>
-              <a:spcBef>
-                <a:spcPts val="0"/>
-              </a:spcBef>
-              <a:spcAft>
-                <a:spcPts val="0"/>
-              </a:spcAft>
-              <a:buNone/>
-            </a:pPr>
-            <a:r>
-              <a:t/>
-            </a:r>
-            <a:endParaRPr sz="1500">
-              <a:solidFill>
-                <a:srgbClr val="00009A"/>
-              </a:solidFill>
-            </a:endParaRPr>
-          </a:p>
-          <a:p>
-            <a:pPr indent="0" lvl="0" marL="0" rtl="0" algn="l">
-              <a:spcBef>
-                <a:spcPts val="540"/>
-              </a:spcBef>
-              <a:spcAft>
-                <a:spcPts val="0"/>
-              </a:spcAft>
-              <a:buNone/>
-            </a:pPr>
-            <a:r>
-              <a:t/>
-            </a:r>
-            <a:endParaRPr/>
-          </a:p>
-        </p:txBody>
-      </p:sp>
-    </p:spTree>
-  </p:cSld>
-  <p:clrMapOvr>
-    <a:masterClrMapping/>
-  </p:clrMapOvr>
-</p:sld>
-</file>
-
-<file path=ppt/slides/slide41.xml><?xml version="1.0" encoding="utf-8"?>
-<p:sld xmlns:a="http://schemas.openxmlformats.org/drawingml/2006/main" xmlns:r="http://schemas.openxmlformats.org/officeDocument/2006/relationships" xmlns:mc="http://schemas.openxmlformats.org/markup-compatibility/2006" xmlns:mv="urn:schemas-microsoft-com:mac:vml" xmlns:p="http://schemas.openxmlformats.org/presentationml/2006/main" xmlns:c="http://schemas.openxmlformats.org/drawingml/2006/chart" xmlns:dgm="http://schemas.openxmlformats.org/drawingml/2006/diagram" xmlns:o="urn:schemas-microsoft-com:office:office" xmlns:v="urn:schemas-microsoft-com:vml" xmlns:pvml="urn:schemas-microsoft-com:office:powerpoint" xmlns:com="http://schemas.openxmlformats.org/drawingml/2006/compatibility" xmlns:p14="http://schemas.microsoft.com/office/powerpoint/2010/main" xmlns:p15="http://schemas.microsoft.com/office/powerpoint/2012/main" xmlns:ahyp="http://schemas.microsoft.com/office/drawing/2018/hyperlinkcolor">
-  <p:cSld>
-    <p:spTree>
-      <p:nvGrpSpPr>
-        <p:cNvPr id="298" name="Shape 298"/>
-        <p:cNvGrpSpPr/>
-        <p:nvPr/>
-      </p:nvGrpSpPr>
-      <p:grpSpPr>
-        <a:xfrm>
-          <a:off x="0" y="0"/>
-          <a:ext cx="0" cy="0"/>
-          <a:chOff x="0" y="0"/>
-          <a:chExt cx="0" cy="0"/>
-        </a:xfrm>
-      </p:grpSpPr>
-      <p:sp>
-        <p:nvSpPr>
-          <p:cNvPr id="299" name="Google Shape;299;p54"/>
-          <p:cNvSpPr txBox="1"/>
-          <p:nvPr>
-            <p:ph type="title"/>
-          </p:nvPr>
-        </p:nvSpPr>
-        <p:spPr>
-          <a:xfrm>
             <a:off x="609600" y="1028700"/>
             <a:ext cx="8229600" cy="571500"/>
           </a:xfrm>
@@ -23224,7 +22727,7 @@
       </p:sp>
       <p:sp>
         <p:nvSpPr>
-          <p:cNvPr id="300" name="Google Shape;300;p54"/>
+          <p:cNvPr id="294" name="Google Shape;294;p53"/>
           <p:cNvSpPr txBox="1"/>
           <p:nvPr>
             <p:ph idx="1" type="body"/>
@@ -24713,6 +24216,285 @@
 </file>
 
 <file path=ppt/theme/theme1.xml><?xml version="1.0" encoding="utf-8"?>
+<a:theme xmlns:a="http://schemas.openxmlformats.org/drawingml/2006/main" xmlns:r="http://schemas.openxmlformats.org/officeDocument/2006/relationships">
+  <a:themeElements>
+    <a:clrScheme name="Default">
+      <a:dk1>
+        <a:srgbClr val="000000"/>
+      </a:dk1>
+      <a:lt1>
+        <a:srgbClr val="FFFFFF"/>
+      </a:lt1>
+      <a:dk2>
+        <a:srgbClr val="158158"/>
+      </a:dk2>
+      <a:lt2>
+        <a:srgbClr val="F3F3F3"/>
+      </a:lt2>
+      <a:accent1>
+        <a:srgbClr val="058DC7"/>
+      </a:accent1>
+      <a:accent2>
+        <a:srgbClr val="50B432"/>
+      </a:accent2>
+      <a:accent3>
+        <a:srgbClr val="ED561B"/>
+      </a:accent3>
+      <a:accent4>
+        <a:srgbClr val="EDEF00"/>
+      </a:accent4>
+      <a:accent5>
+        <a:srgbClr val="24CBE5"/>
+      </a:accent5>
+      <a:accent6>
+        <a:srgbClr val="64E572"/>
+      </a:accent6>
+      <a:hlink>
+        <a:srgbClr val="2200CC"/>
+      </a:hlink>
+      <a:folHlink>
+        <a:srgbClr val="551A8B"/>
+      </a:folHlink>
+    </a:clrScheme>
+    <a:fontScheme name="Office">
+      <a:majorFont>
+        <a:latin typeface="Arial"/>
+        <a:ea typeface=""/>
+        <a:cs typeface=""/>
+        <a:font script="Jpan" typeface="ＭＳ Ｐゴシック"/>
+        <a:font script="Hang" typeface="맑은 고딕"/>
+        <a:font script="Hans" typeface="宋体"/>
+        <a:font script="Hant" typeface="新細明體"/>
+        <a:font script="Arab" typeface="Times New Roman"/>
+        <a:font script="Hebr" typeface="Times New Roman"/>
+        <a:font script="Thai" typeface="Angsana New"/>
+        <a:font script="Ethi" typeface="Nyala"/>
+        <a:font script="Beng" typeface="Vrinda"/>
+        <a:font script="Gujr" typeface="Shruti"/>
+        <a:font script="Khmr" typeface="MoolBoran"/>
+        <a:font script="Knda" typeface="Tunga"/>
+        <a:font script="Guru" typeface="Raavi"/>
+        <a:font script="Cans" typeface="Euphemia"/>
+        <a:font script="Cher" typeface="Plantagenet Cherokee"/>
+        <a:font script="Yiii" typeface="Microsoft Yi Baiti"/>
+        <a:font script="Tibt" typeface="Microsoft Himalaya"/>
+        <a:font script="Thaa" typeface="MV Boli"/>
+        <a:font script="Deva" typeface="Mangal"/>
+        <a:font script="Telu" typeface="Gautami"/>
+        <a:font script="Taml" typeface="Latha"/>
+        <a:font script="Syrc" typeface="Estrangelo Edessa"/>
+        <a:font script="Orya" typeface="Kalinga"/>
+        <a:font script="Mlym" typeface="Kartika"/>
+        <a:font script="Laoo" typeface="DokChampa"/>
+        <a:font script="Sinh" typeface="Iskoola Pota"/>
+        <a:font script="Mong" typeface="Mongolian Baiti"/>
+        <a:font script="Viet" typeface="Times New Roman"/>
+        <a:font script="Uigh" typeface="Microsoft Uighur"/>
+        <a:font script="Geor" typeface="Sylfaen"/>
+      </a:majorFont>
+      <a:minorFont>
+        <a:latin typeface="Arial"/>
+        <a:ea typeface=""/>
+        <a:cs typeface=""/>
+        <a:font script="Jpan" typeface="ＭＳ Ｐゴシック"/>
+        <a:font script="Hang" typeface="맑은 고딕"/>
+        <a:font script="Hans" typeface="宋体"/>
+        <a:font script="Hant" typeface="新細明體"/>
+        <a:font script="Arab" typeface="Arial"/>
+        <a:font script="Hebr" typeface="Arial"/>
+        <a:font script="Thai" typeface="Cordia New"/>
+        <a:font script="Ethi" typeface="Nyala"/>
+        <a:font script="Beng" typeface="Vrinda"/>
+        <a:font script="Gujr" typeface="Shruti"/>
+        <a:font script="Khmr" typeface="DaunPenh"/>
+        <a:font script="Knda" typeface="Tunga"/>
+        <a:font script="Guru" typeface="Raavi"/>
+        <a:font script="Cans" typeface="Euphemia"/>
+        <a:font script="Cher" typeface="Plantagenet Cherokee"/>
+        <a:font script="Yiii" typeface="Microsoft Yi Baiti"/>
+        <a:font script="Tibt" typeface="Microsoft Himalaya"/>
+        <a:font script="Thaa" typeface="MV Boli"/>
+        <a:font script="Deva" typeface="Mangal"/>
+        <a:font script="Telu" typeface="Gautami"/>
+        <a:font script="Taml" typeface="Latha"/>
+        <a:font script="Syrc" typeface="Estrangelo Edessa"/>
+        <a:font script="Orya" typeface="Kalinga"/>
+        <a:font script="Mlym" typeface="Kartika"/>
+        <a:font script="Laoo" typeface="DokChampa"/>
+        <a:font script="Sinh" typeface="Iskoola Pota"/>
+        <a:font script="Mong" typeface="Mongolian Baiti"/>
+        <a:font script="Viet" typeface="Arial"/>
+        <a:font script="Uigh" typeface="Microsoft Uighur"/>
+        <a:font script="Geor" typeface="Sylfaen"/>
+      </a:minorFont>
+    </a:fontScheme>
+    <a:fmtScheme name="Office">
+      <a:fillStyleLst>
+        <a:solidFill>
+          <a:schemeClr val="phClr"/>
+        </a:solidFill>
+        <a:gradFill rotWithShape="1">
+          <a:gsLst>
+            <a:gs pos="0">
+              <a:schemeClr val="phClr">
+                <a:tint val="50000"/>
+                <a:satMod val="300000"/>
+              </a:schemeClr>
+            </a:gs>
+            <a:gs pos="35000">
+              <a:schemeClr val="phClr">
+                <a:tint val="37000"/>
+                <a:satMod val="300000"/>
+              </a:schemeClr>
+            </a:gs>
+            <a:gs pos="100000">
+              <a:schemeClr val="phClr">
+                <a:tint val="15000"/>
+                <a:satMod val="350000"/>
+              </a:schemeClr>
+            </a:gs>
+          </a:gsLst>
+          <a:lin ang="16200000" scaled="1"/>
+        </a:gradFill>
+        <a:gradFill rotWithShape="1">
+          <a:gsLst>
+            <a:gs pos="0">
+              <a:schemeClr val="phClr">
+                <a:tint val="100000"/>
+                <a:shade val="100000"/>
+                <a:satMod val="130000"/>
+              </a:schemeClr>
+            </a:gs>
+            <a:gs pos="100000">
+              <a:schemeClr val="phClr">
+                <a:tint val="50000"/>
+                <a:shade val="100000"/>
+                <a:satMod val="350000"/>
+              </a:schemeClr>
+            </a:gs>
+          </a:gsLst>
+          <a:lin ang="16200000" scaled="0"/>
+        </a:gradFill>
+      </a:fillStyleLst>
+      <a:lnStyleLst>
+        <a:ln w="9525" cap="flat" cmpd="sng" algn="ctr">
+          <a:solidFill>
+            <a:schemeClr val="phClr">
+              <a:shade val="95000"/>
+              <a:satMod val="105000"/>
+            </a:schemeClr>
+          </a:solidFill>
+          <a:prstDash val="solid"/>
+        </a:ln>
+        <a:ln w="25400" cap="flat" cmpd="sng" algn="ctr">
+          <a:solidFill>
+            <a:schemeClr val="phClr"/>
+          </a:solidFill>
+          <a:prstDash val="solid"/>
+        </a:ln>
+        <a:ln w="38100" cap="flat" cmpd="sng" algn="ctr">
+          <a:solidFill>
+            <a:schemeClr val="phClr"/>
+          </a:solidFill>
+          <a:prstDash val="solid"/>
+        </a:ln>
+      </a:lnStyleLst>
+      <a:effectStyleLst>
+        <a:effectStyle>
+          <a:effectLst>
+            <a:outerShdw blurRad="40000" dist="20000" dir="5400000" rotWithShape="0">
+              <a:srgbClr val="000000">
+                <a:alpha val="38000"/>
+              </a:srgbClr>
+            </a:outerShdw>
+          </a:effectLst>
+        </a:effectStyle>
+        <a:effectStyle>
+          <a:effectLst>
+            <a:outerShdw blurRad="40000" dist="23000" dir="5400000" rotWithShape="0">
+              <a:srgbClr val="000000">
+                <a:alpha val="35000"/>
+              </a:srgbClr>
+            </a:outerShdw>
+          </a:effectLst>
+        </a:effectStyle>
+        <a:effectStyle>
+          <a:effectLst>
+            <a:outerShdw blurRad="40000" dist="23000" dir="5400000" rotWithShape="0">
+              <a:srgbClr val="000000">
+                <a:alpha val="35000"/>
+              </a:srgbClr>
+            </a:outerShdw>
+          </a:effectLst>
+          <a:scene3d>
+            <a:camera prst="orthographicFront">
+              <a:rot lat="0" lon="0" rev="0"/>
+            </a:camera>
+            <a:lightRig rig="threePt" dir="t">
+              <a:rot lat="0" lon="0" rev="1200000"/>
+            </a:lightRig>
+          </a:scene3d>
+          <a:sp3d>
+            <a:bevelT w="63500" h="25400"/>
+          </a:sp3d>
+        </a:effectStyle>
+      </a:effectStyleLst>
+      <a:bgFillStyleLst>
+        <a:solidFill>
+          <a:schemeClr val="phClr"/>
+        </a:solidFill>
+        <a:gradFill rotWithShape="1">
+          <a:gsLst>
+            <a:gs pos="0">
+              <a:schemeClr val="phClr">
+                <a:tint val="40000"/>
+                <a:satMod val="350000"/>
+              </a:schemeClr>
+            </a:gs>
+            <a:gs pos="40000">
+              <a:schemeClr val="phClr">
+                <a:tint val="45000"/>
+                <a:shade val="99000"/>
+                <a:satMod val="350000"/>
+              </a:schemeClr>
+            </a:gs>
+            <a:gs pos="100000">
+              <a:schemeClr val="phClr">
+                <a:shade val="20000"/>
+                <a:satMod val="255000"/>
+              </a:schemeClr>
+            </a:gs>
+          </a:gsLst>
+          <a:path path="circle">
+            <a:fillToRect l="50000" t="-80000" r="50000" b="180000"/>
+          </a:path>
+        </a:gradFill>
+        <a:gradFill rotWithShape="1">
+          <a:gsLst>
+            <a:gs pos="0">
+              <a:schemeClr val="phClr">
+                <a:tint val="80000"/>
+                <a:satMod val="300000"/>
+              </a:schemeClr>
+            </a:gs>
+            <a:gs pos="100000">
+              <a:schemeClr val="phClr">
+                <a:shade val="30000"/>
+                <a:satMod val="200000"/>
+              </a:schemeClr>
+            </a:gs>
+          </a:gsLst>
+          <a:path path="circle">
+            <a:fillToRect l="50000" t="50000" r="50000" b="50000"/>
+          </a:path>
+        </a:gradFill>
+      </a:bgFillStyleLst>
+    </a:fmtScheme>
+  </a:themeElements>
+</a:theme>
+</file>
+
+<file path=ppt/theme/theme2.xml><?xml version="1.0" encoding="utf-8"?>
 <a:theme xmlns:a="http://schemas.openxmlformats.org/drawingml/2006/main" xmlns:r="http://schemas.openxmlformats.org/officeDocument/2006/relationships" name="tuos_ppt_template_colour">
   <a:themeElements>
     <a:clrScheme name="">
@@ -24989,283 +24771,4 @@
     </a:fmtScheme>
   </a:themeElements>
 </a:theme>
-</file>
-
-<file path=ppt/theme/theme2.xml><?xml version="1.0" encoding="utf-8"?>
-<a:theme xmlns:a="http://schemas.openxmlformats.org/drawingml/2006/main" xmlns:r="http://schemas.openxmlformats.org/officeDocument/2006/relationships">
-  <a:themeElements>
-    <a:clrScheme name="Default">
-      <a:dk1>
-        <a:srgbClr val="000000"/>
-      </a:dk1>
-      <a:lt1>
-        <a:srgbClr val="FFFFFF"/>
-      </a:lt1>
-      <a:dk2>
-        <a:srgbClr val="158158"/>
-      </a:dk2>
-      <a:lt2>
-        <a:srgbClr val="F3F3F3"/>
-      </a:lt2>
-      <a:accent1>
-        <a:srgbClr val="058DC7"/>
-      </a:accent1>
-      <a:accent2>
-        <a:srgbClr val="50B432"/>
-      </a:accent2>
-      <a:accent3>
-        <a:srgbClr val="ED561B"/>
-      </a:accent3>
-      <a:accent4>
-        <a:srgbClr val="EDEF00"/>
-      </a:accent4>
-      <a:accent5>
-        <a:srgbClr val="24CBE5"/>
-      </a:accent5>
-      <a:accent6>
-        <a:srgbClr val="64E572"/>
-      </a:accent6>
-      <a:hlink>
-        <a:srgbClr val="2200CC"/>
-      </a:hlink>
-      <a:folHlink>
-        <a:srgbClr val="551A8B"/>
-      </a:folHlink>
-    </a:clrScheme>
-    <a:fontScheme name="Office">
-      <a:majorFont>
-        <a:latin typeface="Arial"/>
-        <a:ea typeface=""/>
-        <a:cs typeface=""/>
-        <a:font script="Jpan" typeface="ＭＳ Ｐゴシック"/>
-        <a:font script="Hang" typeface="맑은 고딕"/>
-        <a:font script="Hans" typeface="宋体"/>
-        <a:font script="Hant" typeface="新細明體"/>
-        <a:font script="Arab" typeface="Times New Roman"/>
-        <a:font script="Hebr" typeface="Times New Roman"/>
-        <a:font script="Thai" typeface="Angsana New"/>
-        <a:font script="Ethi" typeface="Nyala"/>
-        <a:font script="Beng" typeface="Vrinda"/>
-        <a:font script="Gujr" typeface="Shruti"/>
-        <a:font script="Khmr" typeface="MoolBoran"/>
-        <a:font script="Knda" typeface="Tunga"/>
-        <a:font script="Guru" typeface="Raavi"/>
-        <a:font script="Cans" typeface="Euphemia"/>
-        <a:font script="Cher" typeface="Plantagenet Cherokee"/>
-        <a:font script="Yiii" typeface="Microsoft Yi Baiti"/>
-        <a:font script="Tibt" typeface="Microsoft Himalaya"/>
-        <a:font script="Thaa" typeface="MV Boli"/>
-        <a:font script="Deva" typeface="Mangal"/>
-        <a:font script="Telu" typeface="Gautami"/>
-        <a:font script="Taml" typeface="Latha"/>
-        <a:font script="Syrc" typeface="Estrangelo Edessa"/>
-        <a:font script="Orya" typeface="Kalinga"/>
-        <a:font script="Mlym" typeface="Kartika"/>
-        <a:font script="Laoo" typeface="DokChampa"/>
-        <a:font script="Sinh" typeface="Iskoola Pota"/>
-        <a:font script="Mong" typeface="Mongolian Baiti"/>
-        <a:font script="Viet" typeface="Times New Roman"/>
-        <a:font script="Uigh" typeface="Microsoft Uighur"/>
-        <a:font script="Geor" typeface="Sylfaen"/>
-      </a:majorFont>
-      <a:minorFont>
-        <a:latin typeface="Arial"/>
-        <a:ea typeface=""/>
-        <a:cs typeface=""/>
-        <a:font script="Jpan" typeface="ＭＳ Ｐゴシック"/>
-        <a:font script="Hang" typeface="맑은 고딕"/>
-        <a:font script="Hans" typeface="宋体"/>
-        <a:font script="Hant" typeface="新細明體"/>
-        <a:font script="Arab" typeface="Arial"/>
-        <a:font script="Hebr" typeface="Arial"/>
-        <a:font script="Thai" typeface="Cordia New"/>
-        <a:font script="Ethi" typeface="Nyala"/>
-        <a:font script="Beng" typeface="Vrinda"/>
-        <a:font script="Gujr" typeface="Shruti"/>
-        <a:font script="Khmr" typeface="DaunPenh"/>
-        <a:font script="Knda" typeface="Tunga"/>
-        <a:font script="Guru" typeface="Raavi"/>
-        <a:font script="Cans" typeface="Euphemia"/>
-        <a:font script="Cher" typeface="Plantagenet Cherokee"/>
-        <a:font script="Yiii" typeface="Microsoft Yi Baiti"/>
-        <a:font script="Tibt" typeface="Microsoft Himalaya"/>
-        <a:font script="Thaa" typeface="MV Boli"/>
-        <a:font script="Deva" typeface="Mangal"/>
-        <a:font script="Telu" typeface="Gautami"/>
-        <a:font script="Taml" typeface="Latha"/>
-        <a:font script="Syrc" typeface="Estrangelo Edessa"/>
-        <a:font script="Orya" typeface="Kalinga"/>
-        <a:font script="Mlym" typeface="Kartika"/>
-        <a:font script="Laoo" typeface="DokChampa"/>
-        <a:font script="Sinh" typeface="Iskoola Pota"/>
-        <a:font script="Mong" typeface="Mongolian Baiti"/>
-        <a:font script="Viet" typeface="Arial"/>
-        <a:font script="Uigh" typeface="Microsoft Uighur"/>
-        <a:font script="Geor" typeface="Sylfaen"/>
-      </a:minorFont>
-    </a:fontScheme>
-    <a:fmtScheme name="Office">
-      <a:fillStyleLst>
-        <a:solidFill>
-          <a:schemeClr val="phClr"/>
-        </a:solidFill>
-        <a:gradFill rotWithShape="1">
-          <a:gsLst>
-            <a:gs pos="0">
-              <a:schemeClr val="phClr">
-                <a:tint val="50000"/>
-                <a:satMod val="300000"/>
-              </a:schemeClr>
-            </a:gs>
-            <a:gs pos="35000">
-              <a:schemeClr val="phClr">
-                <a:tint val="37000"/>
-                <a:satMod val="300000"/>
-              </a:schemeClr>
-            </a:gs>
-            <a:gs pos="100000">
-              <a:schemeClr val="phClr">
-                <a:tint val="15000"/>
-                <a:satMod val="350000"/>
-              </a:schemeClr>
-            </a:gs>
-          </a:gsLst>
-          <a:lin ang="16200000" scaled="1"/>
-        </a:gradFill>
-        <a:gradFill rotWithShape="1">
-          <a:gsLst>
-            <a:gs pos="0">
-              <a:schemeClr val="phClr">
-                <a:tint val="100000"/>
-                <a:shade val="100000"/>
-                <a:satMod val="130000"/>
-              </a:schemeClr>
-            </a:gs>
-            <a:gs pos="100000">
-              <a:schemeClr val="phClr">
-                <a:tint val="50000"/>
-                <a:shade val="100000"/>
-                <a:satMod val="350000"/>
-              </a:schemeClr>
-            </a:gs>
-          </a:gsLst>
-          <a:lin ang="16200000" scaled="0"/>
-        </a:gradFill>
-      </a:fillStyleLst>
-      <a:lnStyleLst>
-        <a:ln w="9525" cap="flat" cmpd="sng" algn="ctr">
-          <a:solidFill>
-            <a:schemeClr val="phClr">
-              <a:shade val="95000"/>
-              <a:satMod val="105000"/>
-            </a:schemeClr>
-          </a:solidFill>
-          <a:prstDash val="solid"/>
-        </a:ln>
-        <a:ln w="25400" cap="flat" cmpd="sng" algn="ctr">
-          <a:solidFill>
-            <a:schemeClr val="phClr"/>
-          </a:solidFill>
-          <a:prstDash val="solid"/>
-        </a:ln>
-        <a:ln w="38100" cap="flat" cmpd="sng" algn="ctr">
-          <a:solidFill>
-            <a:schemeClr val="phClr"/>
-          </a:solidFill>
-          <a:prstDash val="solid"/>
-        </a:ln>
-      </a:lnStyleLst>
-      <a:effectStyleLst>
-        <a:effectStyle>
-          <a:effectLst>
-            <a:outerShdw blurRad="40000" dist="20000" dir="5400000" rotWithShape="0">
-              <a:srgbClr val="000000">
-                <a:alpha val="38000"/>
-              </a:srgbClr>
-            </a:outerShdw>
-          </a:effectLst>
-        </a:effectStyle>
-        <a:effectStyle>
-          <a:effectLst>
-            <a:outerShdw blurRad="40000" dist="23000" dir="5400000" rotWithShape="0">
-              <a:srgbClr val="000000">
-                <a:alpha val="35000"/>
-              </a:srgbClr>
-            </a:outerShdw>
-          </a:effectLst>
-        </a:effectStyle>
-        <a:effectStyle>
-          <a:effectLst>
-            <a:outerShdw blurRad="40000" dist="23000" dir="5400000" rotWithShape="0">
-              <a:srgbClr val="000000">
-                <a:alpha val="35000"/>
-              </a:srgbClr>
-            </a:outerShdw>
-          </a:effectLst>
-          <a:scene3d>
-            <a:camera prst="orthographicFront">
-              <a:rot lat="0" lon="0" rev="0"/>
-            </a:camera>
-            <a:lightRig rig="threePt" dir="t">
-              <a:rot lat="0" lon="0" rev="1200000"/>
-            </a:lightRig>
-          </a:scene3d>
-          <a:sp3d>
-            <a:bevelT w="63500" h="25400"/>
-          </a:sp3d>
-        </a:effectStyle>
-      </a:effectStyleLst>
-      <a:bgFillStyleLst>
-        <a:solidFill>
-          <a:schemeClr val="phClr"/>
-        </a:solidFill>
-        <a:gradFill rotWithShape="1">
-          <a:gsLst>
-            <a:gs pos="0">
-              <a:schemeClr val="phClr">
-                <a:tint val="40000"/>
-                <a:satMod val="350000"/>
-              </a:schemeClr>
-            </a:gs>
-            <a:gs pos="40000">
-              <a:schemeClr val="phClr">
-                <a:tint val="45000"/>
-                <a:shade val="99000"/>
-                <a:satMod val="350000"/>
-              </a:schemeClr>
-            </a:gs>
-            <a:gs pos="100000">
-              <a:schemeClr val="phClr">
-                <a:shade val="20000"/>
-                <a:satMod val="255000"/>
-              </a:schemeClr>
-            </a:gs>
-          </a:gsLst>
-          <a:path path="circle">
-            <a:fillToRect l="50000" t="-80000" r="50000" b="180000"/>
-          </a:path>
-        </a:gradFill>
-        <a:gradFill rotWithShape="1">
-          <a:gsLst>
-            <a:gs pos="0">
-              <a:schemeClr val="phClr">
-                <a:tint val="80000"/>
-                <a:satMod val="300000"/>
-              </a:schemeClr>
-            </a:gs>
-            <a:gs pos="100000">
-              <a:schemeClr val="phClr">
-                <a:shade val="30000"/>
-                <a:satMod val="200000"/>
-              </a:schemeClr>
-            </a:gs>
-          </a:gsLst>
-          <a:path path="circle">
-            <a:fillToRect l="50000" t="50000" r="50000" b="50000"/>
-          </a:path>
-        </a:gradFill>
-      </a:bgFillStyleLst>
-    </a:fmtScheme>
-  </a:themeElements>
-</a:theme>
 </file>